--- a/Documentation/TetraPlex deck 0.54 - dark mode.pptx
+++ b/Documentation/TetraPlex deck 0.54 - dark mode.pptx
@@ -117,7 +117,7 @@
   </p:defaultTextStyle>
   <p:extLst>
     <p:ext uri="{EFAFB233-063F-42B5-8137-9DF3F51BA10A}">
-      <p15:sldGuideLst xmlns:p15="http://schemas.microsoft.com/office/powerpoint/2012/main" xmlns=""/>
+      <p15:sldGuideLst xmlns="" xmlns:p15="http://schemas.microsoft.com/office/powerpoint/2012/main"/>
     </p:ext>
   </p:extLst>
 </p:presentation>
@@ -643,7 +643,7 @@
             <a:fld id="{D703D9E9-6871-4375-AC09-0A65C85665EF}" type="datetimeFigureOut">
               <a:rPr lang="de-DE" smtClean="0"/>
               <a:pPr/>
-              <a:t>21.07.2023</a:t>
+              <a:t>22.07.2023</a:t>
             </a:fld>
             <a:endParaRPr lang="de-DE"/>
           </a:p>
@@ -836,7 +836,7 @@
             <a:fld id="{D703D9E9-6871-4375-AC09-0A65C85665EF}" type="datetimeFigureOut">
               <a:rPr lang="de-DE" smtClean="0"/>
               <a:pPr/>
-              <a:t>21.07.2023</a:t>
+              <a:t>22.07.2023</a:t>
             </a:fld>
             <a:endParaRPr lang="de-DE"/>
           </a:p>
@@ -1018,7 +1018,7 @@
             <a:fld id="{D703D9E9-6871-4375-AC09-0A65C85665EF}" type="datetimeFigureOut">
               <a:rPr lang="de-DE" smtClean="0"/>
               <a:pPr/>
-              <a:t>21.07.2023</a:t>
+              <a:t>22.07.2023</a:t>
             </a:fld>
             <a:endParaRPr lang="de-DE"/>
           </a:p>
@@ -1283,7 +1283,7 @@
             <a:fld id="{D703D9E9-6871-4375-AC09-0A65C85665EF}" type="datetimeFigureOut">
               <a:rPr lang="de-DE" smtClean="0"/>
               <a:pPr/>
-              <a:t>21.07.2023</a:t>
+              <a:t>22.07.2023</a:t>
             </a:fld>
             <a:endParaRPr lang="de-DE"/>
           </a:p>
@@ -1696,7 +1696,7 @@
             <a:fld id="{D703D9E9-6871-4375-AC09-0A65C85665EF}" type="datetimeFigureOut">
               <a:rPr lang="de-DE" smtClean="0"/>
               <a:pPr/>
-              <a:t>21.07.2023</a:t>
+              <a:t>22.07.2023</a:t>
             </a:fld>
             <a:endParaRPr lang="de-DE"/>
           </a:p>
@@ -1940,7 +1940,7 @@
             <a:fld id="{D703D9E9-6871-4375-AC09-0A65C85665EF}" type="datetimeFigureOut">
               <a:rPr lang="de-DE" smtClean="0"/>
               <a:pPr/>
-              <a:t>21.07.2023</a:t>
+              <a:t>22.07.2023</a:t>
             </a:fld>
             <a:endParaRPr lang="de-DE"/>
           </a:p>
@@ -2178,7 +2178,7 @@
             <a:fld id="{D703D9E9-6871-4375-AC09-0A65C85665EF}" type="datetimeFigureOut">
               <a:rPr lang="de-DE" smtClean="0"/>
               <a:pPr/>
-              <a:t>21.07.2023</a:t>
+              <a:t>22.07.2023</a:t>
             </a:fld>
             <a:endParaRPr lang="de-DE"/>
           </a:p>
@@ -2375,7 +2375,7 @@
             <a:fld id="{D703D9E9-6871-4375-AC09-0A65C85665EF}" type="datetimeFigureOut">
               <a:rPr lang="de-DE" smtClean="0"/>
               <a:pPr/>
-              <a:t>21.07.2023</a:t>
+              <a:t>22.07.2023</a:t>
             </a:fld>
             <a:endParaRPr lang="de-DE"/>
           </a:p>
@@ -2475,7 +2475,7 @@
             <a:fld id="{D703D9E9-6871-4375-AC09-0A65C85665EF}" type="datetimeFigureOut">
               <a:rPr lang="de-DE" smtClean="0"/>
               <a:pPr/>
-              <a:t>21.07.2023</a:t>
+              <a:t>22.07.2023</a:t>
             </a:fld>
             <a:endParaRPr lang="de-DE"/>
           </a:p>
@@ -2613,7 +2613,7 @@
             <a:fld id="{D703D9E9-6871-4375-AC09-0A65C85665EF}" type="datetimeFigureOut">
               <a:rPr lang="de-DE" smtClean="0"/>
               <a:pPr/>
-              <a:t>21.07.2023</a:t>
+              <a:t>22.07.2023</a:t>
             </a:fld>
             <a:endParaRPr lang="de-DE"/>
           </a:p>
@@ -3128,7 +3128,7 @@
             <a:fld id="{D703D9E9-6871-4375-AC09-0A65C85665EF}" type="datetimeFigureOut">
               <a:rPr lang="de-DE" smtClean="0"/>
               <a:pPr/>
-              <a:t>21.07.2023</a:t>
+              <a:t>22.07.2023</a:t>
             </a:fld>
             <a:endParaRPr lang="de-DE"/>
           </a:p>
@@ -3391,7 +3391,7 @@
             <a:fld id="{D703D9E9-6871-4375-AC09-0A65C85665EF}" type="datetimeFigureOut">
               <a:rPr lang="de-DE" smtClean="0"/>
               <a:pPr/>
-              <a:t>21.07.2023</a:t>
+              <a:t>22.07.2023</a:t>
             </a:fld>
             <a:endParaRPr lang="de-DE"/>
           </a:p>
@@ -3936,7 +3936,7 @@
           <p:cNvPr id="3" name="Untertitel 2">
             <a:extLst>
               <a:ext uri="{FF2B5EF4-FFF2-40B4-BE49-F238E27FC236}">
-                <a16:creationId xmlns:a16="http://schemas.microsoft.com/office/drawing/2014/main" xmlns="" id="{66EAC223-604A-E53F-EADB-5FCF3F050425}"/>
+                <a16:creationId xmlns="" xmlns:a16="http://schemas.microsoft.com/office/drawing/2014/main" id="{66EAC223-604A-E53F-EADB-5FCF3F050425}"/>
               </a:ext>
             </a:extLst>
           </p:cNvPr>
@@ -4116,7 +4116,7 @@
     </p:spTree>
     <p:extLst>
       <p:ext uri="{BB962C8B-B14F-4D97-AF65-F5344CB8AC3E}">
-        <p14:creationId xmlns:p14="http://schemas.microsoft.com/office/powerpoint/2010/main" xmlns="" val="77256135"/>
+        <p14:creationId xmlns="" xmlns:p14="http://schemas.microsoft.com/office/powerpoint/2010/main" val="77256135"/>
       </p:ext>
     </p:extLst>
   </p:cSld>
@@ -4155,7 +4155,7 @@
           <p:cNvPr id="2" name="Titel 1">
             <a:extLst>
               <a:ext uri="{FF2B5EF4-FFF2-40B4-BE49-F238E27FC236}">
-                <a16:creationId xmlns:a16="http://schemas.microsoft.com/office/drawing/2014/main" xmlns="" id="{0E0F567F-A26B-3FB3-CCB2-26650C9159FD}"/>
+                <a16:creationId xmlns="" xmlns:a16="http://schemas.microsoft.com/office/drawing/2014/main" id="{0E0F567F-A26B-3FB3-CCB2-26650C9159FD}"/>
               </a:ext>
             </a:extLst>
           </p:cNvPr>
@@ -4199,7 +4199,7 @@
           <p:cNvPr id="3" name="Inhaltsplatzhalter 2">
             <a:extLst>
               <a:ext uri="{FF2B5EF4-FFF2-40B4-BE49-F238E27FC236}">
-                <a16:creationId xmlns:a16="http://schemas.microsoft.com/office/drawing/2014/main" xmlns="" id="{0C8E27EB-6D5D-FD5C-62B8-EF46AD9E1128}"/>
+                <a16:creationId xmlns="" xmlns:a16="http://schemas.microsoft.com/office/drawing/2014/main" id="{0C8E27EB-6D5D-FD5C-62B8-EF46AD9E1128}"/>
               </a:ext>
             </a:extLst>
           </p:cNvPr>
@@ -4328,7 +4328,7 @@
     </p:spTree>
     <p:extLst>
       <p:ext uri="{BB962C8B-B14F-4D97-AF65-F5344CB8AC3E}">
-        <p14:creationId xmlns:p14="http://schemas.microsoft.com/office/powerpoint/2010/main" xmlns="" val="3625188337"/>
+        <p14:creationId xmlns="" xmlns:p14="http://schemas.microsoft.com/office/powerpoint/2010/main" val="3625188337"/>
       </p:ext>
     </p:extLst>
   </p:cSld>
@@ -4380,12 +4380,28 @@
           <a:lstStyle/>
           <a:p>
             <a:r>
+              <a:rPr lang="de-DE" b="1" smtClean="0">
+                <a:solidFill>
+                  <a:srgbClr val="FFFF00"/>
+                </a:solidFill>
+              </a:rPr>
+              <a:t>Tetraplex </a:t>
+            </a:r>
+            <a:r>
+              <a:rPr lang="de-DE" b="1" smtClean="0">
+                <a:solidFill>
+                  <a:srgbClr val="FFFF00"/>
+                </a:solidFill>
+              </a:rPr>
+              <a:t>Kognitivdienste</a:t>
+            </a:r>
+            <a:r>
               <a:rPr lang="de-DE" b="1" dirty="0" smtClean="0">
                 <a:solidFill>
                   <a:srgbClr val="FFFF00"/>
                 </a:solidFill>
               </a:rPr>
-              <a:t>Tetraplex Kognitivdiemste:  AI Services</a:t>
+              <a:t>:  AI Services</a:t>
             </a:r>
             <a:endParaRPr lang="en-US" dirty="0"/>
           </a:p>
@@ -4798,7 +4814,7 @@
           <p:cNvPr id="2" name="Titel 1">
             <a:extLst>
               <a:ext uri="{FF2B5EF4-FFF2-40B4-BE49-F238E27FC236}">
-                <a16:creationId xmlns:a16="http://schemas.microsoft.com/office/drawing/2014/main" xmlns="" id="{C21D459F-BF65-98A3-82FE-E681FB41ADC3}"/>
+                <a16:creationId xmlns="" xmlns:a16="http://schemas.microsoft.com/office/drawing/2014/main" id="{C21D459F-BF65-98A3-82FE-E681FB41ADC3}"/>
               </a:ext>
             </a:extLst>
           </p:cNvPr>
@@ -4837,7 +4853,7 @@
           <p:cNvPr id="3" name="Inhaltsplatzhalter 2">
             <a:extLst>
               <a:ext uri="{FF2B5EF4-FFF2-40B4-BE49-F238E27FC236}">
-                <a16:creationId xmlns:a16="http://schemas.microsoft.com/office/drawing/2014/main" xmlns="" id="{75E8FA1C-5EA9-21B0-E50C-8ECC1B166C3E}"/>
+                <a16:creationId xmlns="" xmlns:a16="http://schemas.microsoft.com/office/drawing/2014/main" id="{75E8FA1C-5EA9-21B0-E50C-8ECC1B166C3E}"/>
               </a:ext>
             </a:extLst>
           </p:cNvPr>
@@ -4990,7 +5006,7 @@
     </p:spTree>
     <p:extLst>
       <p:ext uri="{BB962C8B-B14F-4D97-AF65-F5344CB8AC3E}">
-        <p14:creationId xmlns:p14="http://schemas.microsoft.com/office/powerpoint/2010/main" xmlns="" val="3190174708"/>
+        <p14:creationId xmlns="" xmlns:p14="http://schemas.microsoft.com/office/powerpoint/2010/main" val="3190174708"/>
       </p:ext>
     </p:extLst>
   </p:cSld>
@@ -5029,7 +5045,7 @@
           <p:cNvPr id="2" name="Titel 1">
             <a:extLst>
               <a:ext uri="{FF2B5EF4-FFF2-40B4-BE49-F238E27FC236}">
-                <a16:creationId xmlns:a16="http://schemas.microsoft.com/office/drawing/2014/main" xmlns="" id="{C21D459F-BF65-98A3-82FE-E681FB41ADC3}"/>
+                <a16:creationId xmlns="" xmlns:a16="http://schemas.microsoft.com/office/drawing/2014/main" id="{C21D459F-BF65-98A3-82FE-E681FB41ADC3}"/>
               </a:ext>
             </a:extLst>
           </p:cNvPr>
@@ -5207,7 +5223,7 @@
     </p:spTree>
     <p:extLst>
       <p:ext uri="{BB962C8B-B14F-4D97-AF65-F5344CB8AC3E}">
-        <p14:creationId xmlns:p14="http://schemas.microsoft.com/office/powerpoint/2010/main" xmlns="" val="3230060305"/>
+        <p14:creationId xmlns="" xmlns:p14="http://schemas.microsoft.com/office/powerpoint/2010/main" val="3230060305"/>
       </p:ext>
     </p:extLst>
   </p:cSld>
@@ -5475,7 +5491,7 @@
           <p:cNvPr id="2" name="Titel 1">
             <a:extLst>
               <a:ext uri="{FF2B5EF4-FFF2-40B4-BE49-F238E27FC236}">
-                <a16:creationId xmlns:a16="http://schemas.microsoft.com/office/drawing/2014/main" xmlns="" id="{104ADDBE-2857-21DF-31CF-75966D662895}"/>
+                <a16:creationId xmlns="" xmlns:a16="http://schemas.microsoft.com/office/drawing/2014/main" id="{104ADDBE-2857-21DF-31CF-75966D662895}"/>
               </a:ext>
             </a:extLst>
           </p:cNvPr>
@@ -5690,7 +5706,7 @@
     </p:spTree>
     <p:extLst>
       <p:ext uri="{BB962C8B-B14F-4D97-AF65-F5344CB8AC3E}">
-        <p14:creationId xmlns:p14="http://schemas.microsoft.com/office/powerpoint/2010/main" xmlns="" val="3351770822"/>
+        <p14:creationId xmlns="" xmlns:p14="http://schemas.microsoft.com/office/powerpoint/2010/main" val="3351770822"/>
       </p:ext>
     </p:extLst>
   </p:cSld>
@@ -5729,7 +5745,7 @@
           <p:cNvPr id="2" name="Titel 1">
             <a:extLst>
               <a:ext uri="{FF2B5EF4-FFF2-40B4-BE49-F238E27FC236}">
-                <a16:creationId xmlns:a16="http://schemas.microsoft.com/office/drawing/2014/main" xmlns="" id="{D08A566F-4CA9-F7DF-ECEB-910A88862795}"/>
+                <a16:creationId xmlns="" xmlns:a16="http://schemas.microsoft.com/office/drawing/2014/main" id="{D08A566F-4CA9-F7DF-ECEB-910A88862795}"/>
               </a:ext>
             </a:extLst>
           </p:cNvPr>
@@ -5768,7 +5784,7 @@
           <p:cNvPr id="13" name="Inhaltsplatzhalter 2">
             <a:extLst>
               <a:ext uri="{FF2B5EF4-FFF2-40B4-BE49-F238E27FC236}">
-                <a16:creationId xmlns:a16="http://schemas.microsoft.com/office/drawing/2014/main" xmlns="" id="{FAC69121-968E-B939-3377-5335E9638EE8}"/>
+                <a16:creationId xmlns="" xmlns:a16="http://schemas.microsoft.com/office/drawing/2014/main" id="{FAC69121-968E-B939-3377-5335E9638EE8}"/>
               </a:ext>
             </a:extLst>
           </p:cNvPr>
@@ -5891,7 +5907,7 @@
     </p:spTree>
     <p:extLst>
       <p:ext uri="{BB962C8B-B14F-4D97-AF65-F5344CB8AC3E}">
-        <p14:creationId xmlns:p14="http://schemas.microsoft.com/office/powerpoint/2010/main" xmlns="" val="4139908003"/>
+        <p14:creationId xmlns="" xmlns:p14="http://schemas.microsoft.com/office/powerpoint/2010/main" val="4139908003"/>
       </p:ext>
     </p:extLst>
   </p:cSld>
@@ -6173,7 +6189,7 @@
           <p:cNvPr id="2" name="Titel 1">
             <a:extLst>
               <a:ext uri="{FF2B5EF4-FFF2-40B4-BE49-F238E27FC236}">
-                <a16:creationId xmlns:a16="http://schemas.microsoft.com/office/drawing/2014/main" xmlns="" id="{D08A566F-4CA9-F7DF-ECEB-910A88862795}"/>
+                <a16:creationId xmlns="" xmlns:a16="http://schemas.microsoft.com/office/drawing/2014/main" id="{D08A566F-4CA9-F7DF-ECEB-910A88862795}"/>
               </a:ext>
             </a:extLst>
           </p:cNvPr>
@@ -6212,7 +6228,7 @@
           <p:cNvPr id="3" name="Inhaltsplatzhalter 2">
             <a:extLst>
               <a:ext uri="{FF2B5EF4-FFF2-40B4-BE49-F238E27FC236}">
-                <a16:creationId xmlns:a16="http://schemas.microsoft.com/office/drawing/2014/main" xmlns="" id="{FAC69121-968E-B939-3377-5335E9638EE8}"/>
+                <a16:creationId xmlns="" xmlns:a16="http://schemas.microsoft.com/office/drawing/2014/main" id="{FAC69121-968E-B939-3377-5335E9638EE8}"/>
               </a:ext>
             </a:extLst>
           </p:cNvPr>
@@ -6240,7 +6256,7 @@
           <p:cNvPr id="8" name="Inhaltsplatzhalter 2">
             <a:extLst>
               <a:ext uri="{FF2B5EF4-FFF2-40B4-BE49-F238E27FC236}">
-                <a16:creationId xmlns:a16="http://schemas.microsoft.com/office/drawing/2014/main" xmlns="" id="{FAC69121-968E-B939-3377-5335E9638EE8}"/>
+                <a16:creationId xmlns="" xmlns:a16="http://schemas.microsoft.com/office/drawing/2014/main" id="{FAC69121-968E-B939-3377-5335E9638EE8}"/>
               </a:ext>
             </a:extLst>
           </p:cNvPr>
@@ -6491,7 +6507,7 @@
     </p:spTree>
     <p:extLst>
       <p:ext uri="{BB962C8B-B14F-4D97-AF65-F5344CB8AC3E}">
-        <p14:creationId xmlns:p14="http://schemas.microsoft.com/office/powerpoint/2010/main" xmlns="" val="1747655176"/>
+        <p14:creationId xmlns="" xmlns:p14="http://schemas.microsoft.com/office/powerpoint/2010/main" val="1747655176"/>
       </p:ext>
     </p:extLst>
   </p:cSld>
@@ -6530,7 +6546,7 @@
           <p:cNvPr id="2" name="Titel 1">
             <a:extLst>
               <a:ext uri="{FF2B5EF4-FFF2-40B4-BE49-F238E27FC236}">
-                <a16:creationId xmlns:a16="http://schemas.microsoft.com/office/drawing/2014/main" xmlns="" id="{D08A566F-4CA9-F7DF-ECEB-910A88862795}"/>
+                <a16:creationId xmlns="" xmlns:a16="http://schemas.microsoft.com/office/drawing/2014/main" id="{D08A566F-4CA9-F7DF-ECEB-910A88862795}"/>
               </a:ext>
             </a:extLst>
           </p:cNvPr>
@@ -6569,7 +6585,7 @@
           <p:cNvPr id="3" name="Inhaltsplatzhalter 2">
             <a:extLst>
               <a:ext uri="{FF2B5EF4-FFF2-40B4-BE49-F238E27FC236}">
-                <a16:creationId xmlns:a16="http://schemas.microsoft.com/office/drawing/2014/main" xmlns="" id="{FAC69121-968E-B939-3377-5335E9638EE8}"/>
+                <a16:creationId xmlns="" xmlns:a16="http://schemas.microsoft.com/office/drawing/2014/main" id="{FAC69121-968E-B939-3377-5335E9638EE8}"/>
               </a:ext>
             </a:extLst>
           </p:cNvPr>
@@ -6597,7 +6613,7 @@
           <p:cNvPr id="8" name="Inhaltsplatzhalter 2">
             <a:extLst>
               <a:ext uri="{FF2B5EF4-FFF2-40B4-BE49-F238E27FC236}">
-                <a16:creationId xmlns:a16="http://schemas.microsoft.com/office/drawing/2014/main" xmlns="" id="{FAC69121-968E-B939-3377-5335E9638EE8}"/>
+                <a16:creationId xmlns="" xmlns:a16="http://schemas.microsoft.com/office/drawing/2014/main" id="{FAC69121-968E-B939-3377-5335E9638EE8}"/>
               </a:ext>
             </a:extLst>
           </p:cNvPr>
@@ -7025,7 +7041,7 @@
     </p:spTree>
     <p:extLst>
       <p:ext uri="{BB962C8B-B14F-4D97-AF65-F5344CB8AC3E}">
-        <p14:creationId xmlns:p14="http://schemas.microsoft.com/office/powerpoint/2010/main" xmlns="" val="1747655176"/>
+        <p14:creationId xmlns="" xmlns:p14="http://schemas.microsoft.com/office/powerpoint/2010/main" val="1747655176"/>
       </p:ext>
     </p:extLst>
   </p:cSld>

--- a/Documentation/TetraPlex deck 0.54 - dark mode.pptx
+++ b/Documentation/TetraPlex deck 0.54 - dark mode.pptx
@@ -16,7 +16,9 @@
     <p:sldId id="269" r:id="rId10"/>
     <p:sldId id="264" r:id="rId11"/>
     <p:sldId id="271" r:id="rId12"/>
-    <p:sldId id="270" r:id="rId13"/>
+    <p:sldId id="272" r:id="rId13"/>
+    <p:sldId id="274" r:id="rId14"/>
+    <p:sldId id="270" r:id="rId15"/>
   </p:sldIdLst>
   <p:sldSz cx="12192000" cy="6858000"/>
   <p:notesSz cx="6858000" cy="9144000"/>
@@ -117,7 +119,7 @@
   </p:defaultTextStyle>
   <p:extLst>
     <p:ext uri="{EFAFB233-063F-42B5-8137-9DF3F51BA10A}">
-      <p15:sldGuideLst xmlns="" xmlns:p15="http://schemas.microsoft.com/office/powerpoint/2012/main"/>
+      <p15:sldGuideLst xmlns:p15="http://schemas.microsoft.com/office/powerpoint/2012/main" xmlns=""/>
     </p:ext>
   </p:extLst>
 </p:presentation>
@@ -643,7 +645,7 @@
             <a:fld id="{D703D9E9-6871-4375-AC09-0A65C85665EF}" type="datetimeFigureOut">
               <a:rPr lang="de-DE" smtClean="0"/>
               <a:pPr/>
-              <a:t>22.07.2023</a:t>
+              <a:t>10.08.2023</a:t>
             </a:fld>
             <a:endParaRPr lang="de-DE"/>
           </a:p>
@@ -836,7 +838,7 @@
             <a:fld id="{D703D9E9-6871-4375-AC09-0A65C85665EF}" type="datetimeFigureOut">
               <a:rPr lang="de-DE" smtClean="0"/>
               <a:pPr/>
-              <a:t>22.07.2023</a:t>
+              <a:t>10.08.2023</a:t>
             </a:fld>
             <a:endParaRPr lang="de-DE"/>
           </a:p>
@@ -1018,7 +1020,7 @@
             <a:fld id="{D703D9E9-6871-4375-AC09-0A65C85665EF}" type="datetimeFigureOut">
               <a:rPr lang="de-DE" smtClean="0"/>
               <a:pPr/>
-              <a:t>22.07.2023</a:t>
+              <a:t>10.08.2023</a:t>
             </a:fld>
             <a:endParaRPr lang="de-DE"/>
           </a:p>
@@ -1283,7 +1285,7 @@
             <a:fld id="{D703D9E9-6871-4375-AC09-0A65C85665EF}" type="datetimeFigureOut">
               <a:rPr lang="de-DE" smtClean="0"/>
               <a:pPr/>
-              <a:t>22.07.2023</a:t>
+              <a:t>10.08.2023</a:t>
             </a:fld>
             <a:endParaRPr lang="de-DE"/>
           </a:p>
@@ -1696,7 +1698,7 @@
             <a:fld id="{D703D9E9-6871-4375-AC09-0A65C85665EF}" type="datetimeFigureOut">
               <a:rPr lang="de-DE" smtClean="0"/>
               <a:pPr/>
-              <a:t>22.07.2023</a:t>
+              <a:t>10.08.2023</a:t>
             </a:fld>
             <a:endParaRPr lang="de-DE"/>
           </a:p>
@@ -1940,7 +1942,7 @@
             <a:fld id="{D703D9E9-6871-4375-AC09-0A65C85665EF}" type="datetimeFigureOut">
               <a:rPr lang="de-DE" smtClean="0"/>
               <a:pPr/>
-              <a:t>22.07.2023</a:t>
+              <a:t>10.08.2023</a:t>
             </a:fld>
             <a:endParaRPr lang="de-DE"/>
           </a:p>
@@ -2178,7 +2180,7 @@
             <a:fld id="{D703D9E9-6871-4375-AC09-0A65C85665EF}" type="datetimeFigureOut">
               <a:rPr lang="de-DE" smtClean="0"/>
               <a:pPr/>
-              <a:t>22.07.2023</a:t>
+              <a:t>10.08.2023</a:t>
             </a:fld>
             <a:endParaRPr lang="de-DE"/>
           </a:p>
@@ -2375,7 +2377,7 @@
             <a:fld id="{D703D9E9-6871-4375-AC09-0A65C85665EF}" type="datetimeFigureOut">
               <a:rPr lang="de-DE" smtClean="0"/>
               <a:pPr/>
-              <a:t>22.07.2023</a:t>
+              <a:t>10.08.2023</a:t>
             </a:fld>
             <a:endParaRPr lang="de-DE"/>
           </a:p>
@@ -2475,7 +2477,7 @@
             <a:fld id="{D703D9E9-6871-4375-AC09-0A65C85665EF}" type="datetimeFigureOut">
               <a:rPr lang="de-DE" smtClean="0"/>
               <a:pPr/>
-              <a:t>22.07.2023</a:t>
+              <a:t>10.08.2023</a:t>
             </a:fld>
             <a:endParaRPr lang="de-DE"/>
           </a:p>
@@ -2613,7 +2615,7 @@
             <a:fld id="{D703D9E9-6871-4375-AC09-0A65C85665EF}" type="datetimeFigureOut">
               <a:rPr lang="de-DE" smtClean="0"/>
               <a:pPr/>
-              <a:t>22.07.2023</a:t>
+              <a:t>10.08.2023</a:t>
             </a:fld>
             <a:endParaRPr lang="de-DE"/>
           </a:p>
@@ -3128,7 +3130,7 @@
             <a:fld id="{D703D9E9-6871-4375-AC09-0A65C85665EF}" type="datetimeFigureOut">
               <a:rPr lang="de-DE" smtClean="0"/>
               <a:pPr/>
-              <a:t>22.07.2023</a:t>
+              <a:t>10.08.2023</a:t>
             </a:fld>
             <a:endParaRPr lang="de-DE"/>
           </a:p>
@@ -3391,7 +3393,7 @@
             <a:fld id="{D703D9E9-6871-4375-AC09-0A65C85665EF}" type="datetimeFigureOut">
               <a:rPr lang="de-DE" smtClean="0"/>
               <a:pPr/>
-              <a:t>22.07.2023</a:t>
+              <a:t>10.08.2023</a:t>
             </a:fld>
             <a:endParaRPr lang="de-DE"/>
           </a:p>
@@ -3936,7 +3938,7 @@
           <p:cNvPr id="3" name="Untertitel 2">
             <a:extLst>
               <a:ext uri="{FF2B5EF4-FFF2-40B4-BE49-F238E27FC236}">
-                <a16:creationId xmlns="" xmlns:a16="http://schemas.microsoft.com/office/drawing/2014/main" id="{66EAC223-604A-E53F-EADB-5FCF3F050425}"/>
+                <a16:creationId xmlns:a16="http://schemas.microsoft.com/office/drawing/2014/main" xmlns="" id="{66EAC223-604A-E53F-EADB-5FCF3F050425}"/>
               </a:ext>
             </a:extLst>
           </p:cNvPr>
@@ -4116,7 +4118,7 @@
     </p:spTree>
     <p:extLst>
       <p:ext uri="{BB962C8B-B14F-4D97-AF65-F5344CB8AC3E}">
-        <p14:creationId xmlns="" xmlns:p14="http://schemas.microsoft.com/office/powerpoint/2010/main" val="77256135"/>
+        <p14:creationId xmlns:p14="http://schemas.microsoft.com/office/powerpoint/2010/main" xmlns="" val="77256135"/>
       </p:ext>
     </p:extLst>
   </p:cSld>
@@ -4155,7 +4157,7 @@
           <p:cNvPr id="2" name="Titel 1">
             <a:extLst>
               <a:ext uri="{FF2B5EF4-FFF2-40B4-BE49-F238E27FC236}">
-                <a16:creationId xmlns="" xmlns:a16="http://schemas.microsoft.com/office/drawing/2014/main" id="{0E0F567F-A26B-3FB3-CCB2-26650C9159FD}"/>
+                <a16:creationId xmlns:a16="http://schemas.microsoft.com/office/drawing/2014/main" xmlns="" id="{0E0F567F-A26B-3FB3-CCB2-26650C9159FD}"/>
               </a:ext>
             </a:extLst>
           </p:cNvPr>
@@ -4199,7 +4201,7 @@
           <p:cNvPr id="3" name="Inhaltsplatzhalter 2">
             <a:extLst>
               <a:ext uri="{FF2B5EF4-FFF2-40B4-BE49-F238E27FC236}">
-                <a16:creationId xmlns="" xmlns:a16="http://schemas.microsoft.com/office/drawing/2014/main" id="{0C8E27EB-6D5D-FD5C-62B8-EF46AD9E1128}"/>
+                <a16:creationId xmlns:a16="http://schemas.microsoft.com/office/drawing/2014/main" xmlns="" id="{0C8E27EB-6D5D-FD5C-62B8-EF46AD9E1128}"/>
               </a:ext>
             </a:extLst>
           </p:cNvPr>
@@ -4328,7 +4330,7 @@
     </p:spTree>
     <p:extLst>
       <p:ext uri="{BB962C8B-B14F-4D97-AF65-F5344CB8AC3E}">
-        <p14:creationId xmlns="" xmlns:p14="http://schemas.microsoft.com/office/powerpoint/2010/main" val="3625188337"/>
+        <p14:creationId xmlns:p14="http://schemas.microsoft.com/office/powerpoint/2010/main" xmlns="" val="3625188337"/>
       </p:ext>
     </p:extLst>
   </p:cSld>
@@ -4380,28 +4382,12 @@
           <a:lstStyle/>
           <a:p>
             <a:r>
-              <a:rPr lang="de-DE" b="1" smtClean="0">
+              <a:rPr lang="de-DE" b="1" dirty="0" smtClean="0">
                 <a:solidFill>
                   <a:srgbClr val="FFFF00"/>
                 </a:solidFill>
               </a:rPr>
-              <a:t>Tetraplex </a:t>
-            </a:r>
-            <a:r>
-              <a:rPr lang="de-DE" b="1" smtClean="0">
-                <a:solidFill>
-                  <a:srgbClr val="FFFF00"/>
-                </a:solidFill>
-              </a:rPr>
-              <a:t>Kognitivdienste</a:t>
-            </a:r>
-            <a:r>
-              <a:rPr lang="de-DE" b="1" dirty="0" smtClean="0">
-                <a:solidFill>
-                  <a:srgbClr val="FFFF00"/>
-                </a:solidFill>
-              </a:rPr>
-              <a:t>:  AI Services</a:t>
+              <a:t>Tetraplex Kognitivdienste:  AI Services</a:t>
             </a:r>
             <a:endParaRPr lang="en-US" dirty="0"/>
           </a:p>
@@ -4571,6 +4557,429 @@
 </file>
 
 <file path=ppt/slides/slide12.xml><?xml version="1.0" encoding="utf-8"?>
+<p:sld xmlns:a="http://schemas.openxmlformats.org/drawingml/2006/main" xmlns:r="http://schemas.openxmlformats.org/officeDocument/2006/relationships" xmlns:p="http://schemas.openxmlformats.org/presentationml/2006/main">
+  <p:cSld>
+    <p:spTree>
+      <p:nvGrpSpPr>
+        <p:cNvPr id="1" name=""/>
+        <p:cNvGrpSpPr/>
+        <p:nvPr/>
+      </p:nvGrpSpPr>
+      <p:grpSpPr>
+        <a:xfrm>
+          <a:off x="0" y="0"/>
+          <a:ext cx="0" cy="0"/>
+          <a:chOff x="0" y="0"/>
+          <a:chExt cx="0" cy="0"/>
+        </a:xfrm>
+      </p:grpSpPr>
+      <p:sp>
+        <p:nvSpPr>
+          <p:cNvPr id="2" name="Title 1"/>
+          <p:cNvSpPr>
+            <a:spLocks noGrp="1"/>
+          </p:cNvSpPr>
+          <p:nvPr>
+            <p:ph type="title"/>
+          </p:nvPr>
+        </p:nvSpPr>
+        <p:spPr/>
+        <p:txBody>
+          <a:bodyPr/>
+          <a:lstStyle/>
+          <a:p>
+            <a:r>
+              <a:rPr lang="de-DE" b="1" dirty="0" smtClean="0">
+                <a:solidFill>
+                  <a:srgbClr val="FFFF00"/>
+                </a:solidFill>
+              </a:rPr>
+              <a:t>Total Global Social Media </a:t>
+            </a:r>
+            <a:r>
+              <a:rPr lang="de-DE" b="1" dirty="0" smtClean="0">
+                <a:solidFill>
+                  <a:srgbClr val="FFFF00"/>
+                </a:solidFill>
+              </a:rPr>
+              <a:t>M</a:t>
+            </a:r>
+            <a:r>
+              <a:rPr lang="de-DE" b="1" dirty="0" smtClean="0">
+                <a:solidFill>
+                  <a:srgbClr val="FFFF00"/>
+                </a:solidFill>
+              </a:rPr>
+              <a:t>arket </a:t>
+            </a:r>
+            <a:r>
+              <a:rPr lang="de-DE" b="1" dirty="0" smtClean="0">
+                <a:solidFill>
+                  <a:srgbClr val="FFFF00"/>
+                </a:solidFill>
+              </a:rPr>
+              <a:t>S</a:t>
+            </a:r>
+            <a:r>
+              <a:rPr lang="de-DE" b="1" dirty="0" smtClean="0">
+                <a:solidFill>
+                  <a:srgbClr val="FFFF00"/>
+                </a:solidFill>
+              </a:rPr>
+              <a:t>ize</a:t>
+            </a:r>
+            <a:endParaRPr lang="en-US" dirty="0"/>
+          </a:p>
+        </p:txBody>
+      </p:sp>
+      <p:pic>
+        <p:nvPicPr>
+          <p:cNvPr id="4" name="Picture 3" descr="socialmediamarkesize.png"/>
+          <p:cNvPicPr>
+            <a:picLocks noChangeAspect="1"/>
+          </p:cNvPicPr>
+          <p:nvPr/>
+        </p:nvPicPr>
+        <p:blipFill>
+          <a:blip r:embed="rId2" cstate="print"/>
+          <a:stretch>
+            <a:fillRect/>
+          </a:stretch>
+        </p:blipFill>
+        <p:spPr>
+          <a:xfrm>
+            <a:off x="374861" y="1783080"/>
+            <a:ext cx="11425122" cy="4518823"/>
+          </a:xfrm>
+          <a:prstGeom prst="rect">
+            <a:avLst/>
+          </a:prstGeom>
+        </p:spPr>
+      </p:pic>
+      <p:sp>
+        <p:nvSpPr>
+          <p:cNvPr id="6" name="TextBox 5"/>
+          <p:cNvSpPr txBox="1"/>
+          <p:nvPr/>
+        </p:nvSpPr>
+        <p:spPr>
+          <a:xfrm>
+            <a:off x="2575561" y="3307081"/>
+            <a:ext cx="8229599" cy="769441"/>
+          </a:xfrm>
+          <a:prstGeom prst="rect">
+            <a:avLst/>
+          </a:prstGeom>
+          <a:solidFill>
+            <a:schemeClr val="accent1"/>
+          </a:solidFill>
+        </p:spPr>
+        <p:txBody>
+          <a:bodyPr wrap="square" rtlCol="0">
+            <a:spAutoFit/>
+          </a:bodyPr>
+          <a:lstStyle/>
+          <a:p>
+            <a:r>
+              <a:rPr lang="en-US" sz="4400" dirty="0" smtClean="0">
+                <a:latin typeface="Arial Black" pitchFamily="34" charset="0"/>
+              </a:rPr>
+              <a:t>231.1Billion USD (2023)</a:t>
+            </a:r>
+            <a:endParaRPr lang="en-US" sz="4400" dirty="0">
+              <a:latin typeface="Arial Black" pitchFamily="34" charset="0"/>
+            </a:endParaRPr>
+          </a:p>
+        </p:txBody>
+      </p:sp>
+    </p:spTree>
+  </p:cSld>
+  <p:clrMapOvr>
+    <a:masterClrMapping/>
+  </p:clrMapOvr>
+</p:sld>
+</file>
+
+<file path=ppt/slides/slide13.xml><?xml version="1.0" encoding="utf-8"?>
+<p:sld xmlns:a="http://schemas.openxmlformats.org/drawingml/2006/main" xmlns:r="http://schemas.openxmlformats.org/officeDocument/2006/relationships" xmlns:p="http://schemas.openxmlformats.org/presentationml/2006/main">
+  <p:cSld>
+    <p:spTree>
+      <p:nvGrpSpPr>
+        <p:cNvPr id="1" name=""/>
+        <p:cNvGrpSpPr/>
+        <p:nvPr/>
+      </p:nvGrpSpPr>
+      <p:grpSpPr>
+        <a:xfrm>
+          <a:off x="0" y="0"/>
+          <a:ext cx="0" cy="0"/>
+          <a:chOff x="0" y="0"/>
+          <a:chExt cx="0" cy="0"/>
+        </a:xfrm>
+      </p:grpSpPr>
+      <p:sp>
+        <p:nvSpPr>
+          <p:cNvPr id="2" name="Title 1"/>
+          <p:cNvSpPr>
+            <a:spLocks noGrp="1"/>
+          </p:cNvSpPr>
+          <p:nvPr>
+            <p:ph type="title"/>
+          </p:nvPr>
+        </p:nvSpPr>
+        <p:spPr/>
+        <p:txBody>
+          <a:bodyPr/>
+          <a:lstStyle/>
+          <a:p>
+            <a:r>
+              <a:rPr lang="de-DE" b="1" dirty="0" smtClean="0">
+                <a:solidFill>
+                  <a:srgbClr val="FFFF00"/>
+                </a:solidFill>
+              </a:rPr>
+              <a:t>Can Tetraplex be a unicorn? </a:t>
+            </a:r>
+            <a:endParaRPr lang="en-US" dirty="0"/>
+          </a:p>
+        </p:txBody>
+      </p:sp>
+      <p:sp>
+        <p:nvSpPr>
+          <p:cNvPr id="6" name="Inhaltsplatzhalter 2">
+            <a:extLst>
+              <a:ext uri="{FF2B5EF4-FFF2-40B4-BE49-F238E27FC236}">
+                <a16:creationId xmlns:a16="http://schemas.microsoft.com/office/drawing/2014/main" xmlns="" id="{0C8E27EB-6D5D-FD5C-62B8-EF46AD9E1128}"/>
+              </a:ext>
+            </a:extLst>
+          </p:cNvPr>
+          <p:cNvSpPr>
+            <a:spLocks noGrp="1"/>
+          </p:cNvSpPr>
+          <p:nvPr>
+            <p:ph sz="quarter" idx="1"/>
+          </p:nvPr>
+        </p:nvSpPr>
+        <p:spPr>
+          <a:xfrm>
+            <a:off x="877824" y="1950720"/>
+            <a:ext cx="10871200" cy="4495800"/>
+          </a:xfrm>
+        </p:spPr>
+        <p:txBody>
+          <a:bodyPr>
+            <a:normAutofit fontScale="70000" lnSpcReduction="20000"/>
+          </a:bodyPr>
+          <a:lstStyle/>
+          <a:p>
+            <a:pPr lvl="0">
+              <a:buNone/>
+              <a:defRPr/>
+            </a:pPr>
+            <a:r>
+              <a:rPr lang="en-US" sz="4800" dirty="0" smtClean="0">
+                <a:latin typeface="Trebuchet MS" pitchFamily="34" charset="0"/>
+              </a:rPr>
+              <a:t>  </a:t>
+            </a:r>
+            <a:r>
+              <a:rPr lang="en-US" sz="4800" dirty="0" smtClean="0">
+                <a:latin typeface="Trebuchet MS" pitchFamily="34" charset="0"/>
+              </a:rPr>
+              <a:t>C</a:t>
+            </a:r>
+            <a:r>
+              <a:rPr lang="en-US" sz="4800" dirty="0" smtClean="0">
+                <a:latin typeface="Trebuchet MS" pitchFamily="34" charset="0"/>
+              </a:rPr>
+              <a:t>apture even less than </a:t>
+            </a:r>
+            <a:r>
+              <a:rPr lang="en-US" sz="4800" dirty="0" smtClean="0">
+                <a:solidFill>
+                  <a:srgbClr val="00B050"/>
+                </a:solidFill>
+                <a:latin typeface="Trebuchet MS" pitchFamily="34" charset="0"/>
+              </a:rPr>
+              <a:t>0.5%</a:t>
+            </a:r>
+            <a:r>
+              <a:rPr lang="en-US" sz="4800" dirty="0" smtClean="0">
+                <a:latin typeface="Trebuchet MS" pitchFamily="34" charset="0"/>
+              </a:rPr>
+              <a:t> of </a:t>
+            </a:r>
+            <a:r>
+              <a:rPr lang="en-US" sz="4800" dirty="0" smtClean="0">
+                <a:solidFill>
+                  <a:srgbClr val="00B050"/>
+                </a:solidFill>
+                <a:latin typeface="Trebuchet MS" pitchFamily="34" charset="0"/>
+              </a:rPr>
+              <a:t>230 billion USD </a:t>
+            </a:r>
+            <a:r>
+              <a:rPr lang="en-US" sz="4800" dirty="0" smtClean="0">
+                <a:latin typeface="Trebuchet MS" pitchFamily="34" charset="0"/>
+              </a:rPr>
+              <a:t>that’s </a:t>
+            </a:r>
+            <a:r>
+              <a:rPr lang="en-US" sz="4800" dirty="0" smtClean="0">
+                <a:solidFill>
+                  <a:srgbClr val="00B050"/>
+                </a:solidFill>
+                <a:latin typeface="Trebuchet MS" pitchFamily="34" charset="0"/>
+              </a:rPr>
+              <a:t>1.15 billion USD</a:t>
+            </a:r>
+          </a:p>
+          <a:p>
+            <a:pPr lvl="0">
+              <a:buNone/>
+              <a:defRPr/>
+            </a:pPr>
+            <a:r>
+              <a:rPr lang="en-US" sz="4800" dirty="0" smtClean="0">
+                <a:latin typeface="Trebuchet MS" pitchFamily="34" charset="0"/>
+              </a:rPr>
+              <a:t> </a:t>
+            </a:r>
+            <a:endParaRPr lang="en-US" sz="4800" dirty="0" smtClean="0">
+              <a:latin typeface="Trebuchet MS" pitchFamily="34" charset="0"/>
+            </a:endParaRPr>
+          </a:p>
+          <a:p>
+            <a:pPr lvl="0">
+              <a:buNone/>
+              <a:defRPr/>
+            </a:pPr>
+            <a:r>
+              <a:rPr lang="en-US" sz="4800" dirty="0" smtClean="0">
+                <a:latin typeface="Trebuchet MS" pitchFamily="34" charset="0"/>
+              </a:rPr>
+              <a:t> </a:t>
+            </a:r>
+            <a:r>
+              <a:rPr lang="en-US" sz="4800" dirty="0" smtClean="0">
+                <a:latin typeface="Trebuchet MS" pitchFamily="34" charset="0"/>
+              </a:rPr>
+              <a:t> </a:t>
+            </a:r>
+            <a:r>
+              <a:rPr lang="en-US" sz="4800" dirty="0" err="1" smtClean="0">
+                <a:latin typeface="Trebuchet MS" pitchFamily="34" charset="0"/>
+              </a:rPr>
+              <a:t>Facebook</a:t>
+            </a:r>
+            <a:r>
+              <a:rPr lang="en-US" sz="4800" dirty="0" smtClean="0">
+                <a:latin typeface="Trebuchet MS" pitchFamily="34" charset="0"/>
+              </a:rPr>
+              <a:t> wasn’t the first social media page/app there was MySpace its possible to switch</a:t>
+            </a:r>
+          </a:p>
+          <a:p>
+            <a:pPr lvl="0">
+              <a:buNone/>
+              <a:defRPr/>
+            </a:pPr>
+            <a:endParaRPr lang="en-US" sz="4800" dirty="0" smtClean="0">
+              <a:latin typeface="Trebuchet MS" pitchFamily="34" charset="0"/>
+            </a:endParaRPr>
+          </a:p>
+          <a:p>
+            <a:pPr lvl="0">
+              <a:buNone/>
+              <a:defRPr/>
+            </a:pPr>
+            <a:r>
+              <a:rPr lang="en-US" sz="4800" dirty="0" smtClean="0">
+                <a:latin typeface="Trebuchet MS" pitchFamily="34" charset="0"/>
+              </a:rPr>
+              <a:t>  Tetraplex is definitely not the first but will be less toxic than </a:t>
+            </a:r>
+            <a:r>
+              <a:rPr lang="en-US" sz="4800" dirty="0" err="1" smtClean="0">
+                <a:latin typeface="Trebuchet MS" pitchFamily="34" charset="0"/>
+              </a:rPr>
+              <a:t>Facebook</a:t>
+            </a:r>
+            <a:r>
+              <a:rPr lang="en-US" sz="4800" dirty="0" smtClean="0">
+                <a:latin typeface="Trebuchet MS" pitchFamily="34" charset="0"/>
+              </a:rPr>
+              <a:t> or X (former Twitter)</a:t>
+            </a:r>
+          </a:p>
+          <a:p>
+            <a:pPr lvl="0">
+              <a:buNone/>
+              <a:defRPr/>
+            </a:pPr>
+            <a:r>
+              <a:rPr lang="en-US" sz="4800" dirty="0" smtClean="0">
+                <a:latin typeface="Trebuchet MS" pitchFamily="34" charset="0"/>
+              </a:rPr>
+              <a:t>	</a:t>
+            </a:r>
+            <a:endParaRPr lang="en-US" sz="4800" dirty="0" smtClean="0">
+              <a:latin typeface="Trebuchet MS" pitchFamily="34" charset="0"/>
+            </a:endParaRPr>
+          </a:p>
+          <a:p>
+            <a:pPr lvl="0">
+              <a:buNone/>
+              <a:defRPr/>
+            </a:pPr>
+            <a:endParaRPr lang="en-US" sz="4800" dirty="0" smtClean="0">
+              <a:latin typeface="Trebuchet MS" pitchFamily="34" charset="0"/>
+            </a:endParaRPr>
+          </a:p>
+          <a:p>
+            <a:pPr lvl="0">
+              <a:buNone/>
+              <a:defRPr/>
+            </a:pPr>
+            <a:endParaRPr lang="en-US" sz="4800" dirty="0" smtClean="0">
+              <a:latin typeface="Trebuchet MS" pitchFamily="34" charset="0"/>
+            </a:endParaRPr>
+          </a:p>
+          <a:p>
+            <a:pPr lvl="0">
+              <a:buNone/>
+              <a:defRPr/>
+            </a:pPr>
+            <a:endParaRPr lang="en-US" sz="4800" dirty="0" smtClean="0">
+              <a:latin typeface="Trebuchet MS" pitchFamily="34" charset="0"/>
+            </a:endParaRPr>
+          </a:p>
+          <a:p>
+            <a:pPr lvl="0">
+              <a:buNone/>
+              <a:defRPr/>
+            </a:pPr>
+            <a:endParaRPr lang="en-US" dirty="0" smtClean="0">
+              <a:latin typeface="Trebuchet MS" pitchFamily="34" charset="0"/>
+            </a:endParaRPr>
+          </a:p>
+          <a:p>
+            <a:pPr>
+              <a:buNone/>
+            </a:pPr>
+            <a:endParaRPr lang="de-DE" dirty="0"/>
+          </a:p>
+        </p:txBody>
+      </p:sp>
+    </p:spTree>
+  </p:cSld>
+  <p:clrMapOvr>
+    <a:masterClrMapping/>
+  </p:clrMapOvr>
+</p:sld>
+</file>
+
+<file path=ppt/slides/slide14.xml><?xml version="1.0" encoding="utf-8"?>
 <p:sld xmlns:a="http://schemas.openxmlformats.org/drawingml/2006/main" xmlns:r="http://schemas.openxmlformats.org/officeDocument/2006/relationships" xmlns:p="http://schemas.openxmlformats.org/presentationml/2006/main">
   <p:cSld>
     <p:spTree>
@@ -4814,7 +5223,7 @@
           <p:cNvPr id="2" name="Titel 1">
             <a:extLst>
               <a:ext uri="{FF2B5EF4-FFF2-40B4-BE49-F238E27FC236}">
-                <a16:creationId xmlns="" xmlns:a16="http://schemas.microsoft.com/office/drawing/2014/main" id="{C21D459F-BF65-98A3-82FE-E681FB41ADC3}"/>
+                <a16:creationId xmlns:a16="http://schemas.microsoft.com/office/drawing/2014/main" xmlns="" id="{C21D459F-BF65-98A3-82FE-E681FB41ADC3}"/>
               </a:ext>
             </a:extLst>
           </p:cNvPr>
@@ -4853,7 +5262,7 @@
           <p:cNvPr id="3" name="Inhaltsplatzhalter 2">
             <a:extLst>
               <a:ext uri="{FF2B5EF4-FFF2-40B4-BE49-F238E27FC236}">
-                <a16:creationId xmlns="" xmlns:a16="http://schemas.microsoft.com/office/drawing/2014/main" id="{75E8FA1C-5EA9-21B0-E50C-8ECC1B166C3E}"/>
+                <a16:creationId xmlns:a16="http://schemas.microsoft.com/office/drawing/2014/main" xmlns="" id="{75E8FA1C-5EA9-21B0-E50C-8ECC1B166C3E}"/>
               </a:ext>
             </a:extLst>
           </p:cNvPr>
@@ -5006,7 +5415,7 @@
     </p:spTree>
     <p:extLst>
       <p:ext uri="{BB962C8B-B14F-4D97-AF65-F5344CB8AC3E}">
-        <p14:creationId xmlns="" xmlns:p14="http://schemas.microsoft.com/office/powerpoint/2010/main" val="3190174708"/>
+        <p14:creationId xmlns:p14="http://schemas.microsoft.com/office/powerpoint/2010/main" xmlns="" val="3190174708"/>
       </p:ext>
     </p:extLst>
   </p:cSld>
@@ -5045,7 +5454,7 @@
           <p:cNvPr id="2" name="Titel 1">
             <a:extLst>
               <a:ext uri="{FF2B5EF4-FFF2-40B4-BE49-F238E27FC236}">
-                <a16:creationId xmlns="" xmlns:a16="http://schemas.microsoft.com/office/drawing/2014/main" id="{C21D459F-BF65-98A3-82FE-E681FB41ADC3}"/>
+                <a16:creationId xmlns:a16="http://schemas.microsoft.com/office/drawing/2014/main" xmlns="" id="{C21D459F-BF65-98A3-82FE-E681FB41ADC3}"/>
               </a:ext>
             </a:extLst>
           </p:cNvPr>
@@ -5223,7 +5632,7 @@
     </p:spTree>
     <p:extLst>
       <p:ext uri="{BB962C8B-B14F-4D97-AF65-F5344CB8AC3E}">
-        <p14:creationId xmlns="" xmlns:p14="http://schemas.microsoft.com/office/powerpoint/2010/main" val="3230060305"/>
+        <p14:creationId xmlns:p14="http://schemas.microsoft.com/office/powerpoint/2010/main" xmlns="" val="3230060305"/>
       </p:ext>
     </p:extLst>
   </p:cSld>
@@ -5491,7 +5900,7 @@
           <p:cNvPr id="2" name="Titel 1">
             <a:extLst>
               <a:ext uri="{FF2B5EF4-FFF2-40B4-BE49-F238E27FC236}">
-                <a16:creationId xmlns="" xmlns:a16="http://schemas.microsoft.com/office/drawing/2014/main" id="{104ADDBE-2857-21DF-31CF-75966D662895}"/>
+                <a16:creationId xmlns:a16="http://schemas.microsoft.com/office/drawing/2014/main" xmlns="" id="{104ADDBE-2857-21DF-31CF-75966D662895}"/>
               </a:ext>
             </a:extLst>
           </p:cNvPr>
@@ -5706,7 +6115,7 @@
     </p:spTree>
     <p:extLst>
       <p:ext uri="{BB962C8B-B14F-4D97-AF65-F5344CB8AC3E}">
-        <p14:creationId xmlns="" xmlns:p14="http://schemas.microsoft.com/office/powerpoint/2010/main" val="3351770822"/>
+        <p14:creationId xmlns:p14="http://schemas.microsoft.com/office/powerpoint/2010/main" xmlns="" val="3351770822"/>
       </p:ext>
     </p:extLst>
   </p:cSld>
@@ -5745,7 +6154,7 @@
           <p:cNvPr id="2" name="Titel 1">
             <a:extLst>
               <a:ext uri="{FF2B5EF4-FFF2-40B4-BE49-F238E27FC236}">
-                <a16:creationId xmlns="" xmlns:a16="http://schemas.microsoft.com/office/drawing/2014/main" id="{D08A566F-4CA9-F7DF-ECEB-910A88862795}"/>
+                <a16:creationId xmlns:a16="http://schemas.microsoft.com/office/drawing/2014/main" xmlns="" id="{D08A566F-4CA9-F7DF-ECEB-910A88862795}"/>
               </a:ext>
             </a:extLst>
           </p:cNvPr>
@@ -5784,7 +6193,7 @@
           <p:cNvPr id="13" name="Inhaltsplatzhalter 2">
             <a:extLst>
               <a:ext uri="{FF2B5EF4-FFF2-40B4-BE49-F238E27FC236}">
-                <a16:creationId xmlns="" xmlns:a16="http://schemas.microsoft.com/office/drawing/2014/main" id="{FAC69121-968E-B939-3377-5335E9638EE8}"/>
+                <a16:creationId xmlns:a16="http://schemas.microsoft.com/office/drawing/2014/main" xmlns="" id="{FAC69121-968E-B939-3377-5335E9638EE8}"/>
               </a:ext>
             </a:extLst>
           </p:cNvPr>
@@ -5907,7 +6316,7 @@
     </p:spTree>
     <p:extLst>
       <p:ext uri="{BB962C8B-B14F-4D97-AF65-F5344CB8AC3E}">
-        <p14:creationId xmlns="" xmlns:p14="http://schemas.microsoft.com/office/powerpoint/2010/main" val="4139908003"/>
+        <p14:creationId xmlns:p14="http://schemas.microsoft.com/office/powerpoint/2010/main" xmlns="" val="4139908003"/>
       </p:ext>
     </p:extLst>
   </p:cSld>
@@ -6189,7 +6598,7 @@
           <p:cNvPr id="2" name="Titel 1">
             <a:extLst>
               <a:ext uri="{FF2B5EF4-FFF2-40B4-BE49-F238E27FC236}">
-                <a16:creationId xmlns="" xmlns:a16="http://schemas.microsoft.com/office/drawing/2014/main" id="{D08A566F-4CA9-F7DF-ECEB-910A88862795}"/>
+                <a16:creationId xmlns:a16="http://schemas.microsoft.com/office/drawing/2014/main" xmlns="" id="{D08A566F-4CA9-F7DF-ECEB-910A88862795}"/>
               </a:ext>
             </a:extLst>
           </p:cNvPr>
@@ -6228,7 +6637,7 @@
           <p:cNvPr id="3" name="Inhaltsplatzhalter 2">
             <a:extLst>
               <a:ext uri="{FF2B5EF4-FFF2-40B4-BE49-F238E27FC236}">
-                <a16:creationId xmlns="" xmlns:a16="http://schemas.microsoft.com/office/drawing/2014/main" id="{FAC69121-968E-B939-3377-5335E9638EE8}"/>
+                <a16:creationId xmlns:a16="http://schemas.microsoft.com/office/drawing/2014/main" xmlns="" id="{FAC69121-968E-B939-3377-5335E9638EE8}"/>
               </a:ext>
             </a:extLst>
           </p:cNvPr>
@@ -6256,7 +6665,7 @@
           <p:cNvPr id="8" name="Inhaltsplatzhalter 2">
             <a:extLst>
               <a:ext uri="{FF2B5EF4-FFF2-40B4-BE49-F238E27FC236}">
-                <a16:creationId xmlns="" xmlns:a16="http://schemas.microsoft.com/office/drawing/2014/main" id="{FAC69121-968E-B939-3377-5335E9638EE8}"/>
+                <a16:creationId xmlns:a16="http://schemas.microsoft.com/office/drawing/2014/main" xmlns="" id="{FAC69121-968E-B939-3377-5335E9638EE8}"/>
               </a:ext>
             </a:extLst>
           </p:cNvPr>
@@ -6507,7 +6916,7 @@
     </p:spTree>
     <p:extLst>
       <p:ext uri="{BB962C8B-B14F-4D97-AF65-F5344CB8AC3E}">
-        <p14:creationId xmlns="" xmlns:p14="http://schemas.microsoft.com/office/powerpoint/2010/main" val="1747655176"/>
+        <p14:creationId xmlns:p14="http://schemas.microsoft.com/office/powerpoint/2010/main" xmlns="" val="1747655176"/>
       </p:ext>
     </p:extLst>
   </p:cSld>
@@ -6546,7 +6955,7 @@
           <p:cNvPr id="2" name="Titel 1">
             <a:extLst>
               <a:ext uri="{FF2B5EF4-FFF2-40B4-BE49-F238E27FC236}">
-                <a16:creationId xmlns="" xmlns:a16="http://schemas.microsoft.com/office/drawing/2014/main" id="{D08A566F-4CA9-F7DF-ECEB-910A88862795}"/>
+                <a16:creationId xmlns:a16="http://schemas.microsoft.com/office/drawing/2014/main" xmlns="" id="{D08A566F-4CA9-F7DF-ECEB-910A88862795}"/>
               </a:ext>
             </a:extLst>
           </p:cNvPr>
@@ -6585,7 +6994,7 @@
           <p:cNvPr id="3" name="Inhaltsplatzhalter 2">
             <a:extLst>
               <a:ext uri="{FF2B5EF4-FFF2-40B4-BE49-F238E27FC236}">
-                <a16:creationId xmlns="" xmlns:a16="http://schemas.microsoft.com/office/drawing/2014/main" id="{FAC69121-968E-B939-3377-5335E9638EE8}"/>
+                <a16:creationId xmlns:a16="http://schemas.microsoft.com/office/drawing/2014/main" xmlns="" id="{FAC69121-968E-B939-3377-5335E9638EE8}"/>
               </a:ext>
             </a:extLst>
           </p:cNvPr>
@@ -6613,7 +7022,7 @@
           <p:cNvPr id="8" name="Inhaltsplatzhalter 2">
             <a:extLst>
               <a:ext uri="{FF2B5EF4-FFF2-40B4-BE49-F238E27FC236}">
-                <a16:creationId xmlns="" xmlns:a16="http://schemas.microsoft.com/office/drawing/2014/main" id="{FAC69121-968E-B939-3377-5335E9638EE8}"/>
+                <a16:creationId xmlns:a16="http://schemas.microsoft.com/office/drawing/2014/main" xmlns="" id="{FAC69121-968E-B939-3377-5335E9638EE8}"/>
               </a:ext>
             </a:extLst>
           </p:cNvPr>
@@ -7041,7 +7450,7 @@
     </p:spTree>
     <p:extLst>
       <p:ext uri="{BB962C8B-B14F-4D97-AF65-F5344CB8AC3E}">
-        <p14:creationId xmlns="" xmlns:p14="http://schemas.microsoft.com/office/powerpoint/2010/main" val="1747655176"/>
+        <p14:creationId xmlns:p14="http://schemas.microsoft.com/office/powerpoint/2010/main" xmlns="" val="1747655176"/>
       </p:ext>
     </p:extLst>
   </p:cSld>

--- a/Documentation/TetraPlex deck 0.54 - dark mode.pptx
+++ b/Documentation/TetraPlex deck 0.54 - dark mode.pptx
@@ -16,9 +16,10 @@
     <p:sldId id="269" r:id="rId10"/>
     <p:sldId id="264" r:id="rId11"/>
     <p:sldId id="271" r:id="rId12"/>
-    <p:sldId id="272" r:id="rId13"/>
-    <p:sldId id="274" r:id="rId14"/>
-    <p:sldId id="270" r:id="rId15"/>
+    <p:sldId id="275" r:id="rId13"/>
+    <p:sldId id="272" r:id="rId14"/>
+    <p:sldId id="274" r:id="rId15"/>
+    <p:sldId id="270" r:id="rId16"/>
   </p:sldIdLst>
   <p:sldSz cx="12192000" cy="6858000"/>
   <p:notesSz cx="6858000" cy="9144000"/>
@@ -119,7 +120,7 @@
   </p:defaultTextStyle>
   <p:extLst>
     <p:ext uri="{EFAFB233-063F-42B5-8137-9DF3F51BA10A}">
-      <p15:sldGuideLst xmlns:p15="http://schemas.microsoft.com/office/powerpoint/2012/main" xmlns=""/>
+      <p15:sldGuideLst xmlns="" xmlns:p15="http://schemas.microsoft.com/office/powerpoint/2012/main"/>
     </p:ext>
   </p:extLst>
 </p:presentation>
@@ -645,7 +646,7 @@
             <a:fld id="{D703D9E9-6871-4375-AC09-0A65C85665EF}" type="datetimeFigureOut">
               <a:rPr lang="de-DE" smtClean="0"/>
               <a:pPr/>
-              <a:t>10.08.2023</a:t>
+              <a:t>11.08.2023</a:t>
             </a:fld>
             <a:endParaRPr lang="de-DE"/>
           </a:p>
@@ -838,7 +839,7 @@
             <a:fld id="{D703D9E9-6871-4375-AC09-0A65C85665EF}" type="datetimeFigureOut">
               <a:rPr lang="de-DE" smtClean="0"/>
               <a:pPr/>
-              <a:t>10.08.2023</a:t>
+              <a:t>11.08.2023</a:t>
             </a:fld>
             <a:endParaRPr lang="de-DE"/>
           </a:p>
@@ -1020,7 +1021,7 @@
             <a:fld id="{D703D9E9-6871-4375-AC09-0A65C85665EF}" type="datetimeFigureOut">
               <a:rPr lang="de-DE" smtClean="0"/>
               <a:pPr/>
-              <a:t>10.08.2023</a:t>
+              <a:t>11.08.2023</a:t>
             </a:fld>
             <a:endParaRPr lang="de-DE"/>
           </a:p>
@@ -1285,7 +1286,7 @@
             <a:fld id="{D703D9E9-6871-4375-AC09-0A65C85665EF}" type="datetimeFigureOut">
               <a:rPr lang="de-DE" smtClean="0"/>
               <a:pPr/>
-              <a:t>10.08.2023</a:t>
+              <a:t>11.08.2023</a:t>
             </a:fld>
             <a:endParaRPr lang="de-DE"/>
           </a:p>
@@ -1698,7 +1699,7 @@
             <a:fld id="{D703D9E9-6871-4375-AC09-0A65C85665EF}" type="datetimeFigureOut">
               <a:rPr lang="de-DE" smtClean="0"/>
               <a:pPr/>
-              <a:t>10.08.2023</a:t>
+              <a:t>11.08.2023</a:t>
             </a:fld>
             <a:endParaRPr lang="de-DE"/>
           </a:p>
@@ -1942,7 +1943,7 @@
             <a:fld id="{D703D9E9-6871-4375-AC09-0A65C85665EF}" type="datetimeFigureOut">
               <a:rPr lang="de-DE" smtClean="0"/>
               <a:pPr/>
-              <a:t>10.08.2023</a:t>
+              <a:t>11.08.2023</a:t>
             </a:fld>
             <a:endParaRPr lang="de-DE"/>
           </a:p>
@@ -2180,7 +2181,7 @@
             <a:fld id="{D703D9E9-6871-4375-AC09-0A65C85665EF}" type="datetimeFigureOut">
               <a:rPr lang="de-DE" smtClean="0"/>
               <a:pPr/>
-              <a:t>10.08.2023</a:t>
+              <a:t>11.08.2023</a:t>
             </a:fld>
             <a:endParaRPr lang="de-DE"/>
           </a:p>
@@ -2377,7 +2378,7 @@
             <a:fld id="{D703D9E9-6871-4375-AC09-0A65C85665EF}" type="datetimeFigureOut">
               <a:rPr lang="de-DE" smtClean="0"/>
               <a:pPr/>
-              <a:t>10.08.2023</a:t>
+              <a:t>11.08.2023</a:t>
             </a:fld>
             <a:endParaRPr lang="de-DE"/>
           </a:p>
@@ -2477,7 +2478,7 @@
             <a:fld id="{D703D9E9-6871-4375-AC09-0A65C85665EF}" type="datetimeFigureOut">
               <a:rPr lang="de-DE" smtClean="0"/>
               <a:pPr/>
-              <a:t>10.08.2023</a:t>
+              <a:t>11.08.2023</a:t>
             </a:fld>
             <a:endParaRPr lang="de-DE"/>
           </a:p>
@@ -2615,7 +2616,7 @@
             <a:fld id="{D703D9E9-6871-4375-AC09-0A65C85665EF}" type="datetimeFigureOut">
               <a:rPr lang="de-DE" smtClean="0"/>
               <a:pPr/>
-              <a:t>10.08.2023</a:t>
+              <a:t>11.08.2023</a:t>
             </a:fld>
             <a:endParaRPr lang="de-DE"/>
           </a:p>
@@ -3130,7 +3131,7 @@
             <a:fld id="{D703D9E9-6871-4375-AC09-0A65C85665EF}" type="datetimeFigureOut">
               <a:rPr lang="de-DE" smtClean="0"/>
               <a:pPr/>
-              <a:t>10.08.2023</a:t>
+              <a:t>11.08.2023</a:t>
             </a:fld>
             <a:endParaRPr lang="de-DE"/>
           </a:p>
@@ -3393,7 +3394,7 @@
             <a:fld id="{D703D9E9-6871-4375-AC09-0A65C85665EF}" type="datetimeFigureOut">
               <a:rPr lang="de-DE" smtClean="0"/>
               <a:pPr/>
-              <a:t>10.08.2023</a:t>
+              <a:t>11.08.2023</a:t>
             </a:fld>
             <a:endParaRPr lang="de-DE"/>
           </a:p>
@@ -3938,7 +3939,7 @@
           <p:cNvPr id="3" name="Untertitel 2">
             <a:extLst>
               <a:ext uri="{FF2B5EF4-FFF2-40B4-BE49-F238E27FC236}">
-                <a16:creationId xmlns:a16="http://schemas.microsoft.com/office/drawing/2014/main" xmlns="" id="{66EAC223-604A-E53F-EADB-5FCF3F050425}"/>
+                <a16:creationId xmlns="" xmlns:a16="http://schemas.microsoft.com/office/drawing/2014/main" id="{66EAC223-604A-E53F-EADB-5FCF3F050425}"/>
               </a:ext>
             </a:extLst>
           </p:cNvPr>
@@ -4118,7 +4119,7 @@
     </p:spTree>
     <p:extLst>
       <p:ext uri="{BB962C8B-B14F-4D97-AF65-F5344CB8AC3E}">
-        <p14:creationId xmlns:p14="http://schemas.microsoft.com/office/powerpoint/2010/main" xmlns="" val="77256135"/>
+        <p14:creationId xmlns="" xmlns:p14="http://schemas.microsoft.com/office/powerpoint/2010/main" val="77256135"/>
       </p:ext>
     </p:extLst>
   </p:cSld>
@@ -4157,7 +4158,7 @@
           <p:cNvPr id="2" name="Titel 1">
             <a:extLst>
               <a:ext uri="{FF2B5EF4-FFF2-40B4-BE49-F238E27FC236}">
-                <a16:creationId xmlns:a16="http://schemas.microsoft.com/office/drawing/2014/main" xmlns="" id="{0E0F567F-A26B-3FB3-CCB2-26650C9159FD}"/>
+                <a16:creationId xmlns="" xmlns:a16="http://schemas.microsoft.com/office/drawing/2014/main" id="{0E0F567F-A26B-3FB3-CCB2-26650C9159FD}"/>
               </a:ext>
             </a:extLst>
           </p:cNvPr>
@@ -4201,7 +4202,7 @@
           <p:cNvPr id="3" name="Inhaltsplatzhalter 2">
             <a:extLst>
               <a:ext uri="{FF2B5EF4-FFF2-40B4-BE49-F238E27FC236}">
-                <a16:creationId xmlns:a16="http://schemas.microsoft.com/office/drawing/2014/main" xmlns="" id="{0C8E27EB-6D5D-FD5C-62B8-EF46AD9E1128}"/>
+                <a16:creationId xmlns="" xmlns:a16="http://schemas.microsoft.com/office/drawing/2014/main" id="{0C8E27EB-6D5D-FD5C-62B8-EF46AD9E1128}"/>
               </a:ext>
             </a:extLst>
           </p:cNvPr>
@@ -4330,7 +4331,7 @@
     </p:spTree>
     <p:extLst>
       <p:ext uri="{BB962C8B-B14F-4D97-AF65-F5344CB8AC3E}">
-        <p14:creationId xmlns:p14="http://schemas.microsoft.com/office/powerpoint/2010/main" xmlns="" val="3625188337"/>
+        <p14:creationId xmlns="" xmlns:p14="http://schemas.microsoft.com/office/powerpoint/2010/main" val="3625188337"/>
       </p:ext>
     </p:extLst>
   </p:cSld>
@@ -4594,39 +4595,280 @@
                   <a:srgbClr val="FFFF00"/>
                 </a:solidFill>
               </a:rPr>
-              <a:t>Total Global Social Media </a:t>
-            </a:r>
+              <a:t>Founding Team / Senior Leadership</a:t>
+            </a:r>
+            <a:endParaRPr lang="en-US" dirty="0"/>
+          </a:p>
+        </p:txBody>
+      </p:sp>
+      <p:pic>
+        <p:nvPicPr>
+          <p:cNvPr id="4" name="Content Placeholder 3" descr="member_255512817.jpeg"/>
+          <p:cNvPicPr>
+            <a:picLocks noGrp="1" noChangeAspect="1"/>
+          </p:cNvPicPr>
+          <p:nvPr>
+            <p:ph sz="quarter" idx="1"/>
+          </p:nvPr>
+        </p:nvPicPr>
+        <p:blipFill>
+          <a:blip r:embed="rId2" cstate="print"/>
+          <a:stretch>
+            <a:fillRect/>
+          </a:stretch>
+        </p:blipFill>
+        <p:spPr>
+          <a:xfrm>
+            <a:off x="6222683" y="2110740"/>
+            <a:ext cx="1828800" cy="1828800"/>
+          </a:xfrm>
+        </p:spPr>
+      </p:pic>
+      <p:pic>
+        <p:nvPicPr>
+          <p:cNvPr id="5" name="Picture 4" descr="Untitled.jpg"/>
+          <p:cNvPicPr>
+            <a:picLocks noChangeAspect="1"/>
+          </p:cNvPicPr>
+          <p:nvPr/>
+        </p:nvPicPr>
+        <p:blipFill>
+          <a:blip r:embed="rId3" cstate="print"/>
+          <a:stretch>
+            <a:fillRect/>
+          </a:stretch>
+        </p:blipFill>
+        <p:spPr>
+          <a:xfrm>
+            <a:off x="3718560" y="2118360"/>
+            <a:ext cx="1889760" cy="1889760"/>
+          </a:xfrm>
+          <a:prstGeom prst="rect">
+            <a:avLst/>
+          </a:prstGeom>
+        </p:spPr>
+      </p:pic>
+      <p:sp>
+        <p:nvSpPr>
+          <p:cNvPr id="8" name="TextBox 7"/>
+          <p:cNvSpPr txBox="1"/>
+          <p:nvPr/>
+        </p:nvSpPr>
+        <p:spPr>
+          <a:xfrm>
+            <a:off x="3611880" y="4114801"/>
+            <a:ext cx="2667000" cy="2123658"/>
+          </a:xfrm>
+          <a:prstGeom prst="rect">
+            <a:avLst/>
+          </a:prstGeom>
+          <a:noFill/>
+        </p:spPr>
+        <p:txBody>
+          <a:bodyPr wrap="square" rtlCol="0">
+            <a:spAutoFit/>
+          </a:bodyPr>
+          <a:lstStyle/>
+          <a:p>
+            <a:r>
+              <a:rPr lang="en-US" sz="2000" b="1" dirty="0" smtClean="0">
+                <a:solidFill>
+                  <a:srgbClr val="FFFF00"/>
+                </a:solidFill>
+                <a:latin typeface="Arial Narrow" pitchFamily="34" charset="0"/>
+              </a:rPr>
+              <a:t>Anselm </a:t>
+            </a:r>
+            <a:r>
+              <a:rPr lang="en-US" sz="2000" b="1" dirty="0" err="1" smtClean="0">
+                <a:solidFill>
+                  <a:srgbClr val="FFFF00"/>
+                </a:solidFill>
+                <a:latin typeface="Arial Narrow" pitchFamily="34" charset="0"/>
+              </a:rPr>
+              <a:t>Kiefner</a:t>
+            </a:r>
+            <a:r>
+              <a:rPr lang="en-US" sz="2000" b="1" dirty="0" smtClean="0">
+                <a:solidFill>
+                  <a:srgbClr val="FFFF00"/>
+                </a:solidFill>
+                <a:latin typeface="Arial Narrow" pitchFamily="34" charset="0"/>
+              </a:rPr>
+              <a:t> </a:t>
+            </a:r>
+          </a:p>
+          <a:p>
+            <a:r>
+              <a:rPr lang="en-US" sz="2000" b="1" dirty="0" smtClean="0">
+                <a:solidFill>
+                  <a:srgbClr val="FFFF00"/>
+                </a:solidFill>
+                <a:latin typeface="Arial Narrow" pitchFamily="34" charset="0"/>
+              </a:rPr>
+              <a:t>CEO</a:t>
+            </a:r>
+          </a:p>
+          <a:p>
+            <a:r>
+              <a:rPr lang="en-US" sz="2000" b="1" dirty="0" smtClean="0">
+                <a:latin typeface="Arial Narrow" pitchFamily="34" charset="0"/>
+              </a:rPr>
+              <a:t>Open Source</a:t>
+            </a:r>
+          </a:p>
+          <a:p>
+            <a:r>
+              <a:rPr lang="en-US" sz="2000" b="1" dirty="0" smtClean="0">
+                <a:latin typeface="Arial Narrow" pitchFamily="34" charset="0"/>
+              </a:rPr>
+              <a:t>Fuzzy Logic Library</a:t>
+            </a:r>
+          </a:p>
+          <a:p>
+            <a:r>
+              <a:rPr lang="en-US" sz="2000" b="1" dirty="0" smtClean="0">
+                <a:latin typeface="Arial Narrow" pitchFamily="34" charset="0"/>
+              </a:rPr>
+              <a:t>Author</a:t>
+            </a:r>
+            <a:endParaRPr lang="en-US" sz="2000" b="1" dirty="0" smtClean="0">
+              <a:latin typeface="Arial Narrow" pitchFamily="34" charset="0"/>
+            </a:endParaRPr>
+          </a:p>
+          <a:p>
+            <a:endParaRPr lang="en-US" sz="3200" dirty="0">
+              <a:latin typeface="Arial Narrow" pitchFamily="34" charset="0"/>
+            </a:endParaRPr>
+          </a:p>
+        </p:txBody>
+      </p:sp>
+      <p:sp>
+        <p:nvSpPr>
+          <p:cNvPr id="9" name="TextBox 8"/>
+          <p:cNvSpPr txBox="1"/>
+          <p:nvPr/>
+        </p:nvSpPr>
+        <p:spPr>
+          <a:xfrm>
+            <a:off x="6187440" y="4206240"/>
+            <a:ext cx="1955535" cy="1631216"/>
+          </a:xfrm>
+          <a:prstGeom prst="rect">
+            <a:avLst/>
+          </a:prstGeom>
+          <a:noFill/>
+        </p:spPr>
+        <p:txBody>
+          <a:bodyPr wrap="none" rtlCol="0">
+            <a:spAutoFit/>
+          </a:bodyPr>
+          <a:lstStyle/>
+          <a:p>
+            <a:r>
+              <a:rPr lang="en-US" sz="2000" b="1" dirty="0" smtClean="0">
+                <a:solidFill>
+                  <a:srgbClr val="FFFF00"/>
+                </a:solidFill>
+                <a:latin typeface="Arial Narrow" pitchFamily="34" charset="0"/>
+              </a:rPr>
+              <a:t>Joel Alcarez,</a:t>
+            </a:r>
+          </a:p>
+          <a:p>
+            <a:r>
+              <a:rPr lang="en-US" sz="2000" b="1" dirty="0" smtClean="0">
+                <a:solidFill>
+                  <a:srgbClr val="FFFF00"/>
+                </a:solidFill>
+                <a:latin typeface="Arial Narrow" pitchFamily="34" charset="0"/>
+              </a:rPr>
+              <a:t>CSO, Interim CTO</a:t>
+            </a:r>
+          </a:p>
+          <a:p>
+            <a:r>
+              <a:rPr lang="en-US" sz="2000" b="1" dirty="0" smtClean="0">
+                <a:latin typeface="Arial Narrow" pitchFamily="34" charset="0"/>
+              </a:rPr>
+              <a:t>20+ years in IT</a:t>
+            </a:r>
+          </a:p>
+          <a:p>
+            <a:r>
+              <a:rPr lang="en-US" sz="2000" b="1" dirty="0" smtClean="0">
+                <a:latin typeface="Arial Narrow" pitchFamily="34" charset="0"/>
+              </a:rPr>
+              <a:t>Done Startups </a:t>
+            </a:r>
+          </a:p>
+          <a:p>
+            <a:r>
+              <a:rPr lang="en-US" sz="2000" b="1" dirty="0" smtClean="0">
+                <a:latin typeface="Arial Narrow" pitchFamily="34" charset="0"/>
+              </a:rPr>
+              <a:t>Previously</a:t>
+            </a:r>
+            <a:endParaRPr lang="en-US" sz="2000" b="1" dirty="0">
+              <a:latin typeface="Arial Narrow" pitchFamily="34" charset="0"/>
+            </a:endParaRPr>
+          </a:p>
+        </p:txBody>
+      </p:sp>
+    </p:spTree>
+  </p:cSld>
+  <p:clrMapOvr>
+    <a:masterClrMapping/>
+  </p:clrMapOvr>
+  <p:timing>
+    <p:tnLst>
+      <p:par>
+        <p:cTn id="1" dur="indefinite" restart="never" nodeType="tmRoot"/>
+      </p:par>
+    </p:tnLst>
+  </p:timing>
+</p:sld>
+</file>
+
+<file path=ppt/slides/slide13.xml><?xml version="1.0" encoding="utf-8"?>
+<p:sld xmlns:a="http://schemas.openxmlformats.org/drawingml/2006/main" xmlns:r="http://schemas.openxmlformats.org/officeDocument/2006/relationships" xmlns:p="http://schemas.openxmlformats.org/presentationml/2006/main">
+  <p:cSld>
+    <p:spTree>
+      <p:nvGrpSpPr>
+        <p:cNvPr id="1" name=""/>
+        <p:cNvGrpSpPr/>
+        <p:nvPr/>
+      </p:nvGrpSpPr>
+      <p:grpSpPr>
+        <a:xfrm>
+          <a:off x="0" y="0"/>
+          <a:ext cx="0" cy="0"/>
+          <a:chOff x="0" y="0"/>
+          <a:chExt cx="0" cy="0"/>
+        </a:xfrm>
+      </p:grpSpPr>
+      <p:sp>
+        <p:nvSpPr>
+          <p:cNvPr id="2" name="Title 1"/>
+          <p:cNvSpPr>
+            <a:spLocks noGrp="1"/>
+          </p:cNvSpPr>
+          <p:nvPr>
+            <p:ph type="title"/>
+          </p:nvPr>
+        </p:nvSpPr>
+        <p:spPr/>
+        <p:txBody>
+          <a:bodyPr/>
+          <a:lstStyle/>
+          <a:p>
             <a:r>
               <a:rPr lang="de-DE" b="1" dirty="0" smtClean="0">
                 <a:solidFill>
                   <a:srgbClr val="FFFF00"/>
                 </a:solidFill>
               </a:rPr>
-              <a:t>M</a:t>
-            </a:r>
-            <a:r>
-              <a:rPr lang="de-DE" b="1" dirty="0" smtClean="0">
-                <a:solidFill>
-                  <a:srgbClr val="FFFF00"/>
-                </a:solidFill>
-              </a:rPr>
-              <a:t>arket </a:t>
-            </a:r>
-            <a:r>
-              <a:rPr lang="de-DE" b="1" dirty="0" smtClean="0">
-                <a:solidFill>
-                  <a:srgbClr val="FFFF00"/>
-                </a:solidFill>
-              </a:rPr>
-              <a:t>S</a:t>
-            </a:r>
-            <a:r>
-              <a:rPr lang="de-DE" b="1" dirty="0" smtClean="0">
-                <a:solidFill>
-                  <a:srgbClr val="FFFF00"/>
-                </a:solidFill>
-              </a:rPr>
-              <a:t>ize</a:t>
+              <a:t>Total Global Social Media Market Size</a:t>
             </a:r>
             <a:endParaRPr lang="en-US" dirty="0"/>
           </a:p>
@@ -4697,10 +4939,17 @@
   <p:clrMapOvr>
     <a:masterClrMapping/>
   </p:clrMapOvr>
+  <p:timing>
+    <p:tnLst>
+      <p:par>
+        <p:cTn id="1" dur="indefinite" restart="never" nodeType="tmRoot"/>
+      </p:par>
+    </p:tnLst>
+  </p:timing>
 </p:sld>
 </file>
 
-<file path=ppt/slides/slide13.xml><?xml version="1.0" encoding="utf-8"?>
+<file path=ppt/slides/slide14.xml><?xml version="1.0" encoding="utf-8"?>
 <p:sld xmlns:a="http://schemas.openxmlformats.org/drawingml/2006/main" xmlns:r="http://schemas.openxmlformats.org/officeDocument/2006/relationships" xmlns:p="http://schemas.openxmlformats.org/presentationml/2006/main">
   <p:cSld>
     <p:spTree>
@@ -4749,7 +4998,7 @@
           <p:cNvPr id="6" name="Inhaltsplatzhalter 2">
             <a:extLst>
               <a:ext uri="{FF2B5EF4-FFF2-40B4-BE49-F238E27FC236}">
-                <a16:creationId xmlns:a16="http://schemas.microsoft.com/office/drawing/2014/main" xmlns="" id="{0C8E27EB-6D5D-FD5C-62B8-EF46AD9E1128}"/>
+                <a16:creationId xmlns="" xmlns:a16="http://schemas.microsoft.com/office/drawing/2014/main" id="{0C8E27EB-6D5D-FD5C-62B8-EF46AD9E1128}"/>
               </a:ext>
             </a:extLst>
           </p:cNvPr>
@@ -4780,58 +5029,82 @@
               <a:rPr lang="en-US" sz="4800" dirty="0" smtClean="0">
                 <a:latin typeface="Trebuchet MS" pitchFamily="34" charset="0"/>
               </a:rPr>
+              <a:t>  Capture even less than </a:t>
+            </a:r>
+            <a:r>
+              <a:rPr lang="en-US" sz="4800" dirty="0" smtClean="0">
+                <a:solidFill>
+                  <a:srgbClr val="00B050"/>
+                </a:solidFill>
+                <a:latin typeface="Trebuchet MS" pitchFamily="34" charset="0"/>
+              </a:rPr>
+              <a:t>0.5%</a:t>
+            </a:r>
+            <a:r>
+              <a:rPr lang="en-US" sz="4800" dirty="0" smtClean="0">
+                <a:latin typeface="Trebuchet MS" pitchFamily="34" charset="0"/>
+              </a:rPr>
+              <a:t> of </a:t>
+            </a:r>
+            <a:r>
+              <a:rPr lang="en-US" sz="4800" dirty="0" smtClean="0">
+                <a:solidFill>
+                  <a:srgbClr val="00B050"/>
+                </a:solidFill>
+                <a:latin typeface="Trebuchet MS" pitchFamily="34" charset="0"/>
+              </a:rPr>
+              <a:t>230 billion USD </a:t>
+            </a:r>
+            <a:r>
+              <a:rPr lang="en-US" sz="4800" dirty="0" smtClean="0">
+                <a:latin typeface="Trebuchet MS" pitchFamily="34" charset="0"/>
+              </a:rPr>
+              <a:t>that’s </a:t>
+            </a:r>
+            <a:r>
+              <a:rPr lang="en-US" sz="4800" dirty="0" smtClean="0">
+                <a:solidFill>
+                  <a:srgbClr val="00B050"/>
+                </a:solidFill>
+                <a:latin typeface="Trebuchet MS" pitchFamily="34" charset="0"/>
+              </a:rPr>
+              <a:t>1.15 billion USD</a:t>
+            </a:r>
+          </a:p>
+          <a:p>
+            <a:pPr lvl="0">
+              <a:buNone/>
+              <a:defRPr/>
+            </a:pPr>
+            <a:r>
+              <a:rPr lang="en-US" sz="4800" dirty="0" smtClean="0">
+                <a:latin typeface="Trebuchet MS" pitchFamily="34" charset="0"/>
+              </a:rPr>
+              <a:t> </a:t>
+            </a:r>
+          </a:p>
+          <a:p>
+            <a:pPr lvl="0">
+              <a:buNone/>
+              <a:defRPr/>
+            </a:pPr>
+            <a:r>
+              <a:rPr lang="en-US" sz="4800" dirty="0" smtClean="0">
+                <a:latin typeface="Trebuchet MS" pitchFamily="34" charset="0"/>
+              </a:rPr>
               <a:t>  </a:t>
             </a:r>
             <a:r>
+              <a:rPr lang="en-US" sz="4800" dirty="0" err="1" smtClean="0">
+                <a:latin typeface="Trebuchet MS" pitchFamily="34" charset="0"/>
+              </a:rPr>
+              <a:t>Facebook</a:t>
+            </a:r>
+            <a:r>
               <a:rPr lang="en-US" sz="4800" dirty="0" smtClean="0">
                 <a:latin typeface="Trebuchet MS" pitchFamily="34" charset="0"/>
               </a:rPr>
-              <a:t>C</a:t>
-            </a:r>
-            <a:r>
-              <a:rPr lang="en-US" sz="4800" dirty="0" smtClean="0">
-                <a:latin typeface="Trebuchet MS" pitchFamily="34" charset="0"/>
-              </a:rPr>
-              <a:t>apture even less than </a:t>
-            </a:r>
-            <a:r>
-              <a:rPr lang="en-US" sz="4800" dirty="0" smtClean="0">
-                <a:solidFill>
-                  <a:srgbClr val="00B050"/>
-                </a:solidFill>
-                <a:latin typeface="Trebuchet MS" pitchFamily="34" charset="0"/>
-              </a:rPr>
-              <a:t>0.5%</a:t>
-            </a:r>
-            <a:r>
-              <a:rPr lang="en-US" sz="4800" dirty="0" smtClean="0">
-                <a:latin typeface="Trebuchet MS" pitchFamily="34" charset="0"/>
-              </a:rPr>
-              <a:t> of </a:t>
-            </a:r>
-            <a:r>
-              <a:rPr lang="en-US" sz="4800" dirty="0" smtClean="0">
-                <a:solidFill>
-                  <a:srgbClr val="00B050"/>
-                </a:solidFill>
-                <a:latin typeface="Trebuchet MS" pitchFamily="34" charset="0"/>
-              </a:rPr>
-              <a:t>230 billion USD </a:t>
-            </a:r>
-            <a:r>
-              <a:rPr lang="en-US" sz="4800" dirty="0" smtClean="0">
-                <a:latin typeface="Trebuchet MS" pitchFamily="34" charset="0"/>
-              </a:rPr>
-              <a:t>that’s </a:t>
-            </a:r>
-            <a:r>
-              <a:rPr lang="en-US" sz="4800" dirty="0" smtClean="0">
-                <a:solidFill>
-                  <a:srgbClr val="00B050"/>
-                </a:solidFill>
-                <a:latin typeface="Trebuchet MS" pitchFamily="34" charset="0"/>
-              </a:rPr>
-              <a:t>1.15 billion USD</a:t>
+              <a:t> wasn’t the first social media page/app there was MySpace its possible to switch</a:t>
             </a:r>
           </a:p>
           <a:p>
@@ -4839,12 +5112,6 @@
               <a:buNone/>
               <a:defRPr/>
             </a:pPr>
-            <a:r>
-              <a:rPr lang="en-US" sz="4800" dirty="0" smtClean="0">
-                <a:latin typeface="Trebuchet MS" pitchFamily="34" charset="0"/>
-              </a:rPr>
-              <a:t> </a:t>
-            </a:r>
             <a:endParaRPr lang="en-US" sz="4800" dirty="0" smtClean="0">
               <a:latin typeface="Trebuchet MS" pitchFamily="34" charset="0"/>
             </a:endParaRPr>
@@ -4858,74 +5125,32 @@
               <a:rPr lang="en-US" sz="4800" dirty="0" smtClean="0">
                 <a:latin typeface="Trebuchet MS" pitchFamily="34" charset="0"/>
               </a:rPr>
-              <a:t> </a:t>
+              <a:t>  Tetraplex is definitely not the first but will be less toxic than </a:t>
+            </a:r>
+            <a:r>
+              <a:rPr lang="en-US" sz="4800" dirty="0" err="1" smtClean="0">
+                <a:latin typeface="Trebuchet MS" pitchFamily="34" charset="0"/>
+              </a:rPr>
+              <a:t>Facebook</a:t>
             </a:r>
             <a:r>
               <a:rPr lang="en-US" sz="4800" dirty="0" smtClean="0">
                 <a:latin typeface="Trebuchet MS" pitchFamily="34" charset="0"/>
               </a:rPr>
-              <a:t> </a:t>
-            </a:r>
-            <a:r>
-              <a:rPr lang="en-US" sz="4800" dirty="0" err="1" smtClean="0">
-                <a:latin typeface="Trebuchet MS" pitchFamily="34" charset="0"/>
-              </a:rPr>
-              <a:t>Facebook</a:t>
-            </a:r>
+              <a:t> or X (former Twitter)</a:t>
+            </a:r>
+          </a:p>
+          <a:p>
+            <a:pPr lvl="0">
+              <a:buNone/>
+              <a:defRPr/>
+            </a:pPr>
             <a:r>
               <a:rPr lang="en-US" sz="4800" dirty="0" smtClean="0">
                 <a:latin typeface="Trebuchet MS" pitchFamily="34" charset="0"/>
               </a:rPr>
-              <a:t> wasn’t the first social media page/app there was MySpace its possible to switch</a:t>
-            </a:r>
-          </a:p>
-          <a:p>
-            <a:pPr lvl="0">
-              <a:buNone/>
-              <a:defRPr/>
-            </a:pPr>
-            <a:endParaRPr lang="en-US" sz="4800" dirty="0" smtClean="0">
-              <a:latin typeface="Trebuchet MS" pitchFamily="34" charset="0"/>
-            </a:endParaRPr>
-          </a:p>
-          <a:p>
-            <a:pPr lvl="0">
-              <a:buNone/>
-              <a:defRPr/>
-            </a:pPr>
-            <a:r>
-              <a:rPr lang="en-US" sz="4800" dirty="0" smtClean="0">
-                <a:latin typeface="Trebuchet MS" pitchFamily="34" charset="0"/>
-              </a:rPr>
-              <a:t>  Tetraplex is definitely not the first but will be less toxic than </a:t>
-            </a:r>
-            <a:r>
-              <a:rPr lang="en-US" sz="4800" dirty="0" err="1" smtClean="0">
-                <a:latin typeface="Trebuchet MS" pitchFamily="34" charset="0"/>
-              </a:rPr>
-              <a:t>Facebook</a:t>
-            </a:r>
-            <a:r>
-              <a:rPr lang="en-US" sz="4800" dirty="0" smtClean="0">
-                <a:latin typeface="Trebuchet MS" pitchFamily="34" charset="0"/>
-              </a:rPr>
-              <a:t> or X (former Twitter)</a:t>
-            </a:r>
-          </a:p>
-          <a:p>
-            <a:pPr lvl="0">
-              <a:buNone/>
-              <a:defRPr/>
-            </a:pPr>
-            <a:r>
-              <a:rPr lang="en-US" sz="4800" dirty="0" smtClean="0">
-                <a:latin typeface="Trebuchet MS" pitchFamily="34" charset="0"/>
-              </a:rPr>
               <a:t>	</a:t>
             </a:r>
-            <a:endParaRPr lang="en-US" sz="4800" dirty="0" smtClean="0">
-              <a:latin typeface="Trebuchet MS" pitchFamily="34" charset="0"/>
-            </a:endParaRPr>
           </a:p>
           <a:p>
             <a:pPr lvl="0">
@@ -4976,10 +5201,17 @@
   <p:clrMapOvr>
     <a:masterClrMapping/>
   </p:clrMapOvr>
+  <p:timing>
+    <p:tnLst>
+      <p:par>
+        <p:cTn id="1" dur="indefinite" restart="never" nodeType="tmRoot"/>
+      </p:par>
+    </p:tnLst>
+  </p:timing>
 </p:sld>
 </file>
 
-<file path=ppt/slides/slide14.xml><?xml version="1.0" encoding="utf-8"?>
+<file path=ppt/slides/slide15.xml><?xml version="1.0" encoding="utf-8"?>
 <p:sld xmlns:a="http://schemas.openxmlformats.org/drawingml/2006/main" xmlns:r="http://schemas.openxmlformats.org/officeDocument/2006/relationships" xmlns:p="http://schemas.openxmlformats.org/presentationml/2006/main">
   <p:cSld>
     <p:spTree>
@@ -5223,7 +5455,7 @@
           <p:cNvPr id="2" name="Titel 1">
             <a:extLst>
               <a:ext uri="{FF2B5EF4-FFF2-40B4-BE49-F238E27FC236}">
-                <a16:creationId xmlns:a16="http://schemas.microsoft.com/office/drawing/2014/main" xmlns="" id="{C21D459F-BF65-98A3-82FE-E681FB41ADC3}"/>
+                <a16:creationId xmlns="" xmlns:a16="http://schemas.microsoft.com/office/drawing/2014/main" id="{C21D459F-BF65-98A3-82FE-E681FB41ADC3}"/>
               </a:ext>
             </a:extLst>
           </p:cNvPr>
@@ -5262,7 +5494,7 @@
           <p:cNvPr id="3" name="Inhaltsplatzhalter 2">
             <a:extLst>
               <a:ext uri="{FF2B5EF4-FFF2-40B4-BE49-F238E27FC236}">
-                <a16:creationId xmlns:a16="http://schemas.microsoft.com/office/drawing/2014/main" xmlns="" id="{75E8FA1C-5EA9-21B0-E50C-8ECC1B166C3E}"/>
+                <a16:creationId xmlns="" xmlns:a16="http://schemas.microsoft.com/office/drawing/2014/main" id="{75E8FA1C-5EA9-21B0-E50C-8ECC1B166C3E}"/>
               </a:ext>
             </a:extLst>
           </p:cNvPr>
@@ -5415,7 +5647,7 @@
     </p:spTree>
     <p:extLst>
       <p:ext uri="{BB962C8B-B14F-4D97-AF65-F5344CB8AC3E}">
-        <p14:creationId xmlns:p14="http://schemas.microsoft.com/office/powerpoint/2010/main" xmlns="" val="3190174708"/>
+        <p14:creationId xmlns="" xmlns:p14="http://schemas.microsoft.com/office/powerpoint/2010/main" val="3190174708"/>
       </p:ext>
     </p:extLst>
   </p:cSld>
@@ -5454,7 +5686,7 @@
           <p:cNvPr id="2" name="Titel 1">
             <a:extLst>
               <a:ext uri="{FF2B5EF4-FFF2-40B4-BE49-F238E27FC236}">
-                <a16:creationId xmlns:a16="http://schemas.microsoft.com/office/drawing/2014/main" xmlns="" id="{C21D459F-BF65-98A3-82FE-E681FB41ADC3}"/>
+                <a16:creationId xmlns="" xmlns:a16="http://schemas.microsoft.com/office/drawing/2014/main" id="{C21D459F-BF65-98A3-82FE-E681FB41ADC3}"/>
               </a:ext>
             </a:extLst>
           </p:cNvPr>
@@ -5632,7 +5864,7 @@
     </p:spTree>
     <p:extLst>
       <p:ext uri="{BB962C8B-B14F-4D97-AF65-F5344CB8AC3E}">
-        <p14:creationId xmlns:p14="http://schemas.microsoft.com/office/powerpoint/2010/main" xmlns="" val="3230060305"/>
+        <p14:creationId xmlns="" xmlns:p14="http://schemas.microsoft.com/office/powerpoint/2010/main" val="3230060305"/>
       </p:ext>
     </p:extLst>
   </p:cSld>
@@ -5900,7 +6132,7 @@
           <p:cNvPr id="2" name="Titel 1">
             <a:extLst>
               <a:ext uri="{FF2B5EF4-FFF2-40B4-BE49-F238E27FC236}">
-                <a16:creationId xmlns:a16="http://schemas.microsoft.com/office/drawing/2014/main" xmlns="" id="{104ADDBE-2857-21DF-31CF-75966D662895}"/>
+                <a16:creationId xmlns="" xmlns:a16="http://schemas.microsoft.com/office/drawing/2014/main" id="{104ADDBE-2857-21DF-31CF-75966D662895}"/>
               </a:ext>
             </a:extLst>
           </p:cNvPr>
@@ -6115,7 +6347,7 @@
     </p:spTree>
     <p:extLst>
       <p:ext uri="{BB962C8B-B14F-4D97-AF65-F5344CB8AC3E}">
-        <p14:creationId xmlns:p14="http://schemas.microsoft.com/office/powerpoint/2010/main" xmlns="" val="3351770822"/>
+        <p14:creationId xmlns="" xmlns:p14="http://schemas.microsoft.com/office/powerpoint/2010/main" val="3351770822"/>
       </p:ext>
     </p:extLst>
   </p:cSld>
@@ -6154,7 +6386,7 @@
           <p:cNvPr id="2" name="Titel 1">
             <a:extLst>
               <a:ext uri="{FF2B5EF4-FFF2-40B4-BE49-F238E27FC236}">
-                <a16:creationId xmlns:a16="http://schemas.microsoft.com/office/drawing/2014/main" xmlns="" id="{D08A566F-4CA9-F7DF-ECEB-910A88862795}"/>
+                <a16:creationId xmlns="" xmlns:a16="http://schemas.microsoft.com/office/drawing/2014/main" id="{D08A566F-4CA9-F7DF-ECEB-910A88862795}"/>
               </a:ext>
             </a:extLst>
           </p:cNvPr>
@@ -6193,7 +6425,7 @@
           <p:cNvPr id="13" name="Inhaltsplatzhalter 2">
             <a:extLst>
               <a:ext uri="{FF2B5EF4-FFF2-40B4-BE49-F238E27FC236}">
-                <a16:creationId xmlns:a16="http://schemas.microsoft.com/office/drawing/2014/main" xmlns="" id="{FAC69121-968E-B939-3377-5335E9638EE8}"/>
+                <a16:creationId xmlns="" xmlns:a16="http://schemas.microsoft.com/office/drawing/2014/main" id="{FAC69121-968E-B939-3377-5335E9638EE8}"/>
               </a:ext>
             </a:extLst>
           </p:cNvPr>
@@ -6316,7 +6548,7 @@
     </p:spTree>
     <p:extLst>
       <p:ext uri="{BB962C8B-B14F-4D97-AF65-F5344CB8AC3E}">
-        <p14:creationId xmlns:p14="http://schemas.microsoft.com/office/powerpoint/2010/main" xmlns="" val="4139908003"/>
+        <p14:creationId xmlns="" xmlns:p14="http://schemas.microsoft.com/office/powerpoint/2010/main" val="4139908003"/>
       </p:ext>
     </p:extLst>
   </p:cSld>
@@ -6598,7 +6830,7 @@
           <p:cNvPr id="2" name="Titel 1">
             <a:extLst>
               <a:ext uri="{FF2B5EF4-FFF2-40B4-BE49-F238E27FC236}">
-                <a16:creationId xmlns:a16="http://schemas.microsoft.com/office/drawing/2014/main" xmlns="" id="{D08A566F-4CA9-F7DF-ECEB-910A88862795}"/>
+                <a16:creationId xmlns="" xmlns:a16="http://schemas.microsoft.com/office/drawing/2014/main" id="{D08A566F-4CA9-F7DF-ECEB-910A88862795}"/>
               </a:ext>
             </a:extLst>
           </p:cNvPr>
@@ -6637,7 +6869,7 @@
           <p:cNvPr id="3" name="Inhaltsplatzhalter 2">
             <a:extLst>
               <a:ext uri="{FF2B5EF4-FFF2-40B4-BE49-F238E27FC236}">
-                <a16:creationId xmlns:a16="http://schemas.microsoft.com/office/drawing/2014/main" xmlns="" id="{FAC69121-968E-B939-3377-5335E9638EE8}"/>
+                <a16:creationId xmlns="" xmlns:a16="http://schemas.microsoft.com/office/drawing/2014/main" id="{FAC69121-968E-B939-3377-5335E9638EE8}"/>
               </a:ext>
             </a:extLst>
           </p:cNvPr>
@@ -6665,7 +6897,7 @@
           <p:cNvPr id="8" name="Inhaltsplatzhalter 2">
             <a:extLst>
               <a:ext uri="{FF2B5EF4-FFF2-40B4-BE49-F238E27FC236}">
-                <a16:creationId xmlns:a16="http://schemas.microsoft.com/office/drawing/2014/main" xmlns="" id="{FAC69121-968E-B939-3377-5335E9638EE8}"/>
+                <a16:creationId xmlns="" xmlns:a16="http://schemas.microsoft.com/office/drawing/2014/main" id="{FAC69121-968E-B939-3377-5335E9638EE8}"/>
               </a:ext>
             </a:extLst>
           </p:cNvPr>
@@ -6916,7 +7148,7 @@
     </p:spTree>
     <p:extLst>
       <p:ext uri="{BB962C8B-B14F-4D97-AF65-F5344CB8AC3E}">
-        <p14:creationId xmlns:p14="http://schemas.microsoft.com/office/powerpoint/2010/main" xmlns="" val="1747655176"/>
+        <p14:creationId xmlns="" xmlns:p14="http://schemas.microsoft.com/office/powerpoint/2010/main" val="1747655176"/>
       </p:ext>
     </p:extLst>
   </p:cSld>
@@ -6955,7 +7187,7 @@
           <p:cNvPr id="2" name="Titel 1">
             <a:extLst>
               <a:ext uri="{FF2B5EF4-FFF2-40B4-BE49-F238E27FC236}">
-                <a16:creationId xmlns:a16="http://schemas.microsoft.com/office/drawing/2014/main" xmlns="" id="{D08A566F-4CA9-F7DF-ECEB-910A88862795}"/>
+                <a16:creationId xmlns="" xmlns:a16="http://schemas.microsoft.com/office/drawing/2014/main" id="{D08A566F-4CA9-F7DF-ECEB-910A88862795}"/>
               </a:ext>
             </a:extLst>
           </p:cNvPr>
@@ -6994,7 +7226,7 @@
           <p:cNvPr id="3" name="Inhaltsplatzhalter 2">
             <a:extLst>
               <a:ext uri="{FF2B5EF4-FFF2-40B4-BE49-F238E27FC236}">
-                <a16:creationId xmlns:a16="http://schemas.microsoft.com/office/drawing/2014/main" xmlns="" id="{FAC69121-968E-B939-3377-5335E9638EE8}"/>
+                <a16:creationId xmlns="" xmlns:a16="http://schemas.microsoft.com/office/drawing/2014/main" id="{FAC69121-968E-B939-3377-5335E9638EE8}"/>
               </a:ext>
             </a:extLst>
           </p:cNvPr>
@@ -7022,7 +7254,7 @@
           <p:cNvPr id="8" name="Inhaltsplatzhalter 2">
             <a:extLst>
               <a:ext uri="{FF2B5EF4-FFF2-40B4-BE49-F238E27FC236}">
-                <a16:creationId xmlns:a16="http://schemas.microsoft.com/office/drawing/2014/main" xmlns="" id="{FAC69121-968E-B939-3377-5335E9638EE8}"/>
+                <a16:creationId xmlns="" xmlns:a16="http://schemas.microsoft.com/office/drawing/2014/main" id="{FAC69121-968E-B939-3377-5335E9638EE8}"/>
               </a:ext>
             </a:extLst>
           </p:cNvPr>
@@ -7450,7 +7682,7 @@
     </p:spTree>
     <p:extLst>
       <p:ext uri="{BB962C8B-B14F-4D97-AF65-F5344CB8AC3E}">
-        <p14:creationId xmlns:p14="http://schemas.microsoft.com/office/powerpoint/2010/main" xmlns="" val="1747655176"/>
+        <p14:creationId xmlns="" xmlns:p14="http://schemas.microsoft.com/office/powerpoint/2010/main" val="1747655176"/>
       </p:ext>
     </p:extLst>
   </p:cSld>

--- a/Documentation/TetraPlex deck 0.54 - dark mode.pptx
+++ b/Documentation/TetraPlex deck 0.54 - dark mode.pptx
@@ -19,7 +19,8 @@
     <p:sldId id="275" r:id="rId13"/>
     <p:sldId id="272" r:id="rId14"/>
     <p:sldId id="274" r:id="rId15"/>
-    <p:sldId id="270" r:id="rId16"/>
+    <p:sldId id="276" r:id="rId16"/>
+    <p:sldId id="270" r:id="rId17"/>
   </p:sldIdLst>
   <p:sldSz cx="12192000" cy="6858000"/>
   <p:notesSz cx="6858000" cy="9144000"/>
@@ -120,7 +121,7 @@
   </p:defaultTextStyle>
   <p:extLst>
     <p:ext uri="{EFAFB233-063F-42B5-8137-9DF3F51BA10A}">
-      <p15:sldGuideLst xmlns="" xmlns:p15="http://schemas.microsoft.com/office/powerpoint/2012/main"/>
+      <p15:sldGuideLst xmlns:p15="http://schemas.microsoft.com/office/powerpoint/2012/main" xmlns=""/>
     </p:ext>
   </p:extLst>
 </p:presentation>
@@ -646,7 +647,7 @@
             <a:fld id="{D703D9E9-6871-4375-AC09-0A65C85665EF}" type="datetimeFigureOut">
               <a:rPr lang="de-DE" smtClean="0"/>
               <a:pPr/>
-              <a:t>11.08.2023</a:t>
+              <a:t>18.08.2023</a:t>
             </a:fld>
             <a:endParaRPr lang="de-DE"/>
           </a:p>
@@ -839,7 +840,7 @@
             <a:fld id="{D703D9E9-6871-4375-AC09-0A65C85665EF}" type="datetimeFigureOut">
               <a:rPr lang="de-DE" smtClean="0"/>
               <a:pPr/>
-              <a:t>11.08.2023</a:t>
+              <a:t>18.08.2023</a:t>
             </a:fld>
             <a:endParaRPr lang="de-DE"/>
           </a:p>
@@ -1021,7 +1022,7 @@
             <a:fld id="{D703D9E9-6871-4375-AC09-0A65C85665EF}" type="datetimeFigureOut">
               <a:rPr lang="de-DE" smtClean="0"/>
               <a:pPr/>
-              <a:t>11.08.2023</a:t>
+              <a:t>18.08.2023</a:t>
             </a:fld>
             <a:endParaRPr lang="de-DE"/>
           </a:p>
@@ -1286,7 +1287,7 @@
             <a:fld id="{D703D9E9-6871-4375-AC09-0A65C85665EF}" type="datetimeFigureOut">
               <a:rPr lang="de-DE" smtClean="0"/>
               <a:pPr/>
-              <a:t>11.08.2023</a:t>
+              <a:t>18.08.2023</a:t>
             </a:fld>
             <a:endParaRPr lang="de-DE"/>
           </a:p>
@@ -1699,7 +1700,7 @@
             <a:fld id="{D703D9E9-6871-4375-AC09-0A65C85665EF}" type="datetimeFigureOut">
               <a:rPr lang="de-DE" smtClean="0"/>
               <a:pPr/>
-              <a:t>11.08.2023</a:t>
+              <a:t>18.08.2023</a:t>
             </a:fld>
             <a:endParaRPr lang="de-DE"/>
           </a:p>
@@ -1943,7 +1944,7 @@
             <a:fld id="{D703D9E9-6871-4375-AC09-0A65C85665EF}" type="datetimeFigureOut">
               <a:rPr lang="de-DE" smtClean="0"/>
               <a:pPr/>
-              <a:t>11.08.2023</a:t>
+              <a:t>18.08.2023</a:t>
             </a:fld>
             <a:endParaRPr lang="de-DE"/>
           </a:p>
@@ -2181,7 +2182,7 @@
             <a:fld id="{D703D9E9-6871-4375-AC09-0A65C85665EF}" type="datetimeFigureOut">
               <a:rPr lang="de-DE" smtClean="0"/>
               <a:pPr/>
-              <a:t>11.08.2023</a:t>
+              <a:t>18.08.2023</a:t>
             </a:fld>
             <a:endParaRPr lang="de-DE"/>
           </a:p>
@@ -2378,7 +2379,7 @@
             <a:fld id="{D703D9E9-6871-4375-AC09-0A65C85665EF}" type="datetimeFigureOut">
               <a:rPr lang="de-DE" smtClean="0"/>
               <a:pPr/>
-              <a:t>11.08.2023</a:t>
+              <a:t>18.08.2023</a:t>
             </a:fld>
             <a:endParaRPr lang="de-DE"/>
           </a:p>
@@ -2478,7 +2479,7 @@
             <a:fld id="{D703D9E9-6871-4375-AC09-0A65C85665EF}" type="datetimeFigureOut">
               <a:rPr lang="de-DE" smtClean="0"/>
               <a:pPr/>
-              <a:t>11.08.2023</a:t>
+              <a:t>18.08.2023</a:t>
             </a:fld>
             <a:endParaRPr lang="de-DE"/>
           </a:p>
@@ -2616,7 +2617,7 @@
             <a:fld id="{D703D9E9-6871-4375-AC09-0A65C85665EF}" type="datetimeFigureOut">
               <a:rPr lang="de-DE" smtClean="0"/>
               <a:pPr/>
-              <a:t>11.08.2023</a:t>
+              <a:t>18.08.2023</a:t>
             </a:fld>
             <a:endParaRPr lang="de-DE"/>
           </a:p>
@@ -3131,7 +3132,7 @@
             <a:fld id="{D703D9E9-6871-4375-AC09-0A65C85665EF}" type="datetimeFigureOut">
               <a:rPr lang="de-DE" smtClean="0"/>
               <a:pPr/>
-              <a:t>11.08.2023</a:t>
+              <a:t>18.08.2023</a:t>
             </a:fld>
             <a:endParaRPr lang="de-DE"/>
           </a:p>
@@ -3394,7 +3395,7 @@
             <a:fld id="{D703D9E9-6871-4375-AC09-0A65C85665EF}" type="datetimeFigureOut">
               <a:rPr lang="de-DE" smtClean="0"/>
               <a:pPr/>
-              <a:t>11.08.2023</a:t>
+              <a:t>18.08.2023</a:t>
             </a:fld>
             <a:endParaRPr lang="de-DE"/>
           </a:p>
@@ -3939,7 +3940,7 @@
           <p:cNvPr id="3" name="Untertitel 2">
             <a:extLst>
               <a:ext uri="{FF2B5EF4-FFF2-40B4-BE49-F238E27FC236}">
-                <a16:creationId xmlns="" xmlns:a16="http://schemas.microsoft.com/office/drawing/2014/main" id="{66EAC223-604A-E53F-EADB-5FCF3F050425}"/>
+                <a16:creationId xmlns:a16="http://schemas.microsoft.com/office/drawing/2014/main" xmlns="" id="{66EAC223-604A-E53F-EADB-5FCF3F050425}"/>
               </a:ext>
             </a:extLst>
           </p:cNvPr>
@@ -4119,7 +4120,7 @@
     </p:spTree>
     <p:extLst>
       <p:ext uri="{BB962C8B-B14F-4D97-AF65-F5344CB8AC3E}">
-        <p14:creationId xmlns="" xmlns:p14="http://schemas.microsoft.com/office/powerpoint/2010/main" val="77256135"/>
+        <p14:creationId xmlns:p14="http://schemas.microsoft.com/office/powerpoint/2010/main" xmlns="" val="77256135"/>
       </p:ext>
     </p:extLst>
   </p:cSld>
@@ -4158,7 +4159,7 @@
           <p:cNvPr id="2" name="Titel 1">
             <a:extLst>
               <a:ext uri="{FF2B5EF4-FFF2-40B4-BE49-F238E27FC236}">
-                <a16:creationId xmlns="" xmlns:a16="http://schemas.microsoft.com/office/drawing/2014/main" id="{0E0F567F-A26B-3FB3-CCB2-26650C9159FD}"/>
+                <a16:creationId xmlns:a16="http://schemas.microsoft.com/office/drawing/2014/main" xmlns="" id="{0E0F567F-A26B-3FB3-CCB2-26650C9159FD}"/>
               </a:ext>
             </a:extLst>
           </p:cNvPr>
@@ -4202,7 +4203,7 @@
           <p:cNvPr id="3" name="Inhaltsplatzhalter 2">
             <a:extLst>
               <a:ext uri="{FF2B5EF4-FFF2-40B4-BE49-F238E27FC236}">
-                <a16:creationId xmlns="" xmlns:a16="http://schemas.microsoft.com/office/drawing/2014/main" id="{0C8E27EB-6D5D-FD5C-62B8-EF46AD9E1128}"/>
+                <a16:creationId xmlns:a16="http://schemas.microsoft.com/office/drawing/2014/main" xmlns="" id="{0C8E27EB-6D5D-FD5C-62B8-EF46AD9E1128}"/>
               </a:ext>
             </a:extLst>
           </p:cNvPr>
@@ -4331,7 +4332,7 @@
     </p:spTree>
     <p:extLst>
       <p:ext uri="{BB962C8B-B14F-4D97-AF65-F5344CB8AC3E}">
-        <p14:creationId xmlns="" xmlns:p14="http://schemas.microsoft.com/office/powerpoint/2010/main" val="3625188337"/>
+        <p14:creationId xmlns:p14="http://schemas.microsoft.com/office/powerpoint/2010/main" xmlns="" val="3625188337"/>
       </p:ext>
     </p:extLst>
   </p:cSld>
@@ -4732,9 +4733,6 @@
               </a:rPr>
               <a:t>Author</a:t>
             </a:r>
-            <a:endParaRPr lang="en-US" sz="2000" b="1" dirty="0" smtClean="0">
-              <a:latin typeface="Arial Narrow" pitchFamily="34" charset="0"/>
-            </a:endParaRPr>
           </a:p>
           <a:p>
             <a:endParaRPr lang="en-US" sz="3200" dirty="0">
@@ -4998,7 +4996,7 @@
           <p:cNvPr id="6" name="Inhaltsplatzhalter 2">
             <a:extLst>
               <a:ext uri="{FF2B5EF4-FFF2-40B4-BE49-F238E27FC236}">
-                <a16:creationId xmlns="" xmlns:a16="http://schemas.microsoft.com/office/drawing/2014/main" id="{0C8E27EB-6D5D-FD5C-62B8-EF46AD9E1128}"/>
+                <a16:creationId xmlns:a16="http://schemas.microsoft.com/office/drawing/2014/main" xmlns="" id="{0C8E27EB-6D5D-FD5C-62B8-EF46AD9E1128}"/>
               </a:ext>
             </a:extLst>
           </p:cNvPr>
@@ -5212,6 +5210,197 @@
 </file>
 
 <file path=ppt/slides/slide15.xml><?xml version="1.0" encoding="utf-8"?>
+<p:sld xmlns:a="http://schemas.openxmlformats.org/drawingml/2006/main" xmlns:r="http://schemas.openxmlformats.org/officeDocument/2006/relationships" xmlns:p="http://schemas.openxmlformats.org/presentationml/2006/main">
+  <p:cSld>
+    <p:spTree>
+      <p:nvGrpSpPr>
+        <p:cNvPr id="1" name=""/>
+        <p:cNvGrpSpPr/>
+        <p:nvPr/>
+      </p:nvGrpSpPr>
+      <p:grpSpPr>
+        <a:xfrm>
+          <a:off x="0" y="0"/>
+          <a:ext cx="0" cy="0"/>
+          <a:chOff x="0" y="0"/>
+          <a:chExt cx="0" cy="0"/>
+        </a:xfrm>
+      </p:grpSpPr>
+      <p:sp>
+        <p:nvSpPr>
+          <p:cNvPr id="2" name="Title 1"/>
+          <p:cNvSpPr>
+            <a:spLocks noGrp="1"/>
+          </p:cNvSpPr>
+          <p:nvPr>
+            <p:ph type="title"/>
+          </p:nvPr>
+        </p:nvSpPr>
+        <p:spPr/>
+        <p:txBody>
+          <a:bodyPr/>
+          <a:lstStyle/>
+          <a:p>
+            <a:r>
+              <a:rPr lang="de-DE" b="1" dirty="0" smtClean="0">
+                <a:solidFill>
+                  <a:srgbClr val="FFFF00"/>
+                </a:solidFill>
+              </a:rPr>
+              <a:t>Tetraplex as a future superapp</a:t>
+            </a:r>
+            <a:endParaRPr lang="en-US" dirty="0"/>
+          </a:p>
+        </p:txBody>
+      </p:sp>
+      <p:sp>
+        <p:nvSpPr>
+          <p:cNvPr id="3" name="Content Placeholder 2"/>
+          <p:cNvSpPr>
+            <a:spLocks noGrp="1"/>
+          </p:cNvSpPr>
+          <p:nvPr>
+            <p:ph sz="quarter" idx="1"/>
+          </p:nvPr>
+        </p:nvSpPr>
+        <p:spPr/>
+        <p:txBody>
+          <a:bodyPr>
+            <a:normAutofit lnSpcReduction="10000"/>
+          </a:bodyPr>
+          <a:lstStyle/>
+          <a:p>
+            <a:pPr lvl="0">
+              <a:buNone/>
+              <a:defRPr/>
+            </a:pPr>
+            <a:r>
+              <a:rPr lang="en-US" sz="3200" dirty="0" smtClean="0">
+                <a:latin typeface="Trebuchet MS" pitchFamily="34" charset="0"/>
+              </a:rPr>
+              <a:t> </a:t>
+            </a:r>
+            <a:r>
+              <a:rPr lang="en-US" sz="3200" dirty="0" smtClean="0">
+                <a:latin typeface="Trebuchet MS" pitchFamily="34" charset="0"/>
+              </a:rPr>
+              <a:t>The West has a lot to catch up with to Chinese </a:t>
+            </a:r>
+            <a:r>
+              <a:rPr lang="en-US" sz="3200" dirty="0" err="1" smtClean="0">
+                <a:latin typeface="Trebuchet MS" pitchFamily="34" charset="0"/>
+              </a:rPr>
+              <a:t>superapps</a:t>
+            </a:r>
+            <a:endParaRPr lang="en-US" sz="3200" dirty="0" smtClean="0">
+              <a:solidFill>
+                <a:srgbClr val="00B050"/>
+              </a:solidFill>
+              <a:latin typeface="Trebuchet MS" pitchFamily="34" charset="0"/>
+            </a:endParaRPr>
+          </a:p>
+          <a:p>
+            <a:pPr lvl="0">
+              <a:buNone/>
+              <a:defRPr/>
+            </a:pPr>
+            <a:r>
+              <a:rPr lang="en-US" sz="3200" dirty="0" smtClean="0">
+                <a:latin typeface="Trebuchet MS" pitchFamily="34" charset="0"/>
+              </a:rPr>
+              <a:t> </a:t>
+            </a:r>
+          </a:p>
+          <a:p>
+            <a:pPr lvl="0">
+              <a:buNone/>
+              <a:defRPr/>
+            </a:pPr>
+            <a:r>
+              <a:rPr lang="en-US" sz="3200" dirty="0" smtClean="0">
+                <a:latin typeface="Trebuchet MS" pitchFamily="34" charset="0"/>
+              </a:rPr>
+              <a:t> </a:t>
+            </a:r>
+            <a:r>
+              <a:rPr lang="en-US" sz="3200" dirty="0" smtClean="0">
+                <a:latin typeface="Trebuchet MS" pitchFamily="34" charset="0"/>
+              </a:rPr>
+              <a:t>Why Tetraplex as a </a:t>
+            </a:r>
+            <a:r>
+              <a:rPr lang="en-US" sz="3200" dirty="0" err="1" smtClean="0">
+                <a:latin typeface="Trebuchet MS" pitchFamily="34" charset="0"/>
+              </a:rPr>
+              <a:t>superapp</a:t>
+            </a:r>
+            <a:r>
+              <a:rPr lang="en-US" sz="3200" dirty="0" smtClean="0">
+                <a:latin typeface="Trebuchet MS" pitchFamily="34" charset="0"/>
+              </a:rPr>
+              <a:t> and not X or a Chinese app?</a:t>
+            </a:r>
+          </a:p>
+          <a:p>
+            <a:pPr lvl="0">
+              <a:buNone/>
+              <a:defRPr/>
+            </a:pPr>
+            <a:endParaRPr lang="en-US" sz="3200" dirty="0" smtClean="0">
+              <a:latin typeface="Trebuchet MS" pitchFamily="34" charset="0"/>
+            </a:endParaRPr>
+          </a:p>
+          <a:p>
+            <a:pPr lvl="0">
+              <a:buNone/>
+              <a:defRPr/>
+            </a:pPr>
+            <a:r>
+              <a:rPr lang="en-US" sz="3200" dirty="0" smtClean="0">
+                <a:latin typeface="Trebuchet MS" pitchFamily="34" charset="0"/>
+              </a:rPr>
+              <a:t> </a:t>
+            </a:r>
+            <a:r>
+              <a:rPr lang="en-US" sz="3200" dirty="0" smtClean="0">
+                <a:latin typeface="Trebuchet MS" pitchFamily="34" charset="0"/>
+              </a:rPr>
+              <a:t>  Because we aim to respect your privacy and not collect too much your data since we will be EU based!</a:t>
+            </a:r>
+          </a:p>
+          <a:p>
+            <a:pPr lvl="0">
+              <a:buNone/>
+              <a:defRPr/>
+            </a:pPr>
+            <a:endParaRPr lang="en-US" sz="3200" dirty="0" smtClean="0">
+              <a:latin typeface="Trebuchet MS" pitchFamily="34" charset="0"/>
+            </a:endParaRPr>
+          </a:p>
+          <a:p>
+            <a:pPr lvl="0">
+              <a:buNone/>
+              <a:defRPr/>
+            </a:pPr>
+            <a:r>
+              <a:rPr lang="en-US" sz="3200" dirty="0" smtClean="0">
+                <a:latin typeface="Trebuchet MS" pitchFamily="34" charset="0"/>
+              </a:rPr>
+              <a:t>   X and Chinese apps have negative press, we don’t…   </a:t>
+            </a:r>
+            <a:endParaRPr lang="en-US" dirty="0"/>
+          </a:p>
+        </p:txBody>
+      </p:sp>
+    </p:spTree>
+  </p:cSld>
+  <p:clrMapOvr>
+    <a:masterClrMapping/>
+  </p:clrMapOvr>
+</p:sld>
+</file>
+
+<file path=ppt/slides/slide16.xml><?xml version="1.0" encoding="utf-8"?>
 <p:sld xmlns:a="http://schemas.openxmlformats.org/drawingml/2006/main" xmlns:r="http://schemas.openxmlformats.org/officeDocument/2006/relationships" xmlns:p="http://schemas.openxmlformats.org/presentationml/2006/main">
   <p:cSld>
     <p:spTree>
@@ -5455,7 +5644,7 @@
           <p:cNvPr id="2" name="Titel 1">
             <a:extLst>
               <a:ext uri="{FF2B5EF4-FFF2-40B4-BE49-F238E27FC236}">
-                <a16:creationId xmlns="" xmlns:a16="http://schemas.microsoft.com/office/drawing/2014/main" id="{C21D459F-BF65-98A3-82FE-E681FB41ADC3}"/>
+                <a16:creationId xmlns:a16="http://schemas.microsoft.com/office/drawing/2014/main" xmlns="" id="{C21D459F-BF65-98A3-82FE-E681FB41ADC3}"/>
               </a:ext>
             </a:extLst>
           </p:cNvPr>
@@ -5494,7 +5683,7 @@
           <p:cNvPr id="3" name="Inhaltsplatzhalter 2">
             <a:extLst>
               <a:ext uri="{FF2B5EF4-FFF2-40B4-BE49-F238E27FC236}">
-                <a16:creationId xmlns="" xmlns:a16="http://schemas.microsoft.com/office/drawing/2014/main" id="{75E8FA1C-5EA9-21B0-E50C-8ECC1B166C3E}"/>
+                <a16:creationId xmlns:a16="http://schemas.microsoft.com/office/drawing/2014/main" xmlns="" id="{75E8FA1C-5EA9-21B0-E50C-8ECC1B166C3E}"/>
               </a:ext>
             </a:extLst>
           </p:cNvPr>
@@ -5647,7 +5836,7 @@
     </p:spTree>
     <p:extLst>
       <p:ext uri="{BB962C8B-B14F-4D97-AF65-F5344CB8AC3E}">
-        <p14:creationId xmlns="" xmlns:p14="http://schemas.microsoft.com/office/powerpoint/2010/main" val="3190174708"/>
+        <p14:creationId xmlns:p14="http://schemas.microsoft.com/office/powerpoint/2010/main" xmlns="" val="3190174708"/>
       </p:ext>
     </p:extLst>
   </p:cSld>
@@ -5686,7 +5875,7 @@
           <p:cNvPr id="2" name="Titel 1">
             <a:extLst>
               <a:ext uri="{FF2B5EF4-FFF2-40B4-BE49-F238E27FC236}">
-                <a16:creationId xmlns="" xmlns:a16="http://schemas.microsoft.com/office/drawing/2014/main" id="{C21D459F-BF65-98A3-82FE-E681FB41ADC3}"/>
+                <a16:creationId xmlns:a16="http://schemas.microsoft.com/office/drawing/2014/main" xmlns="" id="{C21D459F-BF65-98A3-82FE-E681FB41ADC3}"/>
               </a:ext>
             </a:extLst>
           </p:cNvPr>
@@ -5864,7 +6053,7 @@
     </p:spTree>
     <p:extLst>
       <p:ext uri="{BB962C8B-B14F-4D97-AF65-F5344CB8AC3E}">
-        <p14:creationId xmlns="" xmlns:p14="http://schemas.microsoft.com/office/powerpoint/2010/main" val="3230060305"/>
+        <p14:creationId xmlns:p14="http://schemas.microsoft.com/office/powerpoint/2010/main" xmlns="" val="3230060305"/>
       </p:ext>
     </p:extLst>
   </p:cSld>
@@ -6132,7 +6321,7 @@
           <p:cNvPr id="2" name="Titel 1">
             <a:extLst>
               <a:ext uri="{FF2B5EF4-FFF2-40B4-BE49-F238E27FC236}">
-                <a16:creationId xmlns="" xmlns:a16="http://schemas.microsoft.com/office/drawing/2014/main" id="{104ADDBE-2857-21DF-31CF-75966D662895}"/>
+                <a16:creationId xmlns:a16="http://schemas.microsoft.com/office/drawing/2014/main" xmlns="" id="{104ADDBE-2857-21DF-31CF-75966D662895}"/>
               </a:ext>
             </a:extLst>
           </p:cNvPr>
@@ -6347,7 +6536,7 @@
     </p:spTree>
     <p:extLst>
       <p:ext uri="{BB962C8B-B14F-4D97-AF65-F5344CB8AC3E}">
-        <p14:creationId xmlns="" xmlns:p14="http://schemas.microsoft.com/office/powerpoint/2010/main" val="3351770822"/>
+        <p14:creationId xmlns:p14="http://schemas.microsoft.com/office/powerpoint/2010/main" xmlns="" val="3351770822"/>
       </p:ext>
     </p:extLst>
   </p:cSld>
@@ -6386,7 +6575,7 @@
           <p:cNvPr id="2" name="Titel 1">
             <a:extLst>
               <a:ext uri="{FF2B5EF4-FFF2-40B4-BE49-F238E27FC236}">
-                <a16:creationId xmlns="" xmlns:a16="http://schemas.microsoft.com/office/drawing/2014/main" id="{D08A566F-4CA9-F7DF-ECEB-910A88862795}"/>
+                <a16:creationId xmlns:a16="http://schemas.microsoft.com/office/drawing/2014/main" xmlns="" id="{D08A566F-4CA9-F7DF-ECEB-910A88862795}"/>
               </a:ext>
             </a:extLst>
           </p:cNvPr>
@@ -6425,7 +6614,7 @@
           <p:cNvPr id="13" name="Inhaltsplatzhalter 2">
             <a:extLst>
               <a:ext uri="{FF2B5EF4-FFF2-40B4-BE49-F238E27FC236}">
-                <a16:creationId xmlns="" xmlns:a16="http://schemas.microsoft.com/office/drawing/2014/main" id="{FAC69121-968E-B939-3377-5335E9638EE8}"/>
+                <a16:creationId xmlns:a16="http://schemas.microsoft.com/office/drawing/2014/main" xmlns="" id="{FAC69121-968E-B939-3377-5335E9638EE8}"/>
               </a:ext>
             </a:extLst>
           </p:cNvPr>
@@ -6548,7 +6737,7 @@
     </p:spTree>
     <p:extLst>
       <p:ext uri="{BB962C8B-B14F-4D97-AF65-F5344CB8AC3E}">
-        <p14:creationId xmlns="" xmlns:p14="http://schemas.microsoft.com/office/powerpoint/2010/main" val="4139908003"/>
+        <p14:creationId xmlns:p14="http://schemas.microsoft.com/office/powerpoint/2010/main" xmlns="" val="4139908003"/>
       </p:ext>
     </p:extLst>
   </p:cSld>
@@ -6830,7 +7019,7 @@
           <p:cNvPr id="2" name="Titel 1">
             <a:extLst>
               <a:ext uri="{FF2B5EF4-FFF2-40B4-BE49-F238E27FC236}">
-                <a16:creationId xmlns="" xmlns:a16="http://schemas.microsoft.com/office/drawing/2014/main" id="{D08A566F-4CA9-F7DF-ECEB-910A88862795}"/>
+                <a16:creationId xmlns:a16="http://schemas.microsoft.com/office/drawing/2014/main" xmlns="" id="{D08A566F-4CA9-F7DF-ECEB-910A88862795}"/>
               </a:ext>
             </a:extLst>
           </p:cNvPr>
@@ -6869,7 +7058,7 @@
           <p:cNvPr id="3" name="Inhaltsplatzhalter 2">
             <a:extLst>
               <a:ext uri="{FF2B5EF4-FFF2-40B4-BE49-F238E27FC236}">
-                <a16:creationId xmlns="" xmlns:a16="http://schemas.microsoft.com/office/drawing/2014/main" id="{FAC69121-968E-B939-3377-5335E9638EE8}"/>
+                <a16:creationId xmlns:a16="http://schemas.microsoft.com/office/drawing/2014/main" xmlns="" id="{FAC69121-968E-B939-3377-5335E9638EE8}"/>
               </a:ext>
             </a:extLst>
           </p:cNvPr>
@@ -6897,7 +7086,7 @@
           <p:cNvPr id="8" name="Inhaltsplatzhalter 2">
             <a:extLst>
               <a:ext uri="{FF2B5EF4-FFF2-40B4-BE49-F238E27FC236}">
-                <a16:creationId xmlns="" xmlns:a16="http://schemas.microsoft.com/office/drawing/2014/main" id="{FAC69121-968E-B939-3377-5335E9638EE8}"/>
+                <a16:creationId xmlns:a16="http://schemas.microsoft.com/office/drawing/2014/main" xmlns="" id="{FAC69121-968E-B939-3377-5335E9638EE8}"/>
               </a:ext>
             </a:extLst>
           </p:cNvPr>
@@ -7148,7 +7337,7 @@
     </p:spTree>
     <p:extLst>
       <p:ext uri="{BB962C8B-B14F-4D97-AF65-F5344CB8AC3E}">
-        <p14:creationId xmlns="" xmlns:p14="http://schemas.microsoft.com/office/powerpoint/2010/main" val="1747655176"/>
+        <p14:creationId xmlns:p14="http://schemas.microsoft.com/office/powerpoint/2010/main" xmlns="" val="1747655176"/>
       </p:ext>
     </p:extLst>
   </p:cSld>
@@ -7187,7 +7376,7 @@
           <p:cNvPr id="2" name="Titel 1">
             <a:extLst>
               <a:ext uri="{FF2B5EF4-FFF2-40B4-BE49-F238E27FC236}">
-                <a16:creationId xmlns="" xmlns:a16="http://schemas.microsoft.com/office/drawing/2014/main" id="{D08A566F-4CA9-F7DF-ECEB-910A88862795}"/>
+                <a16:creationId xmlns:a16="http://schemas.microsoft.com/office/drawing/2014/main" xmlns="" id="{D08A566F-4CA9-F7DF-ECEB-910A88862795}"/>
               </a:ext>
             </a:extLst>
           </p:cNvPr>
@@ -7226,7 +7415,7 @@
           <p:cNvPr id="3" name="Inhaltsplatzhalter 2">
             <a:extLst>
               <a:ext uri="{FF2B5EF4-FFF2-40B4-BE49-F238E27FC236}">
-                <a16:creationId xmlns="" xmlns:a16="http://schemas.microsoft.com/office/drawing/2014/main" id="{FAC69121-968E-B939-3377-5335E9638EE8}"/>
+                <a16:creationId xmlns:a16="http://schemas.microsoft.com/office/drawing/2014/main" xmlns="" id="{FAC69121-968E-B939-3377-5335E9638EE8}"/>
               </a:ext>
             </a:extLst>
           </p:cNvPr>
@@ -7254,7 +7443,7 @@
           <p:cNvPr id="8" name="Inhaltsplatzhalter 2">
             <a:extLst>
               <a:ext uri="{FF2B5EF4-FFF2-40B4-BE49-F238E27FC236}">
-                <a16:creationId xmlns="" xmlns:a16="http://schemas.microsoft.com/office/drawing/2014/main" id="{FAC69121-968E-B939-3377-5335E9638EE8}"/>
+                <a16:creationId xmlns:a16="http://schemas.microsoft.com/office/drawing/2014/main" xmlns="" id="{FAC69121-968E-B939-3377-5335E9638EE8}"/>
               </a:ext>
             </a:extLst>
           </p:cNvPr>
@@ -7682,7 +7871,7 @@
     </p:spTree>
     <p:extLst>
       <p:ext uri="{BB962C8B-B14F-4D97-AF65-F5344CB8AC3E}">
-        <p14:creationId xmlns="" xmlns:p14="http://schemas.microsoft.com/office/powerpoint/2010/main" val="1747655176"/>
+        <p14:creationId xmlns:p14="http://schemas.microsoft.com/office/powerpoint/2010/main" xmlns="" val="1747655176"/>
       </p:ext>
     </p:extLst>
   </p:cSld>

--- a/Documentation/TetraPlex deck 0.54 - dark mode.pptx
+++ b/Documentation/TetraPlex deck 0.54 - dark mode.pptx
@@ -20,7 +20,9 @@
     <p:sldId id="272" r:id="rId14"/>
     <p:sldId id="274" r:id="rId15"/>
     <p:sldId id="276" r:id="rId16"/>
-    <p:sldId id="270" r:id="rId17"/>
+    <p:sldId id="277" r:id="rId17"/>
+    <p:sldId id="278" r:id="rId18"/>
+    <p:sldId id="270" r:id="rId19"/>
   </p:sldIdLst>
   <p:sldSz cx="12192000" cy="6858000"/>
   <p:notesSz cx="6858000" cy="9144000"/>
@@ -5051,7 +5053,7 @@
                 </a:solidFill>
                 <a:latin typeface="Trebuchet MS" pitchFamily="34" charset="0"/>
               </a:rPr>
-              <a:t>230 billion USD </a:t>
+              <a:t>88 billion USD </a:t>
             </a:r>
             <a:r>
               <a:rPr lang="en-US" sz="4800" dirty="0" smtClean="0">
@@ -5278,13 +5280,7 @@
               <a:rPr lang="en-US" sz="3200" dirty="0" smtClean="0">
                 <a:latin typeface="Trebuchet MS" pitchFamily="34" charset="0"/>
               </a:rPr>
-              <a:t> </a:t>
-            </a:r>
-            <a:r>
-              <a:rPr lang="en-US" sz="3200" dirty="0" smtClean="0">
-                <a:latin typeface="Trebuchet MS" pitchFamily="34" charset="0"/>
-              </a:rPr>
-              <a:t>The West has a lot to catch up with to Chinese </a:t>
+              <a:t> The West has a lot to catch up with to Chinese </a:t>
             </a:r>
             <a:r>
               <a:rPr lang="en-US" sz="3200" dirty="0" err="1" smtClean="0">
@@ -5320,13 +5316,7 @@
               <a:rPr lang="en-US" sz="3200" dirty="0" smtClean="0">
                 <a:latin typeface="Trebuchet MS" pitchFamily="34" charset="0"/>
               </a:rPr>
-              <a:t> </a:t>
-            </a:r>
-            <a:r>
-              <a:rPr lang="en-US" sz="3200" dirty="0" smtClean="0">
-                <a:latin typeface="Trebuchet MS" pitchFamily="34" charset="0"/>
-              </a:rPr>
-              <a:t>Why Tetraplex as a </a:t>
+              <a:t> Why Tetraplex as a </a:t>
             </a:r>
             <a:r>
               <a:rPr lang="en-US" sz="3200" dirty="0" err="1" smtClean="0">
@@ -5359,13 +5349,7 @@
               <a:rPr lang="en-US" sz="3200" dirty="0" smtClean="0">
                 <a:latin typeface="Trebuchet MS" pitchFamily="34" charset="0"/>
               </a:rPr>
-              <a:t> </a:t>
-            </a:r>
-            <a:r>
-              <a:rPr lang="en-US" sz="3200" dirty="0" smtClean="0">
-                <a:latin typeface="Trebuchet MS" pitchFamily="34" charset="0"/>
-              </a:rPr>
-              <a:t>  Because we aim to respect your privacy and not collect too much your data since we will be EU based!</a:t>
+              <a:t>   Because we aim to respect your privacy and not collect too much your data since we will be EU based!</a:t>
             </a:r>
           </a:p>
           <a:p>
@@ -5401,6 +5385,324 @@
 </file>
 
 <file path=ppt/slides/slide16.xml><?xml version="1.0" encoding="utf-8"?>
+<p:sld xmlns:a="http://schemas.openxmlformats.org/drawingml/2006/main" xmlns:r="http://schemas.openxmlformats.org/officeDocument/2006/relationships" xmlns:p="http://schemas.openxmlformats.org/presentationml/2006/main">
+  <p:cSld>
+    <p:spTree>
+      <p:nvGrpSpPr>
+        <p:cNvPr id="1" name=""/>
+        <p:cNvGrpSpPr/>
+        <p:nvPr/>
+      </p:nvGrpSpPr>
+      <p:grpSpPr>
+        <a:xfrm>
+          <a:off x="0" y="0"/>
+          <a:ext cx="0" cy="0"/>
+          <a:chOff x="0" y="0"/>
+          <a:chExt cx="0" cy="0"/>
+        </a:xfrm>
+      </p:grpSpPr>
+      <p:sp>
+        <p:nvSpPr>
+          <p:cNvPr id="2" name="Title 1"/>
+          <p:cNvSpPr>
+            <a:spLocks noGrp="1"/>
+          </p:cNvSpPr>
+          <p:nvPr>
+            <p:ph type="title"/>
+          </p:nvPr>
+        </p:nvSpPr>
+        <p:spPr/>
+        <p:txBody>
+          <a:bodyPr/>
+          <a:lstStyle/>
+          <a:p>
+            <a:r>
+              <a:rPr lang="de-DE" b="1" dirty="0" smtClean="0">
+                <a:solidFill>
+                  <a:srgbClr val="FFFF00"/>
+                </a:solidFill>
+              </a:rPr>
+              <a:t>Total Global SuperApp Market Size</a:t>
+            </a:r>
+            <a:endParaRPr lang="en-US" dirty="0"/>
+          </a:p>
+        </p:txBody>
+      </p:sp>
+      <p:pic>
+        <p:nvPicPr>
+          <p:cNvPr id="4" name="Content Placeholder 3" descr="superapp.png"/>
+          <p:cNvPicPr>
+            <a:picLocks noGrp="1" noChangeAspect="1"/>
+          </p:cNvPicPr>
+          <p:nvPr>
+            <p:ph sz="quarter" idx="1"/>
+          </p:nvPr>
+        </p:nvPicPr>
+        <p:blipFill>
+          <a:blip r:embed="rId2" cstate="print"/>
+          <a:stretch>
+            <a:fillRect/>
+          </a:stretch>
+        </p:blipFill>
+        <p:spPr>
+          <a:xfrm>
+            <a:off x="450240" y="1843926"/>
+            <a:ext cx="11406480" cy="4678794"/>
+          </a:xfrm>
+        </p:spPr>
+      </p:pic>
+      <p:sp>
+        <p:nvSpPr>
+          <p:cNvPr id="5" name="TextBox 4"/>
+          <p:cNvSpPr txBox="1"/>
+          <p:nvPr/>
+        </p:nvSpPr>
+        <p:spPr>
+          <a:xfrm>
+            <a:off x="777241" y="3108961"/>
+            <a:ext cx="11064239" cy="769441"/>
+          </a:xfrm>
+          <a:prstGeom prst="rect">
+            <a:avLst/>
+          </a:prstGeom>
+          <a:solidFill>
+            <a:schemeClr val="accent1"/>
+          </a:solidFill>
+        </p:spPr>
+        <p:txBody>
+          <a:bodyPr wrap="square" rtlCol="0">
+            <a:spAutoFit/>
+          </a:bodyPr>
+          <a:lstStyle/>
+          <a:p>
+            <a:r>
+              <a:rPr lang="en-US" sz="4400" dirty="0" smtClean="0">
+                <a:latin typeface="Arial Black" pitchFamily="34" charset="0"/>
+              </a:rPr>
+              <a:t>887.30 Billion USD (Est.  2033)</a:t>
+            </a:r>
+            <a:endParaRPr lang="en-US" sz="4400" dirty="0">
+              <a:latin typeface="Arial Black" pitchFamily="34" charset="0"/>
+            </a:endParaRPr>
+          </a:p>
+        </p:txBody>
+      </p:sp>
+    </p:spTree>
+  </p:cSld>
+  <p:clrMapOvr>
+    <a:masterClrMapping/>
+  </p:clrMapOvr>
+</p:sld>
+</file>
+
+<file path=ppt/slides/slide17.xml><?xml version="1.0" encoding="utf-8"?>
+<p:sld xmlns:a="http://schemas.openxmlformats.org/drawingml/2006/main" xmlns:r="http://schemas.openxmlformats.org/officeDocument/2006/relationships" xmlns:p="http://schemas.openxmlformats.org/presentationml/2006/main">
+  <p:cSld>
+    <p:spTree>
+      <p:nvGrpSpPr>
+        <p:cNvPr id="1" name=""/>
+        <p:cNvGrpSpPr/>
+        <p:nvPr/>
+      </p:nvGrpSpPr>
+      <p:grpSpPr>
+        <a:xfrm>
+          <a:off x="0" y="0"/>
+          <a:ext cx="0" cy="0"/>
+          <a:chOff x="0" y="0"/>
+          <a:chExt cx="0" cy="0"/>
+        </a:xfrm>
+      </p:grpSpPr>
+      <p:sp>
+        <p:nvSpPr>
+          <p:cNvPr id="2" name="Title 1"/>
+          <p:cNvSpPr>
+            <a:spLocks noGrp="1"/>
+          </p:cNvSpPr>
+          <p:nvPr>
+            <p:ph type="title"/>
+          </p:nvPr>
+        </p:nvSpPr>
+        <p:spPr/>
+        <p:txBody>
+          <a:bodyPr>
+            <a:normAutofit fontScale="90000"/>
+          </a:bodyPr>
+          <a:lstStyle/>
+          <a:p>
+            <a:r>
+              <a:rPr lang="de-DE" b="1" dirty="0" smtClean="0">
+                <a:solidFill>
+                  <a:srgbClr val="FFFF00"/>
+                </a:solidFill>
+              </a:rPr>
+              <a:t>Can Tetraplex be a unicorn as a SuperApp ? </a:t>
+            </a:r>
+            <a:endParaRPr lang="en-US" dirty="0"/>
+          </a:p>
+        </p:txBody>
+      </p:sp>
+      <p:sp>
+        <p:nvSpPr>
+          <p:cNvPr id="6" name="Inhaltsplatzhalter 2">
+            <a:extLst>
+              <a:ext uri="{FF2B5EF4-FFF2-40B4-BE49-F238E27FC236}">
+                <a16:creationId xmlns:a16="http://schemas.microsoft.com/office/drawing/2014/main" xmlns="" id="{0C8E27EB-6D5D-FD5C-62B8-EF46AD9E1128}"/>
+              </a:ext>
+            </a:extLst>
+          </p:cNvPr>
+          <p:cNvSpPr>
+            <a:spLocks noGrp="1"/>
+          </p:cNvSpPr>
+          <p:nvPr>
+            <p:ph sz="quarter" idx="1"/>
+          </p:nvPr>
+        </p:nvSpPr>
+        <p:spPr>
+          <a:xfrm>
+            <a:off x="877824" y="1950720"/>
+            <a:ext cx="10871200" cy="4495800"/>
+          </a:xfrm>
+        </p:spPr>
+        <p:txBody>
+          <a:bodyPr>
+            <a:normAutofit fontScale="92500"/>
+          </a:bodyPr>
+          <a:lstStyle/>
+          <a:p>
+            <a:pPr lvl="0">
+              <a:buNone/>
+              <a:defRPr/>
+            </a:pPr>
+            <a:r>
+              <a:rPr lang="en-US" sz="4800" dirty="0" smtClean="0">
+                <a:latin typeface="Trebuchet MS" pitchFamily="34" charset="0"/>
+              </a:rPr>
+              <a:t>  Capture even less than </a:t>
+            </a:r>
+            <a:r>
+              <a:rPr lang="en-US" sz="4800" dirty="0" smtClean="0">
+                <a:solidFill>
+                  <a:srgbClr val="00B050"/>
+                </a:solidFill>
+                <a:latin typeface="Trebuchet MS" pitchFamily="34" charset="0"/>
+              </a:rPr>
+              <a:t>0.002%</a:t>
+            </a:r>
+            <a:r>
+              <a:rPr lang="en-US" sz="4800" dirty="0" smtClean="0">
+                <a:latin typeface="Trebuchet MS" pitchFamily="34" charset="0"/>
+              </a:rPr>
+              <a:t> of </a:t>
+            </a:r>
+            <a:r>
+              <a:rPr lang="en-US" sz="4800" dirty="0" smtClean="0">
+                <a:solidFill>
+                  <a:srgbClr val="00B050"/>
+                </a:solidFill>
+                <a:latin typeface="Trebuchet MS" pitchFamily="34" charset="0"/>
+              </a:rPr>
+              <a:t>887.3 billion USD </a:t>
+            </a:r>
+            <a:r>
+              <a:rPr lang="en-US" sz="4800" dirty="0" smtClean="0">
+                <a:latin typeface="Trebuchet MS" pitchFamily="34" charset="0"/>
+              </a:rPr>
+              <a:t>t by 2033 </a:t>
+            </a:r>
+            <a:r>
+              <a:rPr lang="en-US" sz="4800" dirty="0" smtClean="0">
+                <a:latin typeface="Trebuchet MS" pitchFamily="34" charset="0"/>
+              </a:rPr>
+              <a:t>that’s </a:t>
+            </a:r>
+            <a:r>
+              <a:rPr lang="en-US" sz="4800" dirty="0" smtClean="0">
+                <a:solidFill>
+                  <a:srgbClr val="00B050"/>
+                </a:solidFill>
+                <a:latin typeface="Trebuchet MS" pitchFamily="34" charset="0"/>
+              </a:rPr>
+              <a:t>1.77 billion USD </a:t>
+            </a:r>
+            <a:r>
+              <a:rPr lang="en-US" sz="4800" dirty="0" smtClean="0">
+                <a:latin typeface="Trebuchet MS" pitchFamily="34" charset="0"/>
+              </a:rPr>
+              <a:t>(Estimated market 2033)</a:t>
+            </a:r>
+          </a:p>
+          <a:p>
+            <a:pPr lvl="0">
+              <a:buNone/>
+              <a:defRPr/>
+            </a:pPr>
+            <a:endParaRPr lang="en-US" sz="4800" dirty="0" smtClean="0">
+              <a:latin typeface="Trebuchet MS" pitchFamily="34" charset="0"/>
+            </a:endParaRPr>
+          </a:p>
+          <a:p>
+            <a:pPr lvl="0">
+              <a:buNone/>
+              <a:defRPr/>
+            </a:pPr>
+            <a:r>
+              <a:rPr lang="en-US" sz="4800" dirty="0" smtClean="0">
+                <a:latin typeface="Trebuchet MS" pitchFamily="34" charset="0"/>
+              </a:rPr>
+              <a:t>  The Tetraplex credits will be used for everything eventually.</a:t>
+            </a:r>
+          </a:p>
+          <a:p>
+            <a:pPr lvl="0">
+              <a:buNone/>
+              <a:defRPr/>
+            </a:pPr>
+            <a:endParaRPr lang="en-US" sz="4800" dirty="0" smtClean="0">
+              <a:latin typeface="Trebuchet MS" pitchFamily="34" charset="0"/>
+            </a:endParaRPr>
+          </a:p>
+          <a:p>
+            <a:pPr lvl="0">
+              <a:buNone/>
+              <a:defRPr/>
+            </a:pPr>
+            <a:endParaRPr lang="en-US" sz="4800" dirty="0" smtClean="0">
+              <a:latin typeface="Trebuchet MS" pitchFamily="34" charset="0"/>
+            </a:endParaRPr>
+          </a:p>
+          <a:p>
+            <a:pPr lvl="0">
+              <a:buNone/>
+              <a:defRPr/>
+            </a:pPr>
+            <a:endParaRPr lang="en-US" dirty="0" smtClean="0">
+              <a:latin typeface="Trebuchet MS" pitchFamily="34" charset="0"/>
+            </a:endParaRPr>
+          </a:p>
+          <a:p>
+            <a:pPr>
+              <a:buNone/>
+            </a:pPr>
+            <a:endParaRPr lang="de-DE" dirty="0"/>
+          </a:p>
+        </p:txBody>
+      </p:sp>
+    </p:spTree>
+  </p:cSld>
+  <p:clrMapOvr>
+    <a:masterClrMapping/>
+  </p:clrMapOvr>
+  <p:timing>
+    <p:tnLst>
+      <p:par>
+        <p:cTn id="1" dur="indefinite" restart="never" nodeType="tmRoot"/>
+      </p:par>
+    </p:tnLst>
+  </p:timing>
+</p:sld>
+</file>
+
+<file path=ppt/slides/slide18.xml><?xml version="1.0" encoding="utf-8"?>
 <p:sld xmlns:a="http://schemas.openxmlformats.org/drawingml/2006/main" xmlns:r="http://schemas.openxmlformats.org/officeDocument/2006/relationships" xmlns:p="http://schemas.openxmlformats.org/presentationml/2006/main">
   <p:cSld>
     <p:spTree>

--- a/Documentation/TetraPlex deck 0.54 - dark mode.pptx
+++ b/Documentation/TetraPlex deck 0.54 - dark mode.pptx
@@ -5607,28 +5607,40 @@
               <a:rPr lang="en-US" sz="4800" dirty="0" smtClean="0">
                 <a:latin typeface="Trebuchet MS" pitchFamily="34" charset="0"/>
               </a:rPr>
-              <a:t>t by 2033 </a:t>
+              <a:t> by 2033 that’s </a:t>
             </a:r>
             <a:r>
               <a:rPr lang="en-US" sz="4800" dirty="0" smtClean="0">
-                <a:latin typeface="Trebuchet MS" pitchFamily="34" charset="0"/>
-              </a:rPr>
-              <a:t>that’s </a:t>
+                <a:solidFill>
+                  <a:srgbClr val="00B050"/>
+                </a:solidFill>
+                <a:latin typeface="Trebuchet MS" pitchFamily="34" charset="0"/>
+              </a:rPr>
+              <a:t>1.77 billion USD </a:t>
             </a:r>
             <a:r>
               <a:rPr lang="en-US" sz="4800" dirty="0" smtClean="0">
-                <a:solidFill>
-                  <a:srgbClr val="00B050"/>
-                </a:solidFill>
-                <a:latin typeface="Trebuchet MS" pitchFamily="34" charset="0"/>
-              </a:rPr>
-              <a:t>1.77 billion USD </a:t>
+                <a:latin typeface="Trebuchet MS" pitchFamily="34" charset="0"/>
+              </a:rPr>
+              <a:t>(</a:t>
+            </a:r>
+            <a:r>
+              <a:rPr lang="en-US" sz="4800" smtClean="0">
+                <a:latin typeface="Trebuchet MS" pitchFamily="34" charset="0"/>
+              </a:rPr>
+              <a:t>Estimated </a:t>
+            </a:r>
+            <a:r>
+              <a:rPr lang="en-US" sz="4800" smtClean="0">
+                <a:latin typeface="Trebuchet MS" pitchFamily="34" charset="0"/>
+              </a:rPr>
+              <a:t>market by </a:t>
             </a:r>
             <a:r>
               <a:rPr lang="en-US" sz="4800" dirty="0" smtClean="0">
                 <a:latin typeface="Trebuchet MS" pitchFamily="34" charset="0"/>
               </a:rPr>
-              <a:t>(Estimated market 2033)</a:t>
+              <a:t>2033)</a:t>
             </a:r>
           </a:p>
           <a:p>

--- a/Documentation/TetraPlex deck 0.54 - dark mode.pptx
+++ b/Documentation/TetraPlex deck 0.54 - dark mode.pptx
@@ -123,7 +123,18 @@
   </p:defaultTextStyle>
   <p:extLst>
     <p:ext uri="{EFAFB233-063F-42B5-8137-9DF3F51BA10A}">
-      <p15:sldGuideLst xmlns:p15="http://schemas.microsoft.com/office/powerpoint/2012/main" xmlns=""/>
+      <p15:sldGuideLst xmlns:p15="http://schemas.microsoft.com/office/powerpoint/2012/main">
+        <p15:guide id="1" orient="horz" pos="2160">
+          <p15:clr>
+            <a:srgbClr val="A4A3A4"/>
+          </p15:clr>
+        </p15:guide>
+        <p15:guide id="2" pos="3840">
+          <p15:clr>
+            <a:srgbClr val="A4A3A4"/>
+          </p15:clr>
+        </p15:guide>
+      </p15:sldGuideLst>
     </p:ext>
   </p:extLst>
 </p:presentation>
@@ -135,231 +146,6 @@
     <p1510:client id="{95A7D584-A847-45FF-BBC9-DFCDC76120C5}" v="604" dt="2023-07-05T07:29:05.686"/>
   </p1510:revLst>
 </p1510:revInfo>
-</file>
-
-<file path=ppt/changesInfos/changesInfo1.xml><?xml version="1.0" encoding="utf-8"?>
-<pc:chgInfo xmlns:a="http://schemas.openxmlformats.org/drawingml/2006/main" xmlns:r="http://schemas.openxmlformats.org/officeDocument/2006/relationships" xmlns:ac="http://schemas.microsoft.com/office/drawing/2013/main/command" xmlns:pc="http://schemas.microsoft.com/office/powerpoint/2013/main/command">
-  <pc:docChgLst>
-    <pc:chgData name="Anselm Kiefner" userId="cd16e2af4d01608f" providerId="LiveId" clId="{95A7D584-A847-45FF-BBC9-DFCDC76120C5}"/>
-    <pc:docChg chg="custSel addSld delSld modSld">
-      <pc:chgData name="Anselm Kiefner" userId="cd16e2af4d01608f" providerId="LiveId" clId="{95A7D584-A847-45FF-BBC9-DFCDC76120C5}" dt="2023-07-05T07:29:05.686" v="614" actId="20577"/>
-      <pc:docMkLst>
-        <pc:docMk/>
-      </pc:docMkLst>
-      <pc:sldChg chg="modSp mod modClrScheme chgLayout">
-        <pc:chgData name="Anselm Kiefner" userId="cd16e2af4d01608f" providerId="LiveId" clId="{95A7D584-A847-45FF-BBC9-DFCDC76120C5}" dt="2023-07-05T07:11:30.887" v="19" actId="20577"/>
-        <pc:sldMkLst>
-          <pc:docMk/>
-          <pc:sldMk cId="77256135" sldId="256"/>
-        </pc:sldMkLst>
-        <pc:spChg chg="mod ord">
-          <ac:chgData name="Anselm Kiefner" userId="cd16e2af4d01608f" providerId="LiveId" clId="{95A7D584-A847-45FF-BBC9-DFCDC76120C5}" dt="2023-07-05T07:07:17.134" v="3" actId="700"/>
-          <ac:spMkLst>
-            <pc:docMk/>
-            <pc:sldMk cId="77256135" sldId="256"/>
-            <ac:spMk id="2" creationId="{6E2D7EFE-DAEF-D559-E079-BE2885CACD7B}"/>
-          </ac:spMkLst>
-        </pc:spChg>
-        <pc:spChg chg="mod ord">
-          <ac:chgData name="Anselm Kiefner" userId="cd16e2af4d01608f" providerId="LiveId" clId="{95A7D584-A847-45FF-BBC9-DFCDC76120C5}" dt="2023-07-05T07:11:30.887" v="19" actId="20577"/>
-          <ac:spMkLst>
-            <pc:docMk/>
-            <pc:sldMk cId="77256135" sldId="256"/>
-            <ac:spMk id="3" creationId="{66EAC223-604A-E53F-EADB-5FCF3F050425}"/>
-          </ac:spMkLst>
-        </pc:spChg>
-      </pc:sldChg>
-      <pc:sldChg chg="modSp new mod">
-        <pc:chgData name="Anselm Kiefner" userId="cd16e2af4d01608f" providerId="LiveId" clId="{95A7D584-A847-45FF-BBC9-DFCDC76120C5}" dt="2023-07-05T07:15:01.378" v="241" actId="20577"/>
-        <pc:sldMkLst>
-          <pc:docMk/>
-          <pc:sldMk cId="3190174708" sldId="257"/>
-        </pc:sldMkLst>
-        <pc:spChg chg="mod">
-          <ac:chgData name="Anselm Kiefner" userId="cd16e2af4d01608f" providerId="LiveId" clId="{95A7D584-A847-45FF-BBC9-DFCDC76120C5}" dt="2023-07-05T07:15:01.378" v="241" actId="20577"/>
-          <ac:spMkLst>
-            <pc:docMk/>
-            <pc:sldMk cId="3190174708" sldId="257"/>
-            <ac:spMk id="2" creationId="{C21D459F-BF65-98A3-82FE-E681FB41ADC3}"/>
-          </ac:spMkLst>
-        </pc:spChg>
-      </pc:sldChg>
-      <pc:sldChg chg="new del">
-        <pc:chgData name="Anselm Kiefner" userId="cd16e2af4d01608f" providerId="LiveId" clId="{95A7D584-A847-45FF-BBC9-DFCDC76120C5}" dt="2023-07-05T07:06:51.630" v="1" actId="2696"/>
-        <pc:sldMkLst>
-          <pc:docMk/>
-          <pc:sldMk cId="3335296952" sldId="257"/>
-        </pc:sldMkLst>
-      </pc:sldChg>
-      <pc:sldChg chg="new del">
-        <pc:chgData name="Anselm Kiefner" userId="cd16e2af4d01608f" providerId="LiveId" clId="{95A7D584-A847-45FF-BBC9-DFCDC76120C5}" dt="2023-07-05T07:13:58.796" v="107" actId="2696"/>
-        <pc:sldMkLst>
-          <pc:docMk/>
-          <pc:sldMk cId="2283764196" sldId="258"/>
-        </pc:sldMkLst>
-      </pc:sldChg>
-      <pc:sldChg chg="modSp add mod">
-        <pc:chgData name="Anselm Kiefner" userId="cd16e2af4d01608f" providerId="LiveId" clId="{95A7D584-A847-45FF-BBC9-DFCDC76120C5}" dt="2023-07-05T07:14:49.068" v="208" actId="20577"/>
-        <pc:sldMkLst>
-          <pc:docMk/>
-          <pc:sldMk cId="3230060305" sldId="258"/>
-        </pc:sldMkLst>
-        <pc:spChg chg="mod">
-          <ac:chgData name="Anselm Kiefner" userId="cd16e2af4d01608f" providerId="LiveId" clId="{95A7D584-A847-45FF-BBC9-DFCDC76120C5}" dt="2023-07-05T07:14:49.068" v="208" actId="20577"/>
-          <ac:spMkLst>
-            <pc:docMk/>
-            <pc:sldMk cId="3230060305" sldId="258"/>
-            <ac:spMk id="2" creationId="{C21D459F-BF65-98A3-82FE-E681FB41ADC3}"/>
-          </ac:spMkLst>
-        </pc:spChg>
-      </pc:sldChg>
-      <pc:sldChg chg="modSp new mod">
-        <pc:chgData name="Anselm Kiefner" userId="cd16e2af4d01608f" providerId="LiveId" clId="{95A7D584-A847-45FF-BBC9-DFCDC76120C5}" dt="2023-07-05T07:15:15.979" v="289" actId="20577"/>
-        <pc:sldMkLst>
-          <pc:docMk/>
-          <pc:sldMk cId="4139908003" sldId="259"/>
-        </pc:sldMkLst>
-        <pc:spChg chg="mod">
-          <ac:chgData name="Anselm Kiefner" userId="cd16e2af4d01608f" providerId="LiveId" clId="{95A7D584-A847-45FF-BBC9-DFCDC76120C5}" dt="2023-07-05T07:15:15.979" v="289" actId="20577"/>
-          <ac:spMkLst>
-            <pc:docMk/>
-            <pc:sldMk cId="4139908003" sldId="259"/>
-            <ac:spMk id="2" creationId="{D08A566F-4CA9-F7DF-ECEB-910A88862795}"/>
-          </ac:spMkLst>
-        </pc:spChg>
-      </pc:sldChg>
-      <pc:sldChg chg="modSp add mod">
-        <pc:chgData name="Anselm Kiefner" userId="cd16e2af4d01608f" providerId="LiveId" clId="{95A7D584-A847-45FF-BBC9-DFCDC76120C5}" dt="2023-07-05T07:15:41.287" v="358" actId="20577"/>
-        <pc:sldMkLst>
-          <pc:docMk/>
-          <pc:sldMk cId="1747655176" sldId="260"/>
-        </pc:sldMkLst>
-        <pc:spChg chg="mod">
-          <ac:chgData name="Anselm Kiefner" userId="cd16e2af4d01608f" providerId="LiveId" clId="{95A7D584-A847-45FF-BBC9-DFCDC76120C5}" dt="2023-07-05T07:15:41.287" v="358" actId="20577"/>
-          <ac:spMkLst>
-            <pc:docMk/>
-            <pc:sldMk cId="1747655176" sldId="260"/>
-            <ac:spMk id="2" creationId="{D08A566F-4CA9-F7DF-ECEB-910A88862795}"/>
-          </ac:spMkLst>
-        </pc:spChg>
-      </pc:sldChg>
-      <pc:sldChg chg="modSp new mod">
-        <pc:chgData name="Anselm Kiefner" userId="cd16e2af4d01608f" providerId="LiveId" clId="{95A7D584-A847-45FF-BBC9-DFCDC76120C5}" dt="2023-07-05T07:15:57.760" v="371" actId="20577"/>
-        <pc:sldMkLst>
-          <pc:docMk/>
-          <pc:sldMk cId="3351770822" sldId="261"/>
-        </pc:sldMkLst>
-        <pc:spChg chg="mod">
-          <ac:chgData name="Anselm Kiefner" userId="cd16e2af4d01608f" providerId="LiveId" clId="{95A7D584-A847-45FF-BBC9-DFCDC76120C5}" dt="2023-07-05T07:15:57.760" v="371" actId="20577"/>
-          <ac:spMkLst>
-            <pc:docMk/>
-            <pc:sldMk cId="3351770822" sldId="261"/>
-            <ac:spMk id="2" creationId="{104ADDBE-2857-21DF-31CF-75966D662895}"/>
-          </ac:spMkLst>
-        </pc:spChg>
-      </pc:sldChg>
-      <pc:sldChg chg="modSp new mod">
-        <pc:chgData name="Anselm Kiefner" userId="cd16e2af4d01608f" providerId="LiveId" clId="{95A7D584-A847-45FF-BBC9-DFCDC76120C5}" dt="2023-07-05T07:16:31.329" v="451" actId="20577"/>
-        <pc:sldMkLst>
-          <pc:docMk/>
-          <pc:sldMk cId="1993791140" sldId="262"/>
-        </pc:sldMkLst>
-        <pc:spChg chg="mod">
-          <ac:chgData name="Anselm Kiefner" userId="cd16e2af4d01608f" providerId="LiveId" clId="{95A7D584-A847-45FF-BBC9-DFCDC76120C5}" dt="2023-07-05T07:16:31.329" v="451" actId="20577"/>
-          <ac:spMkLst>
-            <pc:docMk/>
-            <pc:sldMk cId="1993791140" sldId="262"/>
-            <ac:spMk id="2" creationId="{695C214E-0167-110B-5925-9D6A3ABCA8CD}"/>
-          </ac:spMkLst>
-        </pc:spChg>
-      </pc:sldChg>
-      <pc:sldChg chg="modSp new mod">
-        <pc:chgData name="Anselm Kiefner" userId="cd16e2af4d01608f" providerId="LiveId" clId="{95A7D584-A847-45FF-BBC9-DFCDC76120C5}" dt="2023-07-05T07:16:58.431" v="479" actId="20577"/>
-        <pc:sldMkLst>
-          <pc:docMk/>
-          <pc:sldMk cId="3969325209" sldId="263"/>
-        </pc:sldMkLst>
-        <pc:spChg chg="mod">
-          <ac:chgData name="Anselm Kiefner" userId="cd16e2af4d01608f" providerId="LiveId" clId="{95A7D584-A847-45FF-BBC9-DFCDC76120C5}" dt="2023-07-05T07:16:41.028" v="460" actId="20577"/>
-          <ac:spMkLst>
-            <pc:docMk/>
-            <pc:sldMk cId="3969325209" sldId="263"/>
-            <ac:spMk id="2" creationId="{0E0F567F-A26B-3FB3-CCB2-26650C9159FD}"/>
-          </ac:spMkLst>
-        </pc:spChg>
-        <pc:spChg chg="mod">
-          <ac:chgData name="Anselm Kiefner" userId="cd16e2af4d01608f" providerId="LiveId" clId="{95A7D584-A847-45FF-BBC9-DFCDC76120C5}" dt="2023-07-05T07:16:58.431" v="479" actId="20577"/>
-          <ac:spMkLst>
-            <pc:docMk/>
-            <pc:sldMk cId="3969325209" sldId="263"/>
-            <ac:spMk id="3" creationId="{0C8E27EB-6D5D-FD5C-62B8-EF46AD9E1128}"/>
-          </ac:spMkLst>
-        </pc:spChg>
-      </pc:sldChg>
-      <pc:sldChg chg="modSp add mod">
-        <pc:chgData name="Anselm Kiefner" userId="cd16e2af4d01608f" providerId="LiveId" clId="{95A7D584-A847-45FF-BBC9-DFCDC76120C5}" dt="2023-07-05T07:24:22.861" v="498" actId="20577"/>
-        <pc:sldMkLst>
-          <pc:docMk/>
-          <pc:sldMk cId="3625188337" sldId="264"/>
-        </pc:sldMkLst>
-        <pc:spChg chg="mod">
-          <ac:chgData name="Anselm Kiefner" userId="cd16e2af4d01608f" providerId="LiveId" clId="{95A7D584-A847-45FF-BBC9-DFCDC76120C5}" dt="2023-07-05T07:24:20.913" v="497" actId="20577"/>
-          <ac:spMkLst>
-            <pc:docMk/>
-            <pc:sldMk cId="3625188337" sldId="264"/>
-            <ac:spMk id="2" creationId="{0E0F567F-A26B-3FB3-CCB2-26650C9159FD}"/>
-          </ac:spMkLst>
-        </pc:spChg>
-        <pc:spChg chg="mod">
-          <ac:chgData name="Anselm Kiefner" userId="cd16e2af4d01608f" providerId="LiveId" clId="{95A7D584-A847-45FF-BBC9-DFCDC76120C5}" dt="2023-07-05T07:24:22.861" v="498" actId="20577"/>
-          <ac:spMkLst>
-            <pc:docMk/>
-            <pc:sldMk cId="3625188337" sldId="264"/>
-            <ac:spMk id="3" creationId="{0C8E27EB-6D5D-FD5C-62B8-EF46AD9E1128}"/>
-          </ac:spMkLst>
-        </pc:spChg>
-      </pc:sldChg>
-      <pc:sldChg chg="modSp add mod">
-        <pc:chgData name="Anselm Kiefner" userId="cd16e2af4d01608f" providerId="LiveId" clId="{95A7D584-A847-45FF-BBC9-DFCDC76120C5}" dt="2023-07-05T07:24:31.568" v="503" actId="20577"/>
-        <pc:sldMkLst>
-          <pc:docMk/>
-          <pc:sldMk cId="4206806281" sldId="265"/>
-        </pc:sldMkLst>
-        <pc:spChg chg="mod">
-          <ac:chgData name="Anselm Kiefner" userId="cd16e2af4d01608f" providerId="LiveId" clId="{95A7D584-A847-45FF-BBC9-DFCDC76120C5}" dt="2023-07-05T07:24:31.568" v="503" actId="20577"/>
-          <ac:spMkLst>
-            <pc:docMk/>
-            <pc:sldMk cId="4206806281" sldId="265"/>
-            <ac:spMk id="2" creationId="{0E0F567F-A26B-3FB3-CCB2-26650C9159FD}"/>
-          </ac:spMkLst>
-        </pc:spChg>
-      </pc:sldChg>
-      <pc:sldChg chg="modSp new mod">
-        <pc:chgData name="Anselm Kiefner" userId="cd16e2af4d01608f" providerId="LiveId" clId="{95A7D584-A847-45FF-BBC9-DFCDC76120C5}" dt="2023-07-05T07:29:05.686" v="614" actId="20577"/>
-        <pc:sldMkLst>
-          <pc:docMk/>
-          <pc:sldMk cId="2207940989" sldId="266"/>
-        </pc:sldMkLst>
-        <pc:spChg chg="mod">
-          <ac:chgData name="Anselm Kiefner" userId="cd16e2af4d01608f" providerId="LiveId" clId="{95A7D584-A847-45FF-BBC9-DFCDC76120C5}" dt="2023-07-05T07:28:24.141" v="511" actId="20577"/>
-          <ac:spMkLst>
-            <pc:docMk/>
-            <pc:sldMk cId="2207940989" sldId="266"/>
-            <ac:spMk id="2" creationId="{3315A25A-7A24-8FAB-F04C-2548A815568C}"/>
-          </ac:spMkLst>
-        </pc:spChg>
-        <pc:spChg chg="mod">
-          <ac:chgData name="Anselm Kiefner" userId="cd16e2af4d01608f" providerId="LiveId" clId="{95A7D584-A847-45FF-BBC9-DFCDC76120C5}" dt="2023-07-05T07:29:05.686" v="614" actId="20577"/>
-          <ac:spMkLst>
-            <pc:docMk/>
-            <pc:sldMk cId="2207940989" sldId="266"/>
-            <ac:spMk id="3" creationId="{CF7DD0E5-FF83-3DE1-69C6-7805CB4A00D9}"/>
-          </ac:spMkLst>
-        </pc:spChg>
-      </pc:sldChg>
-    </pc:docChg>
-  </pc:docChgLst>
-</pc:chgInfo>
 </file>
 
 <file path=ppt/slideLayouts/slideLayout1.xml><?xml version="1.0" encoding="utf-8"?>
@@ -546,10 +332,9 @@
           </a:lstStyle>
           <a:p>
             <a:r>
-              <a:rPr kumimoji="0" lang="en-US" smtClean="0"/>
+              <a:rPr kumimoji="0" lang="en-US"/>
               <a:t>Click to edit Master title style</a:t>
             </a:r>
-            <a:endParaRPr kumimoji="0" lang="en-US"/>
           </a:p>
         </p:txBody>
       </p:sp>
@@ -609,10 +394,9 @@
           </a:lstStyle>
           <a:p>
             <a:r>
-              <a:rPr kumimoji="0" lang="en-US" smtClean="0"/>
+              <a:rPr kumimoji="0" lang="en-US"/>
               <a:t>Click to edit Master subtitle style</a:t>
             </a:r>
-            <a:endParaRPr kumimoji="0" lang="en-US"/>
           </a:p>
         </p:txBody>
       </p:sp>
@@ -649,7 +433,7 @@
             <a:fld id="{D703D9E9-6871-4375-AC09-0A65C85665EF}" type="datetimeFigureOut">
               <a:rPr lang="de-DE" smtClean="0"/>
               <a:pPr/>
-              <a:t>18.08.2023</a:t>
+              <a:t>20.08.2023</a:t>
             </a:fld>
             <a:endParaRPr lang="de-DE"/>
           </a:p>
@@ -718,7 +502,7 @@
             <a:fld id="{C7333882-20C1-4C48-9C8E-9879F17E166B}" type="slidenum">
               <a:rPr lang="de-DE" smtClean="0"/>
               <a:pPr/>
-              <a:t>‹#›</a:t>
+              <a:t>‹Nr.›</a:t>
             </a:fld>
             <a:endParaRPr lang="de-DE"/>
           </a:p>
@@ -765,10 +549,9 @@
           <a:lstStyle/>
           <a:p>
             <a:r>
-              <a:rPr kumimoji="0" lang="en-US" smtClean="0"/>
+              <a:rPr kumimoji="0" lang="en-US"/>
               <a:t>Click to edit Master title style</a:t>
             </a:r>
-            <a:endParaRPr kumimoji="0" lang="en-US"/>
           </a:p>
         </p:txBody>
       </p:sp>
@@ -789,35 +572,35 @@
           <a:p>
             <a:pPr lvl="0" eaLnBrk="1" latinLnBrk="0" hangingPunct="1"/>
             <a:r>
-              <a:rPr lang="en-US" smtClean="0"/>
+              <a:rPr lang="en-US"/>
               <a:t>Click to edit Master text styles</a:t>
             </a:r>
           </a:p>
           <a:p>
             <a:pPr lvl="1" eaLnBrk="1" latinLnBrk="0" hangingPunct="1"/>
             <a:r>
-              <a:rPr lang="en-US" smtClean="0"/>
+              <a:rPr lang="en-US"/>
               <a:t>Second level</a:t>
             </a:r>
           </a:p>
           <a:p>
             <a:pPr lvl="2" eaLnBrk="1" latinLnBrk="0" hangingPunct="1"/>
             <a:r>
-              <a:rPr lang="en-US" smtClean="0"/>
+              <a:rPr lang="en-US"/>
               <a:t>Third level</a:t>
             </a:r>
           </a:p>
           <a:p>
             <a:pPr lvl="3" eaLnBrk="1" latinLnBrk="0" hangingPunct="1"/>
             <a:r>
-              <a:rPr lang="en-US" smtClean="0"/>
+              <a:rPr lang="en-US"/>
               <a:t>Fourth level</a:t>
             </a:r>
           </a:p>
           <a:p>
             <a:pPr lvl="4" eaLnBrk="1" latinLnBrk="0" hangingPunct="1"/>
             <a:r>
-              <a:rPr lang="en-US" smtClean="0"/>
+              <a:rPr lang="en-US"/>
               <a:t>Fifth level</a:t>
             </a:r>
             <a:endParaRPr kumimoji="0" lang="en-US"/>
@@ -842,7 +625,7 @@
             <a:fld id="{D703D9E9-6871-4375-AC09-0A65C85665EF}" type="datetimeFigureOut">
               <a:rPr lang="de-DE" smtClean="0"/>
               <a:pPr/>
-              <a:t>18.08.2023</a:t>
+              <a:t>20.08.2023</a:t>
             </a:fld>
             <a:endParaRPr lang="de-DE"/>
           </a:p>
@@ -885,7 +668,7 @@
             <a:fld id="{C7333882-20C1-4C48-9C8E-9879F17E166B}" type="slidenum">
               <a:rPr lang="de-DE" smtClean="0"/>
               <a:pPr/>
-              <a:t>‹#›</a:t>
+              <a:t>‹Nr.›</a:t>
             </a:fld>
             <a:endParaRPr lang="de-DE"/>
           </a:p>
@@ -937,10 +720,9 @@
           <a:lstStyle/>
           <a:p>
             <a:r>
-              <a:rPr kumimoji="0" lang="en-US" smtClean="0"/>
+              <a:rPr kumimoji="0" lang="en-US"/>
               <a:t>Click to edit Master title style</a:t>
             </a:r>
-            <a:endParaRPr kumimoji="0" lang="en-US"/>
           </a:p>
         </p:txBody>
       </p:sp>
@@ -966,35 +748,35 @@
           <a:p>
             <a:pPr lvl="0" eaLnBrk="1" latinLnBrk="0" hangingPunct="1"/>
             <a:r>
-              <a:rPr lang="en-US" smtClean="0"/>
+              <a:rPr lang="en-US"/>
               <a:t>Click to edit Master text styles</a:t>
             </a:r>
           </a:p>
           <a:p>
             <a:pPr lvl="1" eaLnBrk="1" latinLnBrk="0" hangingPunct="1"/>
             <a:r>
-              <a:rPr lang="en-US" smtClean="0"/>
+              <a:rPr lang="en-US"/>
               <a:t>Second level</a:t>
             </a:r>
           </a:p>
           <a:p>
             <a:pPr lvl="2" eaLnBrk="1" latinLnBrk="0" hangingPunct="1"/>
             <a:r>
-              <a:rPr lang="en-US" smtClean="0"/>
+              <a:rPr lang="en-US"/>
               <a:t>Third level</a:t>
             </a:r>
           </a:p>
           <a:p>
             <a:pPr lvl="3" eaLnBrk="1" latinLnBrk="0" hangingPunct="1"/>
             <a:r>
-              <a:rPr lang="en-US" smtClean="0"/>
+              <a:rPr lang="en-US"/>
               <a:t>Fourth level</a:t>
             </a:r>
           </a:p>
           <a:p>
             <a:pPr lvl="4" eaLnBrk="1" latinLnBrk="0" hangingPunct="1"/>
             <a:r>
-              <a:rPr lang="en-US" smtClean="0"/>
+              <a:rPr lang="en-US"/>
               <a:t>Fifth level</a:t>
             </a:r>
             <a:endParaRPr kumimoji="0" lang="en-US"/>
@@ -1024,7 +806,7 @@
             <a:fld id="{D703D9E9-6871-4375-AC09-0A65C85665EF}" type="datetimeFigureOut">
               <a:rPr lang="de-DE" smtClean="0"/>
               <a:pPr/>
-              <a:t>18.08.2023</a:t>
+              <a:t>20.08.2023</a:t>
             </a:fld>
             <a:endParaRPr lang="de-DE"/>
           </a:p>
@@ -1212,7 +994,7 @@
             <a:fld id="{C7333882-20C1-4C48-9C8E-9879F17E166B}" type="slidenum">
               <a:rPr lang="de-DE" smtClean="0"/>
               <a:pPr/>
-              <a:t>‹#›</a:t>
+              <a:t>‹Nr.›</a:t>
             </a:fld>
             <a:endParaRPr lang="de-DE"/>
           </a:p>
@@ -1264,10 +1046,9 @@
           <a:lstStyle/>
           <a:p>
             <a:r>
-              <a:rPr kumimoji="0" lang="en-US" smtClean="0"/>
+              <a:rPr kumimoji="0" lang="en-US"/>
               <a:t>Click to edit Master title style</a:t>
             </a:r>
-            <a:endParaRPr kumimoji="0" lang="en-US"/>
           </a:p>
         </p:txBody>
       </p:sp>
@@ -1289,7 +1070,7 @@
             <a:fld id="{D703D9E9-6871-4375-AC09-0A65C85665EF}" type="datetimeFigureOut">
               <a:rPr lang="de-DE" smtClean="0"/>
               <a:pPr/>
-              <a:t>18.08.2023</a:t>
+              <a:t>20.08.2023</a:t>
             </a:fld>
             <a:endParaRPr lang="de-DE"/>
           </a:p>
@@ -1340,7 +1121,7 @@
             <a:fld id="{C7333882-20C1-4C48-9C8E-9879F17E166B}" type="slidenum">
               <a:rPr lang="de-DE" smtClean="0"/>
               <a:pPr/>
-              <a:t>‹#›</a:t>
+              <a:t>‹Nr.›</a:t>
             </a:fld>
             <a:endParaRPr lang="de-DE"/>
           </a:p>
@@ -1368,35 +1149,35 @@
           <a:p>
             <a:pPr lvl="0" eaLnBrk="1" latinLnBrk="0" hangingPunct="1"/>
             <a:r>
-              <a:rPr lang="en-US" smtClean="0"/>
+              <a:rPr lang="en-US"/>
               <a:t>Click to edit Master text styles</a:t>
             </a:r>
           </a:p>
           <a:p>
             <a:pPr lvl="1" eaLnBrk="1" latinLnBrk="0" hangingPunct="1"/>
             <a:r>
-              <a:rPr lang="en-US" smtClean="0"/>
+              <a:rPr lang="en-US"/>
               <a:t>Second level</a:t>
             </a:r>
           </a:p>
           <a:p>
             <a:pPr lvl="2" eaLnBrk="1" latinLnBrk="0" hangingPunct="1"/>
             <a:r>
-              <a:rPr lang="en-US" smtClean="0"/>
+              <a:rPr lang="en-US"/>
               <a:t>Third level</a:t>
             </a:r>
           </a:p>
           <a:p>
             <a:pPr lvl="3" eaLnBrk="1" latinLnBrk="0" hangingPunct="1"/>
             <a:r>
-              <a:rPr lang="en-US" smtClean="0"/>
+              <a:rPr lang="en-US"/>
               <a:t>Fourth level</a:t>
             </a:r>
           </a:p>
           <a:p>
             <a:pPr lvl="4" eaLnBrk="1" latinLnBrk="0" hangingPunct="1"/>
             <a:r>
-              <a:rPr lang="en-US" smtClean="0"/>
+              <a:rPr lang="en-US"/>
               <a:t>Fifth level</a:t>
             </a:r>
             <a:endParaRPr kumimoji="0" lang="en-US"/>
@@ -1499,7 +1280,7 @@
           <a:p>
             <a:pPr lvl="0" eaLnBrk="1" latinLnBrk="0" hangingPunct="1"/>
             <a:r>
-              <a:rPr kumimoji="0" lang="en-US" smtClean="0"/>
+              <a:rPr kumimoji="0" lang="en-US"/>
               <a:t>Click to edit Master text styles</a:t>
             </a:r>
           </a:p>
@@ -1677,10 +1458,9 @@
           </a:lstStyle>
           <a:p>
             <a:r>
-              <a:rPr kumimoji="0" lang="en-US" smtClean="0"/>
+              <a:rPr kumimoji="0" lang="en-US"/>
               <a:t>Click to edit Master title style</a:t>
             </a:r>
-            <a:endParaRPr kumimoji="0" lang="en-US"/>
           </a:p>
         </p:txBody>
       </p:sp>
@@ -1702,7 +1482,7 @@
             <a:fld id="{D703D9E9-6871-4375-AC09-0A65C85665EF}" type="datetimeFigureOut">
               <a:rPr lang="de-DE" smtClean="0"/>
               <a:pPr/>
-              <a:t>18.08.2023</a:t>
+              <a:t>20.08.2023</a:t>
             </a:fld>
             <a:endParaRPr lang="de-DE"/>
           </a:p>
@@ -1741,7 +1521,7 @@
             <a:fld id="{C7333882-20C1-4C48-9C8E-9879F17E166B}" type="slidenum">
               <a:rPr lang="de-DE" smtClean="0"/>
               <a:pPr/>
-              <a:t>‹#›</a:t>
+              <a:t>‹Nr.›</a:t>
             </a:fld>
             <a:endParaRPr lang="de-DE"/>
           </a:p>
@@ -1807,10 +1587,9 @@
           <a:lstStyle/>
           <a:p>
             <a:r>
-              <a:rPr kumimoji="0" lang="en-US" smtClean="0"/>
+              <a:rPr kumimoji="0" lang="en-US"/>
               <a:t>Click to edit Master title style</a:t>
             </a:r>
-            <a:endParaRPr kumimoji="0" lang="en-US"/>
           </a:p>
         </p:txBody>
       </p:sp>
@@ -1836,35 +1615,35 @@
           <a:p>
             <a:pPr lvl="0" eaLnBrk="1" latinLnBrk="0" hangingPunct="1"/>
             <a:r>
-              <a:rPr lang="en-US" smtClean="0"/>
+              <a:rPr lang="en-US"/>
               <a:t>Click to edit Master text styles</a:t>
             </a:r>
           </a:p>
           <a:p>
             <a:pPr lvl="1" eaLnBrk="1" latinLnBrk="0" hangingPunct="1"/>
             <a:r>
-              <a:rPr lang="en-US" smtClean="0"/>
+              <a:rPr lang="en-US"/>
               <a:t>Second level</a:t>
             </a:r>
           </a:p>
           <a:p>
             <a:pPr lvl="2" eaLnBrk="1" latinLnBrk="0" hangingPunct="1"/>
             <a:r>
-              <a:rPr lang="en-US" smtClean="0"/>
+              <a:rPr lang="en-US"/>
               <a:t>Third level</a:t>
             </a:r>
           </a:p>
           <a:p>
             <a:pPr lvl="3" eaLnBrk="1" latinLnBrk="0" hangingPunct="1"/>
             <a:r>
-              <a:rPr lang="en-US" smtClean="0"/>
+              <a:rPr lang="en-US"/>
               <a:t>Fourth level</a:t>
             </a:r>
           </a:p>
           <a:p>
             <a:pPr lvl="4" eaLnBrk="1" latinLnBrk="0" hangingPunct="1"/>
             <a:r>
-              <a:rPr lang="en-US" smtClean="0"/>
+              <a:rPr lang="en-US"/>
               <a:t>Fifth level</a:t>
             </a:r>
             <a:endParaRPr kumimoji="0" lang="en-US"/>
@@ -1893,35 +1672,35 @@
           <a:p>
             <a:pPr lvl="0" eaLnBrk="1" latinLnBrk="0" hangingPunct="1"/>
             <a:r>
-              <a:rPr lang="en-US" smtClean="0"/>
+              <a:rPr lang="en-US"/>
               <a:t>Click to edit Master text styles</a:t>
             </a:r>
           </a:p>
           <a:p>
             <a:pPr lvl="1" eaLnBrk="1" latinLnBrk="0" hangingPunct="1"/>
             <a:r>
-              <a:rPr lang="en-US" smtClean="0"/>
+              <a:rPr lang="en-US"/>
               <a:t>Second level</a:t>
             </a:r>
           </a:p>
           <a:p>
             <a:pPr lvl="2" eaLnBrk="1" latinLnBrk="0" hangingPunct="1"/>
             <a:r>
-              <a:rPr lang="en-US" smtClean="0"/>
+              <a:rPr lang="en-US"/>
               <a:t>Third level</a:t>
             </a:r>
           </a:p>
           <a:p>
             <a:pPr lvl="3" eaLnBrk="1" latinLnBrk="0" hangingPunct="1"/>
             <a:r>
-              <a:rPr lang="en-US" smtClean="0"/>
+              <a:rPr lang="en-US"/>
               <a:t>Fourth level</a:t>
             </a:r>
           </a:p>
           <a:p>
             <a:pPr lvl="4" eaLnBrk="1" latinLnBrk="0" hangingPunct="1"/>
             <a:r>
-              <a:rPr lang="en-US" smtClean="0"/>
+              <a:rPr lang="en-US"/>
               <a:t>Fifth level</a:t>
             </a:r>
             <a:endParaRPr kumimoji="0" lang="en-US"/>
@@ -1946,7 +1725,7 @@
             <a:fld id="{D703D9E9-6871-4375-AC09-0A65C85665EF}" type="datetimeFigureOut">
               <a:rPr lang="de-DE" smtClean="0"/>
               <a:pPr/>
-              <a:t>18.08.2023</a:t>
+              <a:t>20.08.2023</a:t>
             </a:fld>
             <a:endParaRPr lang="de-DE"/>
           </a:p>
@@ -1970,7 +1749,7 @@
             <a:fld id="{C7333882-20C1-4C48-9C8E-9879F17E166B}" type="slidenum">
               <a:rPr lang="de-DE" smtClean="0"/>
               <a:pPr/>
-              <a:t>‹#›</a:t>
+              <a:t>‹Nr.›</a:t>
             </a:fld>
             <a:endParaRPr lang="de-DE"/>
           </a:p>
@@ -2045,10 +1824,9 @@
           </a:lstStyle>
           <a:p>
             <a:r>
-              <a:rPr kumimoji="0" lang="en-US" smtClean="0"/>
+              <a:rPr kumimoji="0" lang="en-US"/>
               <a:t>Click to edit Master title style</a:t>
             </a:r>
-            <a:endParaRPr kumimoji="0" lang="en-US"/>
           </a:p>
         </p:txBody>
       </p:sp>
@@ -2074,35 +1852,35 @@
           <a:p>
             <a:pPr lvl="0" eaLnBrk="1" latinLnBrk="0" hangingPunct="1"/>
             <a:r>
-              <a:rPr lang="en-US" smtClean="0"/>
+              <a:rPr lang="en-US"/>
               <a:t>Click to edit Master text styles</a:t>
             </a:r>
           </a:p>
           <a:p>
             <a:pPr lvl="1" eaLnBrk="1" latinLnBrk="0" hangingPunct="1"/>
             <a:r>
-              <a:rPr lang="en-US" smtClean="0"/>
+              <a:rPr lang="en-US"/>
               <a:t>Second level</a:t>
             </a:r>
           </a:p>
           <a:p>
             <a:pPr lvl="2" eaLnBrk="1" latinLnBrk="0" hangingPunct="1"/>
             <a:r>
-              <a:rPr lang="en-US" smtClean="0"/>
+              <a:rPr lang="en-US"/>
               <a:t>Third level</a:t>
             </a:r>
           </a:p>
           <a:p>
             <a:pPr lvl="3" eaLnBrk="1" latinLnBrk="0" hangingPunct="1"/>
             <a:r>
-              <a:rPr lang="en-US" smtClean="0"/>
+              <a:rPr lang="en-US"/>
               <a:t>Fourth level</a:t>
             </a:r>
           </a:p>
           <a:p>
             <a:pPr lvl="4" eaLnBrk="1" latinLnBrk="0" hangingPunct="1"/>
             <a:r>
-              <a:rPr lang="en-US" smtClean="0"/>
+              <a:rPr lang="en-US"/>
               <a:t>Fifth level</a:t>
             </a:r>
             <a:endParaRPr kumimoji="0" lang="en-US"/>
@@ -2131,35 +1909,35 @@
           <a:p>
             <a:pPr lvl="0" eaLnBrk="1" latinLnBrk="0" hangingPunct="1"/>
             <a:r>
-              <a:rPr lang="en-US" smtClean="0"/>
+              <a:rPr lang="en-US"/>
               <a:t>Click to edit Master text styles</a:t>
             </a:r>
           </a:p>
           <a:p>
             <a:pPr lvl="1" eaLnBrk="1" latinLnBrk="0" hangingPunct="1"/>
             <a:r>
-              <a:rPr lang="en-US" smtClean="0"/>
+              <a:rPr lang="en-US"/>
               <a:t>Second level</a:t>
             </a:r>
           </a:p>
           <a:p>
             <a:pPr lvl="2" eaLnBrk="1" latinLnBrk="0" hangingPunct="1"/>
             <a:r>
-              <a:rPr lang="en-US" smtClean="0"/>
+              <a:rPr lang="en-US"/>
               <a:t>Third level</a:t>
             </a:r>
           </a:p>
           <a:p>
             <a:pPr lvl="3" eaLnBrk="1" latinLnBrk="0" hangingPunct="1"/>
             <a:r>
-              <a:rPr lang="en-US" smtClean="0"/>
+              <a:rPr lang="en-US"/>
               <a:t>Fourth level</a:t>
             </a:r>
           </a:p>
           <a:p>
             <a:pPr lvl="4" eaLnBrk="1" latinLnBrk="0" hangingPunct="1"/>
             <a:r>
-              <a:rPr lang="en-US" smtClean="0"/>
+              <a:rPr lang="en-US"/>
               <a:t>Fifth level</a:t>
             </a:r>
             <a:endParaRPr kumimoji="0" lang="en-US"/>
@@ -2184,7 +1962,7 @@
             <a:fld id="{D703D9E9-6871-4375-AC09-0A65C85665EF}" type="datetimeFigureOut">
               <a:rPr lang="de-DE" smtClean="0"/>
               <a:pPr/>
-              <a:t>18.08.2023</a:t>
+              <a:t>20.08.2023</a:t>
             </a:fld>
             <a:endParaRPr lang="de-DE"/>
           </a:p>
@@ -2208,7 +1986,7 @@
             <a:fld id="{C7333882-20C1-4C48-9C8E-9879F17E166B}" type="slidenum">
               <a:rPr lang="de-DE" smtClean="0"/>
               <a:pPr/>
-              <a:t>‹#›</a:t>
+              <a:t>‹Nr.›</a:t>
             </a:fld>
             <a:endParaRPr lang="de-DE"/>
           </a:p>
@@ -2268,7 +2046,7 @@
           <a:p>
             <a:pPr lvl="0" eaLnBrk="1" latinLnBrk="0" hangingPunct="1"/>
             <a:r>
-              <a:rPr kumimoji="0" lang="en-US" smtClean="0"/>
+              <a:rPr kumimoji="0" lang="en-US"/>
               <a:t>Click to edit Master text styles</a:t>
             </a:r>
           </a:p>
@@ -2309,7 +2087,7 @@
           <a:p>
             <a:pPr lvl="0" eaLnBrk="1" latinLnBrk="0" hangingPunct="1"/>
             <a:r>
-              <a:rPr kumimoji="0" lang="en-US" smtClean="0"/>
+              <a:rPr kumimoji="0" lang="en-US"/>
               <a:t>Click to edit Master text styles</a:t>
             </a:r>
           </a:p>
@@ -2356,10 +2134,9 @@
           <a:lstStyle/>
           <a:p>
             <a:r>
-              <a:rPr kumimoji="0" lang="en-US" smtClean="0"/>
+              <a:rPr kumimoji="0" lang="en-US"/>
               <a:t>Click to edit Master title style</a:t>
             </a:r>
-            <a:endParaRPr kumimoji="0" lang="en-US"/>
           </a:p>
         </p:txBody>
       </p:sp>
@@ -2381,7 +2158,7 @@
             <a:fld id="{D703D9E9-6871-4375-AC09-0A65C85665EF}" type="datetimeFigureOut">
               <a:rPr lang="de-DE" smtClean="0"/>
               <a:pPr/>
-              <a:t>18.08.2023</a:t>
+              <a:t>20.08.2023</a:t>
             </a:fld>
             <a:endParaRPr lang="de-DE"/>
           </a:p>
@@ -2432,7 +2209,7 @@
             <a:fld id="{C7333882-20C1-4C48-9C8E-9879F17E166B}" type="slidenum">
               <a:rPr lang="de-DE" smtClean="0"/>
               <a:pPr/>
-              <a:t>‹#›</a:t>
+              <a:t>‹Nr.›</a:t>
             </a:fld>
             <a:endParaRPr lang="de-DE"/>
           </a:p>
@@ -2481,7 +2258,7 @@
             <a:fld id="{D703D9E9-6871-4375-AC09-0A65C85665EF}" type="datetimeFigureOut">
               <a:rPr lang="de-DE" smtClean="0"/>
               <a:pPr/>
-              <a:t>18.08.2023</a:t>
+              <a:t>20.08.2023</a:t>
             </a:fld>
             <a:endParaRPr lang="de-DE"/>
           </a:p>
@@ -2537,7 +2314,7 @@
             <a:fld id="{C7333882-20C1-4C48-9C8E-9879F17E166B}" type="slidenum">
               <a:rPr lang="de-DE" smtClean="0"/>
               <a:pPr/>
-              <a:t>‹#›</a:t>
+              <a:t>‹Nr.›</a:t>
             </a:fld>
             <a:endParaRPr lang="de-DE"/>
           </a:p>
@@ -2594,10 +2371,9 @@
           </a:lstStyle>
           <a:p>
             <a:r>
-              <a:rPr kumimoji="0" lang="en-US" smtClean="0"/>
+              <a:rPr kumimoji="0" lang="en-US"/>
               <a:t>Click to edit Master title style</a:t>
             </a:r>
-            <a:endParaRPr kumimoji="0" lang="en-US"/>
           </a:p>
         </p:txBody>
       </p:sp>
@@ -2619,7 +2395,7 @@
             <a:fld id="{D703D9E9-6871-4375-AC09-0A65C85665EF}" type="datetimeFigureOut">
               <a:rPr lang="de-DE" smtClean="0"/>
               <a:pPr/>
-              <a:t>18.08.2023</a:t>
+              <a:t>20.08.2023</a:t>
             </a:fld>
             <a:endParaRPr lang="de-DE"/>
           </a:p>
@@ -2670,7 +2446,7 @@
             <a:fld id="{C7333882-20C1-4C48-9C8E-9879F17E166B}" type="slidenum">
               <a:rPr lang="de-DE" smtClean="0"/>
               <a:pPr/>
-              <a:t>‹#›</a:t>
+              <a:t>‹Nr.›</a:t>
             </a:fld>
             <a:endParaRPr lang="de-DE"/>
           </a:p>
@@ -2744,7 +2520,7 @@
           <a:p>
             <a:pPr lvl="0" eaLnBrk="1" latinLnBrk="0" hangingPunct="1"/>
             <a:r>
-              <a:rPr kumimoji="0" lang="en-US" smtClean="0"/>
+              <a:rPr kumimoji="0" lang="en-US"/>
               <a:t>Click to edit Master text styles</a:t>
             </a:r>
           </a:p>
@@ -2772,35 +2548,35 @@
           <a:p>
             <a:pPr lvl="0" eaLnBrk="1" latinLnBrk="0" hangingPunct="1"/>
             <a:r>
-              <a:rPr lang="en-US" smtClean="0"/>
+              <a:rPr lang="en-US"/>
               <a:t>Click to edit Master text styles</a:t>
             </a:r>
           </a:p>
           <a:p>
             <a:pPr lvl="1" eaLnBrk="1" latinLnBrk="0" hangingPunct="1"/>
             <a:r>
-              <a:rPr lang="en-US" smtClean="0"/>
+              <a:rPr lang="en-US"/>
               <a:t>Second level</a:t>
             </a:r>
           </a:p>
           <a:p>
             <a:pPr lvl="2" eaLnBrk="1" latinLnBrk="0" hangingPunct="1"/>
             <a:r>
-              <a:rPr lang="en-US" smtClean="0"/>
+              <a:rPr lang="en-US"/>
               <a:t>Third level</a:t>
             </a:r>
           </a:p>
           <a:p>
             <a:pPr lvl="3" eaLnBrk="1" latinLnBrk="0" hangingPunct="1"/>
             <a:r>
-              <a:rPr lang="en-US" smtClean="0"/>
+              <a:rPr lang="en-US"/>
               <a:t>Fourth level</a:t>
             </a:r>
           </a:p>
           <a:p>
             <a:pPr lvl="4" eaLnBrk="1" latinLnBrk="0" hangingPunct="1"/>
             <a:r>
-              <a:rPr lang="en-US" smtClean="0"/>
+              <a:rPr lang="en-US"/>
               <a:t>Fifth level</a:t>
             </a:r>
             <a:endParaRPr kumimoji="0" lang="en-US"/>
@@ -2880,7 +2656,7 @@
           <a:p>
             <a:pPr lvl="0" eaLnBrk="1" latinLnBrk="0" hangingPunct="1"/>
             <a:r>
-              <a:rPr kumimoji="0" lang="en-US" smtClean="0"/>
+              <a:rPr kumimoji="0" lang="en-US"/>
               <a:t>Click to edit Master text styles</a:t>
             </a:r>
           </a:p>
@@ -3058,10 +2834,9 @@
           </a:lstStyle>
           <a:p>
             <a:r>
-              <a:rPr kumimoji="0" lang="en-US" smtClean="0"/>
+              <a:rPr kumimoji="0" lang="en-US"/>
               <a:t>Click to edit Master title style</a:t>
             </a:r>
-            <a:endParaRPr kumimoji="0" lang="en-US"/>
           </a:p>
         </p:txBody>
       </p:sp>
@@ -3134,7 +2909,7 @@
             <a:fld id="{D703D9E9-6871-4375-AC09-0A65C85665EF}" type="datetimeFigureOut">
               <a:rPr lang="de-DE" smtClean="0"/>
               <a:pPr/>
-              <a:t>18.08.2023</a:t>
+              <a:t>20.08.2023</a:t>
             </a:fld>
             <a:endParaRPr lang="de-DE"/>
           </a:p>
@@ -3167,7 +2942,7 @@
             <a:fld id="{C7333882-20C1-4C48-9C8E-9879F17E166B}" type="slidenum">
               <a:rPr lang="de-DE" smtClean="0"/>
               <a:pPr/>
-              <a:t>‹#›</a:t>
+              <a:t>‹Nr.›</a:t>
             </a:fld>
             <a:endParaRPr lang="de-DE"/>
           </a:p>
@@ -3231,10 +3006,9 @@
           </a:lstStyle>
           <a:p>
             <a:r>
-              <a:rPr kumimoji="0" lang="en-US" dirty="0" smtClean="0"/>
+              <a:rPr kumimoji="0" lang="en-US" dirty="0"/>
               <a:t>Click icon to add picture</a:t>
             </a:r>
-            <a:endParaRPr kumimoji="0" lang="en-US" dirty="0"/>
           </a:p>
         </p:txBody>
       </p:sp>
@@ -3294,10 +3068,9 @@
           <a:lstStyle/>
           <a:p>
             <a:r>
-              <a:rPr kumimoji="0" lang="en-US" smtClean="0"/>
+              <a:rPr kumimoji="0" lang="en-US"/>
               <a:t>Click to edit Master title style</a:t>
             </a:r>
-            <a:endParaRPr kumimoji="0" lang="en-US"/>
           </a:p>
         </p:txBody>
       </p:sp>
@@ -3328,38 +3101,37 @@
           <a:p>
             <a:pPr lvl="0" eaLnBrk="1" latinLnBrk="0" hangingPunct="1"/>
             <a:r>
-              <a:rPr kumimoji="0" lang="en-US" smtClean="0"/>
+              <a:rPr kumimoji="0" lang="en-US"/>
               <a:t>Click to edit Master text styles</a:t>
             </a:r>
           </a:p>
           <a:p>
             <a:pPr lvl="1" eaLnBrk="1" latinLnBrk="0" hangingPunct="1"/>
             <a:r>
-              <a:rPr kumimoji="0" lang="en-US" smtClean="0"/>
+              <a:rPr kumimoji="0" lang="en-US"/>
               <a:t>Second level</a:t>
             </a:r>
           </a:p>
           <a:p>
             <a:pPr lvl="2" eaLnBrk="1" latinLnBrk="0" hangingPunct="1"/>
             <a:r>
-              <a:rPr kumimoji="0" lang="en-US" smtClean="0"/>
+              <a:rPr kumimoji="0" lang="en-US"/>
               <a:t>Third level</a:t>
             </a:r>
           </a:p>
           <a:p>
             <a:pPr lvl="3" eaLnBrk="1" latinLnBrk="0" hangingPunct="1"/>
             <a:r>
-              <a:rPr kumimoji="0" lang="en-US" smtClean="0"/>
+              <a:rPr kumimoji="0" lang="en-US"/>
               <a:t>Fourth level</a:t>
             </a:r>
           </a:p>
           <a:p>
             <a:pPr lvl="4" eaLnBrk="1" latinLnBrk="0" hangingPunct="1"/>
             <a:r>
-              <a:rPr kumimoji="0" lang="en-US" smtClean="0"/>
+              <a:rPr kumimoji="0" lang="en-US"/>
               <a:t>Fifth level</a:t>
             </a:r>
-            <a:endParaRPr kumimoji="0" lang="en-US"/>
           </a:p>
         </p:txBody>
       </p:sp>
@@ -3397,7 +3169,7 @@
             <a:fld id="{D703D9E9-6871-4375-AC09-0A65C85665EF}" type="datetimeFigureOut">
               <a:rPr lang="de-DE" smtClean="0"/>
               <a:pPr/>
-              <a:t>18.08.2023</a:t>
+              <a:t>20.08.2023</a:t>
             </a:fld>
             <a:endParaRPr lang="de-DE"/>
           </a:p>
@@ -3616,7 +3388,7 @@
             <a:fld id="{C7333882-20C1-4C48-9C8E-9879F17E166B}" type="slidenum">
               <a:rPr lang="de-DE" smtClean="0"/>
               <a:pPr/>
-              <a:t>‹#›</a:t>
+              <a:t>‹Nr.›</a:t>
             </a:fld>
             <a:endParaRPr lang="de-DE"/>
           </a:p>
@@ -3942,7 +3714,7 @@
           <p:cNvPr id="3" name="Untertitel 2">
             <a:extLst>
               <a:ext uri="{FF2B5EF4-FFF2-40B4-BE49-F238E27FC236}">
-                <a16:creationId xmlns:a16="http://schemas.microsoft.com/office/drawing/2014/main" xmlns="" id="{66EAC223-604A-E53F-EADB-5FCF3F050425}"/>
+                <a16:creationId xmlns:a16="http://schemas.microsoft.com/office/drawing/2014/main" id="{66EAC223-604A-E53F-EADB-5FCF3F050425}"/>
               </a:ext>
             </a:extLst>
           </p:cNvPr>
@@ -3960,13 +3732,8 @@
           <a:p>
             <a:r>
               <a:rPr lang="de-DE" dirty="0"/>
-              <a:t>Pitch </a:t>
-            </a:r>
-            <a:r>
-              <a:rPr lang="de-DE" dirty="0" smtClean="0"/>
-              <a:t>Deck version .54</a:t>
-            </a:r>
-            <a:endParaRPr lang="de-DE" dirty="0"/>
+              <a:t>Pitch Deck version .54</a:t>
+            </a:r>
           </a:p>
         </p:txBody>
       </p:sp>
@@ -3993,7 +3760,7 @@
           <a:lstStyle/>
           <a:p>
             <a:r>
-              <a:rPr lang="en-US" sz="4000" dirty="0" smtClean="0">
+              <a:rPr lang="en-US" sz="4000" dirty="0">
                 <a:solidFill>
                   <a:srgbClr val="00B050"/>
                 </a:solidFill>
@@ -4002,7 +3769,7 @@
               <a:t>Positive interactions </a:t>
             </a:r>
             <a:r>
-              <a:rPr lang="en-US" sz="4000" dirty="0" smtClean="0">
+              <a:rPr lang="en-US" sz="4000" dirty="0">
                 <a:latin typeface="Trebuchet MS" pitchFamily="34" charset="0"/>
               </a:rPr>
               <a:t>online </a:t>
@@ -4010,13 +3777,13 @@
           </a:p>
           <a:p>
             <a:r>
-              <a:rPr lang="en-US" sz="4000" dirty="0" smtClean="0">
+              <a:rPr lang="en-US" sz="4000" dirty="0">
                 <a:latin typeface="Trebuchet MS" pitchFamily="34" charset="0"/>
               </a:rPr>
               <a:t>enhancing understanding between diverse communities and groups via </a:t>
             </a:r>
             <a:r>
-              <a:rPr lang="en-US" sz="4000" dirty="0" smtClean="0">
+              <a:rPr lang="en-US" sz="4000" dirty="0">
                 <a:solidFill>
                   <a:srgbClr val="00B050"/>
                 </a:solidFill>
@@ -4025,13 +3792,13 @@
               <a:t>civil discussions</a:t>
             </a:r>
             <a:r>
-              <a:rPr lang="en-US" sz="4000" dirty="0" smtClean="0">
+              <a:rPr lang="en-US" sz="4000" dirty="0">
                 <a:latin typeface="Trebuchet MS" pitchFamily="34" charset="0"/>
               </a:rPr>
               <a:t>, </a:t>
             </a:r>
             <a:r>
-              <a:rPr lang="en-US" sz="4000" dirty="0" smtClean="0">
+              <a:rPr lang="en-US" sz="4000" dirty="0">
                 <a:solidFill>
                   <a:srgbClr val="C00000"/>
                 </a:solidFill>
@@ -4040,13 +3807,13 @@
               <a:t>debates</a:t>
             </a:r>
             <a:r>
-              <a:rPr lang="en-US" sz="4000" dirty="0" smtClean="0">
+              <a:rPr lang="en-US" sz="4000" dirty="0">
                 <a:latin typeface="Trebuchet MS" pitchFamily="34" charset="0"/>
               </a:rPr>
               <a:t> and </a:t>
             </a:r>
             <a:r>
-              <a:rPr lang="en-US" sz="4000" dirty="0" smtClean="0">
+              <a:rPr lang="en-US" sz="4000" dirty="0">
                 <a:solidFill>
                   <a:srgbClr val="FFFF00"/>
                 </a:solidFill>
@@ -4055,7 +3822,7 @@
               <a:t>idea exchange</a:t>
             </a:r>
             <a:r>
-              <a:rPr lang="en-US" sz="4000" dirty="0" smtClean="0">
+              <a:rPr lang="en-US" sz="4000" dirty="0">
                 <a:latin typeface="Trebuchet MS" pitchFamily="34" charset="0"/>
               </a:rPr>
               <a:t>.</a:t>
@@ -4122,20 +3889,13 @@
     </p:spTree>
     <p:extLst>
       <p:ext uri="{BB962C8B-B14F-4D97-AF65-F5344CB8AC3E}">
-        <p14:creationId xmlns:p14="http://schemas.microsoft.com/office/powerpoint/2010/main" xmlns="" val="77256135"/>
+        <p14:creationId xmlns:p14="http://schemas.microsoft.com/office/powerpoint/2010/main" val="77256135"/>
       </p:ext>
     </p:extLst>
   </p:cSld>
   <p:clrMapOvr>
     <a:masterClrMapping/>
   </p:clrMapOvr>
-  <p:timing>
-    <p:tnLst>
-      <p:par>
-        <p:cTn id="1" dur="indefinite" restart="never" nodeType="tmRoot"/>
-      </p:par>
-    </p:tnLst>
-  </p:timing>
 </p:sld>
 </file>
 
@@ -4161,7 +3921,7 @@
           <p:cNvPr id="2" name="Titel 1">
             <a:extLst>
               <a:ext uri="{FF2B5EF4-FFF2-40B4-BE49-F238E27FC236}">
-                <a16:creationId xmlns:a16="http://schemas.microsoft.com/office/drawing/2014/main" xmlns="" id="{0E0F567F-A26B-3FB3-CCB2-26650C9159FD}"/>
+                <a16:creationId xmlns:a16="http://schemas.microsoft.com/office/drawing/2014/main" id="{0E0F567F-A26B-3FB3-CCB2-26650C9159FD}"/>
               </a:ext>
             </a:extLst>
           </p:cNvPr>
@@ -4185,18 +3945,13 @@
           <a:lstStyle/>
           <a:p>
             <a:r>
-              <a:rPr lang="de-DE" b="1" dirty="0" smtClean="0">
+              <a:rPr lang="de-DE" b="1" dirty="0">
                 <a:solidFill>
                   <a:srgbClr val="FFFF00"/>
                 </a:solidFill>
               </a:rPr>
               <a:t>Tetraplex Credits: Facilitating interactions</a:t>
             </a:r>
-            <a:endParaRPr lang="de-DE" b="1" dirty="0">
-              <a:solidFill>
-                <a:srgbClr val="FFFF00"/>
-              </a:solidFill>
-            </a:endParaRPr>
           </a:p>
         </p:txBody>
       </p:sp>
@@ -4205,7 +3960,7 @@
           <p:cNvPr id="3" name="Inhaltsplatzhalter 2">
             <a:extLst>
               <a:ext uri="{FF2B5EF4-FFF2-40B4-BE49-F238E27FC236}">
-                <a16:creationId xmlns:a16="http://schemas.microsoft.com/office/drawing/2014/main" xmlns="" id="{0C8E27EB-6D5D-FD5C-62B8-EF46AD9E1128}"/>
+                <a16:creationId xmlns:a16="http://schemas.microsoft.com/office/drawing/2014/main" id="{0C8E27EB-6D5D-FD5C-62B8-EF46AD9E1128}"/>
               </a:ext>
             </a:extLst>
           </p:cNvPr>
@@ -4233,7 +3988,7 @@
               <a:defRPr/>
             </a:pPr>
             <a:r>
-              <a:rPr lang="en-US" sz="4800" dirty="0" smtClean="0">
+              <a:rPr lang="en-US" sz="4800" dirty="0">
                 <a:latin typeface="Trebuchet MS" pitchFamily="34" charset="0"/>
               </a:rPr>
               <a:t>Buy credits from our store with cash</a:t>
@@ -4244,7 +3999,7 @@
               <a:buNone/>
               <a:defRPr/>
             </a:pPr>
-            <a:endParaRPr lang="en-US" sz="4800" dirty="0" smtClean="0">
+            <a:endParaRPr lang="en-US" sz="4800" dirty="0">
               <a:latin typeface="Trebuchet MS" pitchFamily="34" charset="0"/>
             </a:endParaRPr>
           </a:p>
@@ -4254,7 +4009,7 @@
               <a:defRPr/>
             </a:pPr>
             <a:r>
-              <a:rPr lang="en-US" sz="4800" dirty="0" smtClean="0">
+              <a:rPr lang="en-US" sz="4800" dirty="0">
                 <a:latin typeface="Trebuchet MS" pitchFamily="34" charset="0"/>
               </a:rPr>
               <a:t>Set bounties with credits for tasks</a:t>
@@ -4265,7 +4020,7 @@
               <a:buNone/>
               <a:defRPr/>
             </a:pPr>
-            <a:endParaRPr lang="en-US" sz="4800" dirty="0" smtClean="0">
+            <a:endParaRPr lang="en-US" sz="4800" dirty="0">
               <a:latin typeface="Trebuchet MS" pitchFamily="34" charset="0"/>
             </a:endParaRPr>
           </a:p>
@@ -4275,7 +4030,7 @@
               <a:defRPr/>
             </a:pPr>
             <a:r>
-              <a:rPr lang="en-US" sz="4800" dirty="0" smtClean="0">
+              <a:rPr lang="en-US" sz="4800" dirty="0">
                 <a:latin typeface="Trebuchet MS" pitchFamily="34" charset="0"/>
               </a:rPr>
               <a:t>Earn credits as reward for doing tasks for others</a:t>
@@ -4286,7 +4041,7 @@
               <a:buNone/>
               <a:defRPr/>
             </a:pPr>
-            <a:endParaRPr lang="en-US" sz="4800" dirty="0" smtClean="0">
+            <a:endParaRPr lang="en-US" sz="4800" dirty="0">
               <a:latin typeface="Trebuchet MS" pitchFamily="34" charset="0"/>
             </a:endParaRPr>
           </a:p>
@@ -4296,7 +4051,7 @@
               <a:defRPr/>
             </a:pPr>
             <a:r>
-              <a:rPr lang="en-US" sz="4800" dirty="0" smtClean="0">
+              <a:rPr lang="en-US" sz="4800" dirty="0">
                 <a:latin typeface="Trebuchet MS" pitchFamily="34" charset="0"/>
               </a:rPr>
               <a:t>Use credits to direct development </a:t>
@@ -4308,7 +4063,7 @@
               <a:defRPr/>
             </a:pPr>
             <a:r>
-              <a:rPr lang="en-US" sz="4800" dirty="0" smtClean="0">
+              <a:rPr lang="en-US" sz="4800" dirty="0">
                 <a:latin typeface="Trebuchet MS" pitchFamily="34" charset="0"/>
               </a:rPr>
               <a:t>of Tetraplex itself</a:t>
@@ -4319,7 +4074,7 @@
               <a:buNone/>
               <a:defRPr/>
             </a:pPr>
-            <a:endParaRPr lang="en-US" dirty="0" smtClean="0">
+            <a:endParaRPr lang="en-US" dirty="0">
               <a:latin typeface="Trebuchet MS" pitchFamily="34" charset="0"/>
             </a:endParaRPr>
           </a:p>
@@ -4334,20 +4089,13 @@
     </p:spTree>
     <p:extLst>
       <p:ext uri="{BB962C8B-B14F-4D97-AF65-F5344CB8AC3E}">
-        <p14:creationId xmlns:p14="http://schemas.microsoft.com/office/powerpoint/2010/main" xmlns="" val="3625188337"/>
+        <p14:creationId xmlns:p14="http://schemas.microsoft.com/office/powerpoint/2010/main" val="3625188337"/>
       </p:ext>
     </p:extLst>
   </p:cSld>
   <p:clrMapOvr>
     <a:masterClrMapping/>
   </p:clrMapOvr>
-  <p:timing>
-    <p:tnLst>
-      <p:par>
-        <p:cTn id="1" dur="indefinite" restart="never" nodeType="tmRoot"/>
-      </p:par>
-    </p:tnLst>
-  </p:timing>
 </p:sld>
 </file>
 
@@ -4386,7 +4134,7 @@
           <a:lstStyle/>
           <a:p>
             <a:r>
-              <a:rPr lang="de-DE" b="1" dirty="0" smtClean="0">
+              <a:rPr lang="de-DE" b="1" dirty="0">
                 <a:solidFill>
                   <a:srgbClr val="FFFF00"/>
                 </a:solidFill>
@@ -4416,7 +4164,7 @@
               <a:buNone/>
               <a:defRPr/>
             </a:pPr>
-            <a:endParaRPr lang="en-US" sz="3200" dirty="0" smtClean="0">
+            <a:endParaRPr lang="en-US" sz="3200" dirty="0">
               <a:latin typeface="Trebuchet MS" pitchFamily="34" charset="0"/>
             </a:endParaRPr>
           </a:p>
@@ -4426,13 +4174,13 @@
               <a:defRPr/>
             </a:pPr>
             <a:r>
-              <a:rPr lang="en-US" sz="3200" dirty="0" smtClean="0">
+              <a:rPr lang="en-US" sz="3200" dirty="0">
                 <a:latin typeface="Trebuchet MS" pitchFamily="34" charset="0"/>
               </a:rPr>
               <a:t>A synthesis of </a:t>
             </a:r>
             <a:r>
-              <a:rPr lang="en-US" sz="3200" dirty="0" smtClean="0">
+              <a:rPr lang="en-US" sz="3200" dirty="0">
                 <a:solidFill>
                   <a:srgbClr val="00B050"/>
                 </a:solidFill>
@@ -4447,13 +4195,13 @@
               <a:defRPr/>
             </a:pPr>
             <a:r>
-              <a:rPr lang="en-US" sz="3200" dirty="0" smtClean="0">
+              <a:rPr lang="en-US" sz="3200" dirty="0">
                 <a:latin typeface="Trebuchet MS" pitchFamily="34" charset="0"/>
               </a:rPr>
               <a:t>and </a:t>
             </a:r>
             <a:r>
-              <a:rPr lang="en-US" sz="3200" dirty="0" smtClean="0">
+              <a:rPr lang="en-US" sz="3200" dirty="0">
                 <a:solidFill>
                   <a:srgbClr val="C00000"/>
                 </a:solidFill>
@@ -4468,13 +4216,13 @@
               <a:defRPr/>
             </a:pPr>
             <a:r>
-              <a:rPr lang="en-US" sz="3200" dirty="0" smtClean="0">
+              <a:rPr lang="en-US" sz="3200" dirty="0">
                 <a:latin typeface="Trebuchet MS" pitchFamily="34" charset="0"/>
               </a:rPr>
               <a:t>and of </a:t>
             </a:r>
             <a:r>
-              <a:rPr lang="en-US" sz="3200" dirty="0" smtClean="0">
+              <a:rPr lang="en-US" sz="3200" dirty="0">
                 <a:solidFill>
                   <a:srgbClr val="C00000"/>
                 </a:solidFill>
@@ -4483,13 +4231,13 @@
               <a:t>statistical inference</a:t>
             </a:r>
             <a:r>
-              <a:rPr lang="en-US" sz="3200" dirty="0" smtClean="0">
+              <a:rPr lang="en-US" sz="3200" dirty="0">
                 <a:latin typeface="Trebuchet MS" pitchFamily="34" charset="0"/>
               </a:rPr>
               <a:t> and </a:t>
             </a:r>
             <a:r>
-              <a:rPr lang="en-US" sz="3200" dirty="0" smtClean="0">
+              <a:rPr lang="en-US" sz="3200" dirty="0">
                 <a:solidFill>
                   <a:srgbClr val="00B050"/>
                 </a:solidFill>
@@ -4504,7 +4252,7 @@
               <a:defRPr/>
             </a:pPr>
             <a:r>
-              <a:rPr lang="en-US" sz="3200" dirty="0" smtClean="0">
+              <a:rPr lang="en-US" sz="3200" dirty="0">
                 <a:solidFill>
                   <a:srgbClr val="00B050"/>
                 </a:solidFill>
@@ -4518,7 +4266,7 @@
               <a:buNone/>
               <a:defRPr/>
             </a:pPr>
-            <a:endParaRPr lang="en-US" sz="3200" dirty="0" smtClean="0">
+            <a:endParaRPr lang="en-US" sz="3200" dirty="0">
               <a:latin typeface="Trebuchet MS" pitchFamily="34" charset="0"/>
             </a:endParaRPr>
           </a:p>
@@ -4528,7 +4276,7 @@
               <a:defRPr/>
             </a:pPr>
             <a:r>
-              <a:rPr lang="en-US" sz="3200" dirty="0" smtClean="0">
+              <a:rPr lang="en-US" sz="3200" dirty="0">
                 <a:solidFill>
                   <a:srgbClr val="FFFF00"/>
                 </a:solidFill>
@@ -4550,13 +4298,6 @@
   <p:clrMapOvr>
     <a:masterClrMapping/>
   </p:clrMapOvr>
-  <p:timing>
-    <p:tnLst>
-      <p:par>
-        <p:cTn id="1" dur="indefinite" restart="never" nodeType="tmRoot"/>
-      </p:par>
-    </p:tnLst>
-  </p:timing>
 </p:sld>
 </file>
 
@@ -4593,7 +4334,7 @@
           <a:lstStyle/>
           <a:p>
             <a:r>
-              <a:rPr lang="de-DE" b="1" dirty="0" smtClean="0">
+              <a:rPr lang="de-DE" b="1" dirty="0">
                 <a:solidFill>
                   <a:srgbClr val="FFFF00"/>
                 </a:solidFill>
@@ -4659,7 +4400,7 @@
         </p:nvSpPr>
         <p:spPr>
           <a:xfrm>
-            <a:off x="3611880" y="4114801"/>
+            <a:off x="3585464" y="4114801"/>
             <a:ext cx="2667000" cy="2123658"/>
           </a:xfrm>
           <a:prstGeom prst="rect">
@@ -4674,66 +4415,48 @@
           <a:lstStyle/>
           <a:p>
             <a:r>
-              <a:rPr lang="en-US" sz="2000" b="1" dirty="0" smtClean="0">
+              <a:rPr lang="en-US" sz="2000" b="1" dirty="0">
                 <a:solidFill>
                   <a:srgbClr val="FFFF00"/>
                 </a:solidFill>
                 <a:latin typeface="Arial Narrow" pitchFamily="34" charset="0"/>
               </a:rPr>
-              <a:t>Anselm </a:t>
-            </a:r>
-            <a:r>
-              <a:rPr lang="en-US" sz="2000" b="1" dirty="0" err="1" smtClean="0">
+              <a:t>Anselm Kiefner, </a:t>
+            </a:r>
+          </a:p>
+          <a:p>
+            <a:r>
+              <a:rPr lang="en-US" sz="2000" b="1" dirty="0">
                 <a:solidFill>
                   <a:srgbClr val="FFFF00"/>
                 </a:solidFill>
                 <a:latin typeface="Arial Narrow" pitchFamily="34" charset="0"/>
               </a:rPr>
-              <a:t>Kiefner</a:t>
-            </a:r>
-            <a:r>
-              <a:rPr lang="en-US" sz="2000" b="1" dirty="0" smtClean="0">
-                <a:solidFill>
-                  <a:srgbClr val="FFFF00"/>
-                </a:solidFill>
+              <a:t>CEO</a:t>
+            </a:r>
+          </a:p>
+          <a:p>
+            <a:r>
+              <a:rPr lang="en-US" sz="2000" b="1" dirty="0">
                 <a:latin typeface="Arial Narrow" pitchFamily="34" charset="0"/>
               </a:rPr>
-              <a:t> </a:t>
-            </a:r>
-          </a:p>
-          <a:p>
-            <a:r>
-              <a:rPr lang="en-US" sz="2000" b="1" dirty="0" smtClean="0">
-                <a:solidFill>
-                  <a:srgbClr val="FFFF00"/>
-                </a:solidFill>
+              <a:t>Bachelor of Sci</a:t>
+            </a:r>
+          </a:p>
+          <a:p>
+            <a:r>
+              <a:rPr lang="en-US" sz="2000" b="1" dirty="0">
                 <a:latin typeface="Arial Narrow" pitchFamily="34" charset="0"/>
               </a:rPr>
-              <a:t>CEO</a:t>
-            </a:r>
-          </a:p>
-          <a:p>
-            <a:r>
-              <a:rPr lang="en-US" sz="2000" b="1" dirty="0" smtClean="0">
+              <a:t>Open Source Author</a:t>
+            </a:r>
+          </a:p>
+          <a:p>
+            <a:r>
+              <a:rPr lang="en-US" sz="2000" b="1" dirty="0">
                 <a:latin typeface="Arial Narrow" pitchFamily="34" charset="0"/>
               </a:rPr>
-              <a:t>Open Source</a:t>
-            </a:r>
-          </a:p>
-          <a:p>
-            <a:r>
-              <a:rPr lang="en-US" sz="2000" b="1" dirty="0" smtClean="0">
-                <a:latin typeface="Arial Narrow" pitchFamily="34" charset="0"/>
-              </a:rPr>
-              <a:t>Fuzzy Logic Library</a:t>
-            </a:r>
-          </a:p>
-          <a:p>
-            <a:r>
-              <a:rPr lang="en-US" sz="2000" b="1" dirty="0" smtClean="0">
-                <a:latin typeface="Arial Narrow" pitchFamily="34" charset="0"/>
-              </a:rPr>
-              <a:t>Author</a:t>
+              <a:t>15+ years with Python</a:t>
             </a:r>
           </a:p>
           <a:p>
@@ -4766,7 +4489,7 @@
           <a:lstStyle/>
           <a:p>
             <a:r>
-              <a:rPr lang="en-US" sz="2000" b="1" dirty="0" smtClean="0">
+              <a:rPr lang="en-US" sz="2000" b="1" dirty="0">
                 <a:solidFill>
                   <a:srgbClr val="FFFF00"/>
                 </a:solidFill>
@@ -4777,7 +4500,7 @@
           </a:p>
           <a:p>
             <a:r>
-              <a:rPr lang="en-US" sz="2000" b="1" dirty="0" smtClean="0">
+              <a:rPr lang="en-US" sz="2000" b="1" dirty="0">
                 <a:solidFill>
                   <a:srgbClr val="FFFF00"/>
                 </a:solidFill>
@@ -4788,7 +4511,7 @@
           </a:p>
           <a:p>
             <a:r>
-              <a:rPr lang="en-US" sz="2000" b="1" dirty="0" smtClean="0">
+              <a:rPr lang="en-US" sz="2000" b="1" dirty="0">
                 <a:latin typeface="Arial Narrow" pitchFamily="34" charset="0"/>
               </a:rPr>
               <a:t>20+ years in IT</a:t>
@@ -4796,7 +4519,7 @@
           </a:p>
           <a:p>
             <a:r>
-              <a:rPr lang="en-US" sz="2000" b="1" dirty="0" smtClean="0">
+              <a:rPr lang="en-US" sz="2000" b="1" dirty="0">
                 <a:latin typeface="Arial Narrow" pitchFamily="34" charset="0"/>
               </a:rPr>
               <a:t>Done Startups </a:t>
@@ -4804,14 +4527,151 @@
           </a:p>
           <a:p>
             <a:r>
-              <a:rPr lang="en-US" sz="2000" b="1" dirty="0" smtClean="0">
+              <a:rPr lang="en-US" sz="2000" b="1" dirty="0">
                 <a:latin typeface="Arial Narrow" pitchFamily="34" charset="0"/>
               </a:rPr>
               <a:t>Previously</a:t>
             </a:r>
-            <a:endParaRPr lang="en-US" sz="2000" b="1" dirty="0">
+          </a:p>
+        </p:txBody>
+      </p:sp>
+      <p:pic>
+        <p:nvPicPr>
+          <p:cNvPr id="6" name="Grafik 5" descr="Ein Bild, das Person, Menschliches Gesicht, Kleidung, Im Haus enthält.&#10;&#10;Automatisch generierte Beschreibung">
+            <a:extLst>
+              <a:ext uri="{FF2B5EF4-FFF2-40B4-BE49-F238E27FC236}">
+                <a16:creationId xmlns:a16="http://schemas.microsoft.com/office/drawing/2014/main" id="{5E3CCB7C-283E-6158-B2CF-17A9C229788F}"/>
+              </a:ext>
+            </a:extLst>
+          </p:cNvPr>
+          <p:cNvPicPr>
+            <a:picLocks noChangeAspect="1"/>
+          </p:cNvPicPr>
+          <p:nvPr/>
+        </p:nvPicPr>
+        <p:blipFill rotWithShape="1">
+          <a:blip r:embed="rId4">
+            <a:extLst>
+              <a:ext uri="{28A0092B-C50C-407E-A947-70E740481C1C}">
+                <a14:useLocalDpi xmlns:a14="http://schemas.microsoft.com/office/drawing/2010/main" val="0"/>
+              </a:ext>
+            </a:extLst>
+          </a:blip>
+          <a:srcRect l="21909" t="14377" r="21687" b="31967"/>
+          <a:stretch/>
+        </p:blipFill>
+        <p:spPr>
+          <a:xfrm>
+            <a:off x="8742946" y="2110739"/>
+            <a:ext cx="1828799" cy="1872751"/>
+          </a:xfrm>
+          <a:prstGeom prst="rect">
+            <a:avLst/>
+          </a:prstGeom>
+        </p:spPr>
+      </p:pic>
+      <p:sp>
+        <p:nvSpPr>
+          <p:cNvPr id="7" name="Textfeld 6">
+            <a:extLst>
+              <a:ext uri="{FF2B5EF4-FFF2-40B4-BE49-F238E27FC236}">
+                <a16:creationId xmlns:a16="http://schemas.microsoft.com/office/drawing/2014/main" id="{6FB2E4A0-179E-475B-DD41-E08BC9863422}"/>
+              </a:ext>
+            </a:extLst>
+          </p:cNvPr>
+          <p:cNvSpPr txBox="1"/>
+          <p:nvPr/>
+        </p:nvSpPr>
+        <p:spPr>
+          <a:xfrm>
+            <a:off x="8742946" y="4206240"/>
+            <a:ext cx="2845202" cy="1754326"/>
+          </a:xfrm>
+          <a:prstGeom prst="rect">
+            <a:avLst/>
+          </a:prstGeom>
+          <a:noFill/>
+        </p:spPr>
+        <p:txBody>
+          <a:bodyPr wrap="none" rtlCol="0">
+            <a:spAutoFit/>
+          </a:bodyPr>
+          <a:lstStyle/>
+          <a:p>
+            <a:r>
+              <a:rPr lang="en-US" sz="1800" b="1" dirty="0">
+                <a:solidFill>
+                  <a:srgbClr val="FFFF00"/>
+                </a:solidFill>
+                <a:latin typeface="Arial Narrow" pitchFamily="34" charset="0"/>
+              </a:rPr>
+              <a:t>Sarah </a:t>
+            </a:r>
+            <a:r>
+              <a:rPr lang="en-US" sz="1800" b="1" dirty="0" err="1">
+                <a:solidFill>
+                  <a:srgbClr val="FFFF00"/>
+                </a:solidFill>
+                <a:latin typeface="Arial Narrow" pitchFamily="34" charset="0"/>
+              </a:rPr>
+              <a:t>Geiselhart</a:t>
+            </a:r>
+            <a:r>
+              <a:rPr lang="en-US" sz="1800" b="1" dirty="0">
+                <a:solidFill>
+                  <a:srgbClr val="FFFF00"/>
+                </a:solidFill>
+                <a:latin typeface="Arial Narrow" pitchFamily="34" charset="0"/>
+              </a:rPr>
+              <a:t>,</a:t>
+            </a:r>
+          </a:p>
+          <a:p>
+            <a:r>
+              <a:rPr lang="en-US" sz="1800" b="1" dirty="0">
+                <a:solidFill>
+                  <a:srgbClr val="FFFF00"/>
+                </a:solidFill>
+                <a:latin typeface="Arial Narrow" pitchFamily="34" charset="0"/>
+              </a:rPr>
+              <a:t>COO</a:t>
+            </a:r>
+          </a:p>
+          <a:p>
+            <a:r>
+              <a:rPr lang="en-US" sz="1800" b="1" dirty="0">
+                <a:latin typeface="Arial Narrow" pitchFamily="34" charset="0"/>
+              </a:rPr>
+              <a:t>Bachelor of Sci</a:t>
+            </a:r>
+          </a:p>
+          <a:p>
+            <a:r>
+              <a:rPr lang="en-US" b="1" dirty="0">
+                <a:latin typeface="Arial Narrow" pitchFamily="34" charset="0"/>
+              </a:rPr>
+              <a:t>3 years in Industry as QA and</a:t>
+            </a:r>
+          </a:p>
+          <a:p>
+            <a:r>
+              <a:rPr lang="en-US" sz="1800" b="1" dirty="0">
+                <a:latin typeface="Arial Narrow" pitchFamily="34" charset="0"/>
+              </a:rPr>
+              <a:t>executive Assist</a:t>
+            </a:r>
+            <a:r>
+              <a:rPr lang="en-US" b="1" dirty="0">
+                <a:latin typeface="Arial Narrow" pitchFamily="34" charset="0"/>
+              </a:rPr>
+              <a:t>ant</a:t>
+            </a:r>
+            <a:endParaRPr lang="en-US" sz="1800" b="1" dirty="0">
               <a:latin typeface="Arial Narrow" pitchFamily="34" charset="0"/>
             </a:endParaRPr>
+          </a:p>
+          <a:p>
+            <a:endParaRPr lang="de-DE" dirty="0"/>
           </a:p>
         </p:txBody>
       </p:sp>
@@ -4820,13 +4680,6 @@
   <p:clrMapOvr>
     <a:masterClrMapping/>
   </p:clrMapOvr>
-  <p:timing>
-    <p:tnLst>
-      <p:par>
-        <p:cTn id="1" dur="indefinite" restart="never" nodeType="tmRoot"/>
-      </p:par>
-    </p:tnLst>
-  </p:timing>
 </p:sld>
 </file>
 
@@ -4863,7 +4716,7 @@
           <a:lstStyle/>
           <a:p>
             <a:r>
-              <a:rPr lang="de-DE" b="1" dirty="0" smtClean="0">
+              <a:rPr lang="de-DE" b="1" dirty="0">
                 <a:solidFill>
                   <a:srgbClr val="FFFF00"/>
                 </a:solidFill>
@@ -4923,14 +4776,11 @@
           <a:lstStyle/>
           <a:p>
             <a:r>
-              <a:rPr lang="en-US" sz="4400" dirty="0" smtClean="0">
+              <a:rPr lang="en-US" sz="4400" dirty="0">
                 <a:latin typeface="Arial Black" pitchFamily="34" charset="0"/>
               </a:rPr>
               <a:t>231.1Billion USD (2023)</a:t>
             </a:r>
-            <a:endParaRPr lang="en-US" sz="4400" dirty="0">
-              <a:latin typeface="Arial Black" pitchFamily="34" charset="0"/>
-            </a:endParaRPr>
           </a:p>
         </p:txBody>
       </p:sp>
@@ -4939,13 +4789,6 @@
   <p:clrMapOvr>
     <a:masterClrMapping/>
   </p:clrMapOvr>
-  <p:timing>
-    <p:tnLst>
-      <p:par>
-        <p:cTn id="1" dur="indefinite" restart="never" nodeType="tmRoot"/>
-      </p:par>
-    </p:tnLst>
-  </p:timing>
 </p:sld>
 </file>
 
@@ -4982,7 +4825,7 @@
           <a:lstStyle/>
           <a:p>
             <a:r>
-              <a:rPr lang="de-DE" b="1" dirty="0" smtClean="0">
+              <a:rPr lang="de-DE" b="1" dirty="0">
                 <a:solidFill>
                   <a:srgbClr val="FFFF00"/>
                 </a:solidFill>
@@ -4998,7 +4841,7 @@
           <p:cNvPr id="6" name="Inhaltsplatzhalter 2">
             <a:extLst>
               <a:ext uri="{FF2B5EF4-FFF2-40B4-BE49-F238E27FC236}">
-                <a16:creationId xmlns:a16="http://schemas.microsoft.com/office/drawing/2014/main" xmlns="" id="{0C8E27EB-6D5D-FD5C-62B8-EF46AD9E1128}"/>
+                <a16:creationId xmlns:a16="http://schemas.microsoft.com/office/drawing/2014/main" id="{0C8E27EB-6D5D-FD5C-62B8-EF46AD9E1128}"/>
               </a:ext>
             </a:extLst>
           </p:cNvPr>
@@ -5026,13 +4869,13 @@
               <a:defRPr/>
             </a:pPr>
             <a:r>
-              <a:rPr lang="en-US" sz="4800" dirty="0" smtClean="0">
+              <a:rPr lang="en-US" sz="4800" dirty="0">
                 <a:latin typeface="Trebuchet MS" pitchFamily="34" charset="0"/>
               </a:rPr>
               <a:t>  Capture even less than </a:t>
             </a:r>
             <a:r>
-              <a:rPr lang="en-US" sz="4800" dirty="0" smtClean="0">
+              <a:rPr lang="en-US" sz="4800" dirty="0">
                 <a:solidFill>
                   <a:srgbClr val="00B050"/>
                 </a:solidFill>
@@ -5041,13 +4884,13 @@
               <a:t>0.5%</a:t>
             </a:r>
             <a:r>
-              <a:rPr lang="en-US" sz="4800" dirty="0" smtClean="0">
+              <a:rPr lang="en-US" sz="4800" dirty="0">
                 <a:latin typeface="Trebuchet MS" pitchFamily="34" charset="0"/>
               </a:rPr>
               <a:t> of </a:t>
             </a:r>
             <a:r>
-              <a:rPr lang="en-US" sz="4800" dirty="0" smtClean="0">
+              <a:rPr lang="en-US" sz="4800" dirty="0">
                 <a:solidFill>
                   <a:srgbClr val="00B050"/>
                 </a:solidFill>
@@ -5056,13 +4899,13 @@
               <a:t>88 billion USD </a:t>
             </a:r>
             <a:r>
-              <a:rPr lang="en-US" sz="4800" dirty="0" smtClean="0">
+              <a:rPr lang="en-US" sz="4800" dirty="0">
                 <a:latin typeface="Trebuchet MS" pitchFamily="34" charset="0"/>
               </a:rPr>
               <a:t>that’s </a:t>
             </a:r>
             <a:r>
-              <a:rPr lang="en-US" sz="4800" dirty="0" smtClean="0">
+              <a:rPr lang="en-US" sz="4800" dirty="0">
                 <a:solidFill>
                   <a:srgbClr val="00B050"/>
                 </a:solidFill>
@@ -5077,7 +4920,7 @@
               <a:defRPr/>
             </a:pPr>
             <a:r>
-              <a:rPr lang="en-US" sz="4800" dirty="0" smtClean="0">
+              <a:rPr lang="en-US" sz="4800" dirty="0">
                 <a:latin typeface="Trebuchet MS" pitchFamily="34" charset="0"/>
               </a:rPr>
               <a:t> </a:t>
@@ -5089,19 +4932,19 @@
               <a:defRPr/>
             </a:pPr>
             <a:r>
-              <a:rPr lang="en-US" sz="4800" dirty="0" smtClean="0">
+              <a:rPr lang="en-US" sz="4800" dirty="0">
                 <a:latin typeface="Trebuchet MS" pitchFamily="34" charset="0"/>
               </a:rPr>
               <a:t>  </a:t>
             </a:r>
             <a:r>
-              <a:rPr lang="en-US" sz="4800" dirty="0" err="1" smtClean="0">
+              <a:rPr lang="en-US" sz="4800" dirty="0" err="1">
                 <a:latin typeface="Trebuchet MS" pitchFamily="34" charset="0"/>
               </a:rPr>
               <a:t>Facebook</a:t>
             </a:r>
             <a:r>
-              <a:rPr lang="en-US" sz="4800" dirty="0" smtClean="0">
+              <a:rPr lang="en-US" sz="4800" dirty="0">
                 <a:latin typeface="Trebuchet MS" pitchFamily="34" charset="0"/>
               </a:rPr>
               <a:t> wasn’t the first social media page/app there was MySpace its possible to switch</a:t>
@@ -5112,7 +4955,7 @@
               <a:buNone/>
               <a:defRPr/>
             </a:pPr>
-            <a:endParaRPr lang="en-US" sz="4800" dirty="0" smtClean="0">
+            <a:endParaRPr lang="en-US" sz="4800" dirty="0">
               <a:latin typeface="Trebuchet MS" pitchFamily="34" charset="0"/>
             </a:endParaRPr>
           </a:p>
@@ -5122,19 +4965,19 @@
               <a:defRPr/>
             </a:pPr>
             <a:r>
-              <a:rPr lang="en-US" sz="4800" dirty="0" smtClean="0">
+              <a:rPr lang="en-US" sz="4800" dirty="0">
                 <a:latin typeface="Trebuchet MS" pitchFamily="34" charset="0"/>
               </a:rPr>
               <a:t>  Tetraplex is definitely not the first but will be less toxic than </a:t>
             </a:r>
             <a:r>
-              <a:rPr lang="en-US" sz="4800" dirty="0" err="1" smtClean="0">
+              <a:rPr lang="en-US" sz="4800" dirty="0" err="1">
                 <a:latin typeface="Trebuchet MS" pitchFamily="34" charset="0"/>
               </a:rPr>
               <a:t>Facebook</a:t>
             </a:r>
             <a:r>
-              <a:rPr lang="en-US" sz="4800" dirty="0" smtClean="0">
+              <a:rPr lang="en-US" sz="4800" dirty="0">
                 <a:latin typeface="Trebuchet MS" pitchFamily="34" charset="0"/>
               </a:rPr>
               <a:t> or X (former Twitter)</a:t>
@@ -5146,7 +4989,7 @@
               <a:defRPr/>
             </a:pPr>
             <a:r>
-              <a:rPr lang="en-US" sz="4800" dirty="0" smtClean="0">
+              <a:rPr lang="en-US" sz="4800" dirty="0">
                 <a:latin typeface="Trebuchet MS" pitchFamily="34" charset="0"/>
               </a:rPr>
               <a:t>	</a:t>
@@ -5157,7 +5000,7 @@
               <a:buNone/>
               <a:defRPr/>
             </a:pPr>
-            <a:endParaRPr lang="en-US" sz="4800" dirty="0" smtClean="0">
+            <a:endParaRPr lang="en-US" sz="4800" dirty="0">
               <a:latin typeface="Trebuchet MS" pitchFamily="34" charset="0"/>
             </a:endParaRPr>
           </a:p>
@@ -5166,7 +5009,7 @@
               <a:buNone/>
               <a:defRPr/>
             </a:pPr>
-            <a:endParaRPr lang="en-US" sz="4800" dirty="0" smtClean="0">
+            <a:endParaRPr lang="en-US" sz="4800" dirty="0">
               <a:latin typeface="Trebuchet MS" pitchFamily="34" charset="0"/>
             </a:endParaRPr>
           </a:p>
@@ -5175,7 +5018,7 @@
               <a:buNone/>
               <a:defRPr/>
             </a:pPr>
-            <a:endParaRPr lang="en-US" sz="4800" dirty="0" smtClean="0">
+            <a:endParaRPr lang="en-US" sz="4800" dirty="0">
               <a:latin typeface="Trebuchet MS" pitchFamily="34" charset="0"/>
             </a:endParaRPr>
           </a:p>
@@ -5184,7 +5027,7 @@
               <a:buNone/>
               <a:defRPr/>
             </a:pPr>
-            <a:endParaRPr lang="en-US" dirty="0" smtClean="0">
+            <a:endParaRPr lang="en-US" dirty="0">
               <a:latin typeface="Trebuchet MS" pitchFamily="34" charset="0"/>
             </a:endParaRPr>
           </a:p>
@@ -5201,13 +5044,6 @@
   <p:clrMapOvr>
     <a:masterClrMapping/>
   </p:clrMapOvr>
-  <p:timing>
-    <p:tnLst>
-      <p:par>
-        <p:cTn id="1" dur="indefinite" restart="never" nodeType="tmRoot"/>
-      </p:par>
-    </p:tnLst>
-  </p:timing>
 </p:sld>
 </file>
 
@@ -5244,7 +5080,7 @@
           <a:lstStyle/>
           <a:p>
             <a:r>
-              <a:rPr lang="de-DE" b="1" dirty="0" smtClean="0">
+              <a:rPr lang="de-DE" b="1" dirty="0">
                 <a:solidFill>
                   <a:srgbClr val="FFFF00"/>
                 </a:solidFill>
@@ -5277,18 +5113,18 @@
               <a:defRPr/>
             </a:pPr>
             <a:r>
-              <a:rPr lang="en-US" sz="3200" dirty="0" smtClean="0">
+              <a:rPr lang="en-US" sz="3200" dirty="0">
                 <a:latin typeface="Trebuchet MS" pitchFamily="34" charset="0"/>
               </a:rPr>
               <a:t> The West has a lot to catch up with to Chinese </a:t>
             </a:r>
             <a:r>
-              <a:rPr lang="en-US" sz="3200" dirty="0" err="1" smtClean="0">
+              <a:rPr lang="en-US" sz="3200" dirty="0" err="1">
                 <a:latin typeface="Trebuchet MS" pitchFamily="34" charset="0"/>
               </a:rPr>
               <a:t>superapps</a:t>
             </a:r>
-            <a:endParaRPr lang="en-US" sz="3200" dirty="0" smtClean="0">
+            <a:endParaRPr lang="en-US" sz="3200" dirty="0">
               <a:solidFill>
                 <a:srgbClr val="00B050"/>
               </a:solidFill>
@@ -5301,7 +5137,7 @@
               <a:defRPr/>
             </a:pPr>
             <a:r>
-              <a:rPr lang="en-US" sz="3200" dirty="0" smtClean="0">
+              <a:rPr lang="en-US" sz="3200" dirty="0">
                 <a:latin typeface="Trebuchet MS" pitchFamily="34" charset="0"/>
               </a:rPr>
               <a:t> </a:t>
@@ -5313,19 +5149,19 @@
               <a:defRPr/>
             </a:pPr>
             <a:r>
-              <a:rPr lang="en-US" sz="3200" dirty="0" smtClean="0">
+              <a:rPr lang="en-US" sz="3200" dirty="0">
                 <a:latin typeface="Trebuchet MS" pitchFamily="34" charset="0"/>
               </a:rPr>
               <a:t> Why Tetraplex as a </a:t>
             </a:r>
             <a:r>
-              <a:rPr lang="en-US" sz="3200" dirty="0" err="1" smtClean="0">
+              <a:rPr lang="en-US" sz="3200" dirty="0" err="1">
                 <a:latin typeface="Trebuchet MS" pitchFamily="34" charset="0"/>
               </a:rPr>
               <a:t>superapp</a:t>
             </a:r>
             <a:r>
-              <a:rPr lang="en-US" sz="3200" dirty="0" smtClean="0">
+              <a:rPr lang="en-US" sz="3200" dirty="0">
                 <a:latin typeface="Trebuchet MS" pitchFamily="34" charset="0"/>
               </a:rPr>
               <a:t> and not X or a Chinese app?</a:t>
@@ -5336,7 +5172,7 @@
               <a:buNone/>
               <a:defRPr/>
             </a:pPr>
-            <a:endParaRPr lang="en-US" sz="3200" dirty="0" smtClean="0">
+            <a:endParaRPr lang="en-US" sz="3200" dirty="0">
               <a:latin typeface="Trebuchet MS" pitchFamily="34" charset="0"/>
             </a:endParaRPr>
           </a:p>
@@ -5346,7 +5182,7 @@
               <a:defRPr/>
             </a:pPr>
             <a:r>
-              <a:rPr lang="en-US" sz="3200" dirty="0" smtClean="0">
+              <a:rPr lang="en-US" sz="3200" dirty="0">
                 <a:latin typeface="Trebuchet MS" pitchFamily="34" charset="0"/>
               </a:rPr>
               <a:t>   Because we aim to respect your privacy and not collect too much your data since we will be EU based!</a:t>
@@ -5357,7 +5193,7 @@
               <a:buNone/>
               <a:defRPr/>
             </a:pPr>
-            <a:endParaRPr lang="en-US" sz="3200" dirty="0" smtClean="0">
+            <a:endParaRPr lang="en-US" sz="3200" dirty="0">
               <a:latin typeface="Trebuchet MS" pitchFamily="34" charset="0"/>
             </a:endParaRPr>
           </a:p>
@@ -5367,7 +5203,7 @@
               <a:defRPr/>
             </a:pPr>
             <a:r>
-              <a:rPr lang="en-US" sz="3200" dirty="0" smtClean="0">
+              <a:rPr lang="en-US" sz="3200" dirty="0">
                 <a:latin typeface="Trebuchet MS" pitchFamily="34" charset="0"/>
               </a:rPr>
               <a:t>   X and Chinese apps have negative press, we don’t…   </a:t>
@@ -5417,7 +5253,7 @@
           <a:lstStyle/>
           <a:p>
             <a:r>
-              <a:rPr lang="de-DE" b="1" dirty="0" smtClean="0">
+              <a:rPr lang="de-DE" b="1" dirty="0">
                 <a:solidFill>
                   <a:srgbClr val="FFFF00"/>
                 </a:solidFill>
@@ -5476,14 +5312,11 @@
           <a:lstStyle/>
           <a:p>
             <a:r>
-              <a:rPr lang="en-US" sz="4400" dirty="0" smtClean="0">
+              <a:rPr lang="en-US" sz="4400" dirty="0">
                 <a:latin typeface="Arial Black" pitchFamily="34" charset="0"/>
               </a:rPr>
               <a:t>887.30 Billion USD (Est.  2033)</a:t>
             </a:r>
-            <a:endParaRPr lang="en-US" sz="4400" dirty="0">
-              <a:latin typeface="Arial Black" pitchFamily="34" charset="0"/>
-            </a:endParaRPr>
           </a:p>
         </p:txBody>
       </p:sp>
@@ -5530,7 +5363,7 @@
           <a:lstStyle/>
           <a:p>
             <a:r>
-              <a:rPr lang="de-DE" b="1" dirty="0" smtClean="0">
+              <a:rPr lang="de-DE" b="1" dirty="0">
                 <a:solidFill>
                   <a:srgbClr val="FFFF00"/>
                 </a:solidFill>
@@ -5546,7 +5379,7 @@
           <p:cNvPr id="6" name="Inhaltsplatzhalter 2">
             <a:extLst>
               <a:ext uri="{FF2B5EF4-FFF2-40B4-BE49-F238E27FC236}">
-                <a16:creationId xmlns:a16="http://schemas.microsoft.com/office/drawing/2014/main" xmlns="" id="{0C8E27EB-6D5D-FD5C-62B8-EF46AD9E1128}"/>
+                <a16:creationId xmlns:a16="http://schemas.microsoft.com/office/drawing/2014/main" id="{0C8E27EB-6D5D-FD5C-62B8-EF46AD9E1128}"/>
               </a:ext>
             </a:extLst>
           </p:cNvPr>
@@ -5574,13 +5407,13 @@
               <a:defRPr/>
             </a:pPr>
             <a:r>
-              <a:rPr lang="en-US" sz="4800" dirty="0" smtClean="0">
+              <a:rPr lang="en-US" sz="4800" dirty="0">
                 <a:latin typeface="Trebuchet MS" pitchFamily="34" charset="0"/>
               </a:rPr>
               <a:t>  Capture even less than </a:t>
             </a:r>
             <a:r>
-              <a:rPr lang="en-US" sz="4800" dirty="0" smtClean="0">
+              <a:rPr lang="en-US" sz="4800" dirty="0">
                 <a:solidFill>
                   <a:srgbClr val="00B050"/>
                 </a:solidFill>
@@ -5589,13 +5422,13 @@
               <a:t>0.002%</a:t>
             </a:r>
             <a:r>
-              <a:rPr lang="en-US" sz="4800" dirty="0" smtClean="0">
+              <a:rPr lang="en-US" sz="4800" dirty="0">
                 <a:latin typeface="Trebuchet MS" pitchFamily="34" charset="0"/>
               </a:rPr>
               <a:t> of </a:t>
             </a:r>
             <a:r>
-              <a:rPr lang="en-US" sz="4800" dirty="0" smtClean="0">
+              <a:rPr lang="en-US" sz="4800" dirty="0">
                 <a:solidFill>
                   <a:srgbClr val="00B050"/>
                 </a:solidFill>
@@ -5604,13 +5437,13 @@
               <a:t>887.3 billion USD </a:t>
             </a:r>
             <a:r>
-              <a:rPr lang="en-US" sz="4800" dirty="0" smtClean="0">
+              <a:rPr lang="en-US" sz="4800" dirty="0">
                 <a:latin typeface="Trebuchet MS" pitchFamily="34" charset="0"/>
               </a:rPr>
               <a:t> by 2033 that’s </a:t>
             </a:r>
             <a:r>
-              <a:rPr lang="en-US" sz="4800" dirty="0" smtClean="0">
+              <a:rPr lang="en-US" sz="4800" dirty="0">
                 <a:solidFill>
                   <a:srgbClr val="00B050"/>
                 </a:solidFill>
@@ -5619,25 +5452,19 @@
               <a:t>1.77 billion USD </a:t>
             </a:r>
             <a:r>
-              <a:rPr lang="en-US" sz="4800" dirty="0" smtClean="0">
+              <a:rPr lang="en-US" sz="4800" dirty="0">
                 <a:latin typeface="Trebuchet MS" pitchFamily="34" charset="0"/>
               </a:rPr>
               <a:t>(</a:t>
             </a:r>
             <a:r>
-              <a:rPr lang="en-US" sz="4800" smtClean="0">
-                <a:latin typeface="Trebuchet MS" pitchFamily="34" charset="0"/>
-              </a:rPr>
-              <a:t>Estimated </a:t>
-            </a:r>
-            <a:r>
-              <a:rPr lang="en-US" sz="4800" smtClean="0">
-                <a:latin typeface="Trebuchet MS" pitchFamily="34" charset="0"/>
-              </a:rPr>
-              <a:t>market by </a:t>
-            </a:r>
-            <a:r>
-              <a:rPr lang="en-US" sz="4800" dirty="0" smtClean="0">
+              <a:rPr lang="en-US" sz="4800">
+                <a:latin typeface="Trebuchet MS" pitchFamily="34" charset="0"/>
+              </a:rPr>
+              <a:t>Estimated market by </a:t>
+            </a:r>
+            <a:r>
+              <a:rPr lang="en-US" sz="4800" dirty="0">
                 <a:latin typeface="Trebuchet MS" pitchFamily="34" charset="0"/>
               </a:rPr>
               <a:t>2033)</a:t>
@@ -5648,7 +5475,7 @@
               <a:buNone/>
               <a:defRPr/>
             </a:pPr>
-            <a:endParaRPr lang="en-US" sz="4800" dirty="0" smtClean="0">
+            <a:endParaRPr lang="en-US" sz="4800" dirty="0">
               <a:latin typeface="Trebuchet MS" pitchFamily="34" charset="0"/>
             </a:endParaRPr>
           </a:p>
@@ -5658,7 +5485,7 @@
               <a:defRPr/>
             </a:pPr>
             <a:r>
-              <a:rPr lang="en-US" sz="4800" dirty="0" smtClean="0">
+              <a:rPr lang="en-US" sz="4800" dirty="0">
                 <a:latin typeface="Trebuchet MS" pitchFamily="34" charset="0"/>
               </a:rPr>
               <a:t>  The Tetraplex credits will be used for everything eventually.</a:t>
@@ -5669,7 +5496,7 @@
               <a:buNone/>
               <a:defRPr/>
             </a:pPr>
-            <a:endParaRPr lang="en-US" sz="4800" dirty="0" smtClean="0">
+            <a:endParaRPr lang="en-US" sz="4800" dirty="0">
               <a:latin typeface="Trebuchet MS" pitchFamily="34" charset="0"/>
             </a:endParaRPr>
           </a:p>
@@ -5678,7 +5505,7 @@
               <a:buNone/>
               <a:defRPr/>
             </a:pPr>
-            <a:endParaRPr lang="en-US" sz="4800" dirty="0" smtClean="0">
+            <a:endParaRPr lang="en-US" sz="4800" dirty="0">
               <a:latin typeface="Trebuchet MS" pitchFamily="34" charset="0"/>
             </a:endParaRPr>
           </a:p>
@@ -5687,7 +5514,7 @@
               <a:buNone/>
               <a:defRPr/>
             </a:pPr>
-            <a:endParaRPr lang="en-US" dirty="0" smtClean="0">
+            <a:endParaRPr lang="en-US" dirty="0">
               <a:latin typeface="Trebuchet MS" pitchFamily="34" charset="0"/>
             </a:endParaRPr>
           </a:p>
@@ -5704,13 +5531,6 @@
   <p:clrMapOvr>
     <a:masterClrMapping/>
   </p:clrMapOvr>
-  <p:timing>
-    <p:tnLst>
-      <p:par>
-        <p:cTn id="1" dur="indefinite" restart="never" nodeType="tmRoot"/>
-      </p:par>
-    </p:tnLst>
-  </p:timing>
 </p:sld>
 </file>
 
@@ -5754,18 +5574,13 @@
           <a:lstStyle/>
           <a:p>
             <a:r>
-              <a:rPr lang="en-US" sz="6600" b="1" dirty="0" smtClean="0">
+              <a:rPr lang="en-US" sz="6600" b="1" dirty="0">
                 <a:solidFill>
                   <a:srgbClr val="FFFF00"/>
                 </a:solidFill>
               </a:rPr>
               <a:t>The Conclusion</a:t>
             </a:r>
-            <a:endParaRPr lang="en-US" sz="6600" b="1" dirty="0">
-              <a:solidFill>
-                <a:srgbClr val="FFFF00"/>
-              </a:solidFill>
-            </a:endParaRPr>
           </a:p>
         </p:txBody>
       </p:sp>
@@ -5793,7 +5608,7 @@
               <a:buNone/>
               <a:defRPr/>
             </a:pPr>
-            <a:endParaRPr lang="en-US" dirty="0" smtClean="0">
+            <a:endParaRPr lang="en-US" dirty="0">
               <a:latin typeface="Trebuchet MS" pitchFamily="34" charset="0"/>
             </a:endParaRPr>
           </a:p>
@@ -5803,13 +5618,13 @@
               <a:defRPr/>
             </a:pPr>
             <a:r>
-              <a:rPr lang="en-US" dirty="0" smtClean="0">
+              <a:rPr lang="en-US" dirty="0">
                 <a:latin typeface="Trebuchet MS" pitchFamily="34" charset="0"/>
               </a:rPr>
               <a:t>Join us in our quest for a </a:t>
             </a:r>
             <a:r>
-              <a:rPr lang="en-US" dirty="0" smtClean="0">
+              <a:rPr lang="en-US" dirty="0">
                 <a:solidFill>
                   <a:srgbClr val="00B050"/>
                 </a:solidFill>
@@ -5823,7 +5638,7 @@
               <a:buNone/>
               <a:defRPr/>
             </a:pPr>
-            <a:endParaRPr lang="en-US" dirty="0" smtClean="0">
+            <a:endParaRPr lang="en-US" dirty="0">
               <a:latin typeface="Trebuchet MS" pitchFamily="34" charset="0"/>
             </a:endParaRPr>
           </a:p>
@@ -5833,13 +5648,13 @@
               <a:defRPr/>
             </a:pPr>
             <a:r>
-              <a:rPr lang="en-US" dirty="0" smtClean="0">
+              <a:rPr lang="en-US" dirty="0">
                 <a:latin typeface="Trebuchet MS" pitchFamily="34" charset="0"/>
               </a:rPr>
               <a:t>Say no to </a:t>
             </a:r>
             <a:r>
-              <a:rPr lang="en-US" dirty="0" smtClean="0">
+              <a:rPr lang="en-US" dirty="0">
                 <a:solidFill>
                   <a:srgbClr val="FF0000"/>
                 </a:solidFill>
@@ -5853,7 +5668,7 @@
               <a:buNone/>
               <a:defRPr/>
             </a:pPr>
-            <a:endParaRPr lang="en-US" dirty="0" smtClean="0">
+            <a:endParaRPr lang="en-US" dirty="0">
               <a:latin typeface="Trebuchet MS" pitchFamily="34" charset="0"/>
             </a:endParaRPr>
           </a:p>
@@ -5863,7 +5678,7 @@
               <a:defRPr/>
             </a:pPr>
             <a:r>
-              <a:rPr lang="en-US" sz="6600" dirty="0" smtClean="0">
+              <a:rPr lang="en-US" sz="6600" dirty="0">
                 <a:solidFill>
                   <a:srgbClr val="FFFF00"/>
                 </a:solidFill>
@@ -5877,7 +5692,7 @@
               <a:buNone/>
               <a:defRPr/>
             </a:pPr>
-            <a:endParaRPr lang="en-US" dirty="0" smtClean="0">
+            <a:endParaRPr lang="en-US" dirty="0">
               <a:latin typeface="Trebuchet MS" pitchFamily="34" charset="0"/>
             </a:endParaRPr>
           </a:p>
@@ -5926,13 +5741,6 @@
   <p:clrMapOvr>
     <a:masterClrMapping/>
   </p:clrMapOvr>
-  <p:timing>
-    <p:tnLst>
-      <p:par>
-        <p:cTn id="1" dur="indefinite" restart="never" nodeType="tmRoot"/>
-      </p:par>
-    </p:tnLst>
-  </p:timing>
 </p:sld>
 </file>
 
@@ -5958,7 +5766,7 @@
           <p:cNvPr id="2" name="Titel 1">
             <a:extLst>
               <a:ext uri="{FF2B5EF4-FFF2-40B4-BE49-F238E27FC236}">
-                <a16:creationId xmlns:a16="http://schemas.microsoft.com/office/drawing/2014/main" xmlns="" id="{C21D459F-BF65-98A3-82FE-E681FB41ADC3}"/>
+                <a16:creationId xmlns:a16="http://schemas.microsoft.com/office/drawing/2014/main" id="{C21D459F-BF65-98A3-82FE-E681FB41ADC3}"/>
               </a:ext>
             </a:extLst>
           </p:cNvPr>
@@ -5977,18 +5785,13 @@
           <a:lstStyle/>
           <a:p>
             <a:r>
-              <a:rPr lang="de-DE" b="1" dirty="0" smtClean="0">
+              <a:rPr lang="de-DE" b="1" dirty="0">
                 <a:solidFill>
                   <a:srgbClr val="FFFF00"/>
                 </a:solidFill>
               </a:rPr>
               <a:t>The Problem: Social Media needs fixing</a:t>
             </a:r>
-            <a:endParaRPr lang="de-DE" b="1" dirty="0">
-              <a:solidFill>
-                <a:srgbClr val="FFFF00"/>
-              </a:solidFill>
-            </a:endParaRPr>
           </a:p>
         </p:txBody>
       </p:sp>
@@ -5997,7 +5800,7 @@
           <p:cNvPr id="3" name="Inhaltsplatzhalter 2">
             <a:extLst>
               <a:ext uri="{FF2B5EF4-FFF2-40B4-BE49-F238E27FC236}">
-                <a16:creationId xmlns:a16="http://schemas.microsoft.com/office/drawing/2014/main" xmlns="" id="{75E8FA1C-5EA9-21B0-E50C-8ECC1B166C3E}"/>
+                <a16:creationId xmlns:a16="http://schemas.microsoft.com/office/drawing/2014/main" id="{75E8FA1C-5EA9-21B0-E50C-8ECC1B166C3E}"/>
               </a:ext>
             </a:extLst>
           </p:cNvPr>
@@ -6024,13 +5827,13 @@
               <a:buNone/>
             </a:pPr>
             <a:r>
-              <a:rPr lang="de-DE" sz="4400" dirty="0" smtClean="0">
+              <a:rPr lang="de-DE" sz="4400" dirty="0">
                 <a:latin typeface="Trebuchet MS" pitchFamily="34" charset="0"/>
               </a:rPr>
               <a:t>Social Media have become </a:t>
             </a:r>
             <a:r>
-              <a:rPr lang="de-DE" sz="4400" dirty="0" smtClean="0">
+              <a:rPr lang="de-DE" sz="4400" dirty="0">
                 <a:solidFill>
                   <a:srgbClr val="FF0000"/>
                 </a:solidFill>
@@ -6039,7 +5842,7 @@
               <a:t>toxic</a:t>
             </a:r>
             <a:r>
-              <a:rPr lang="de-DE" sz="4400" dirty="0" smtClean="0">
+              <a:rPr lang="de-DE" sz="4400" dirty="0">
                 <a:latin typeface="Trebuchet MS" pitchFamily="34" charset="0"/>
               </a:rPr>
               <a:t> </a:t>
@@ -6050,13 +5853,13 @@
               <a:buNone/>
             </a:pPr>
             <a:r>
-              <a:rPr lang="de-DE" sz="4400" dirty="0" smtClean="0">
+              <a:rPr lang="de-DE" sz="4400" dirty="0">
                 <a:latin typeface="Trebuchet MS" pitchFamily="34" charset="0"/>
               </a:rPr>
               <a:t>maybe </a:t>
             </a:r>
             <a:r>
-              <a:rPr lang="de-DE" sz="4400" dirty="0" smtClean="0">
+              <a:rPr lang="de-DE" sz="4400" dirty="0">
                 <a:solidFill>
                   <a:srgbClr val="FF0000"/>
                 </a:solidFill>
@@ -6065,7 +5868,7 @@
               <a:t>anti social</a:t>
             </a:r>
             <a:r>
-              <a:rPr lang="de-DE" sz="4400" dirty="0" smtClean="0">
+              <a:rPr lang="de-DE" sz="4400" dirty="0">
                 <a:latin typeface="Trebuchet MS" pitchFamily="34" charset="0"/>
               </a:rPr>
               <a:t> at times</a:t>
@@ -6075,7 +5878,7 @@
             <a:pPr>
               <a:buNone/>
             </a:pPr>
-            <a:endParaRPr lang="de-DE" sz="4400" dirty="0" smtClean="0">
+            <a:endParaRPr lang="de-DE" sz="4400" dirty="0">
               <a:latin typeface="Trebuchet MS" pitchFamily="34" charset="0"/>
             </a:endParaRPr>
           </a:p>
@@ -6084,13 +5887,13 @@
               <a:buNone/>
             </a:pPr>
             <a:r>
-              <a:rPr lang="de-DE" sz="4400" dirty="0" smtClean="0">
+              <a:rPr lang="de-DE" sz="4400" dirty="0">
                 <a:latin typeface="Trebuchet MS" pitchFamily="34" charset="0"/>
               </a:rPr>
               <a:t>No mainstream platform for </a:t>
             </a:r>
             <a:r>
-              <a:rPr lang="de-DE" sz="4400" dirty="0" smtClean="0">
+              <a:rPr lang="de-DE" sz="4400" dirty="0">
                 <a:solidFill>
                   <a:srgbClr val="00B050"/>
                 </a:solidFill>
@@ -6104,13 +5907,13 @@
               <a:buNone/>
             </a:pPr>
             <a:r>
-              <a:rPr lang="de-DE" sz="4400" dirty="0" smtClean="0">
+              <a:rPr lang="de-DE" sz="4400" dirty="0">
                 <a:latin typeface="Trebuchet MS" pitchFamily="34" charset="0"/>
               </a:rPr>
               <a:t>and </a:t>
             </a:r>
             <a:r>
-              <a:rPr lang="de-DE" sz="4400" dirty="0" smtClean="0">
+              <a:rPr lang="de-DE" sz="4400" dirty="0">
                 <a:solidFill>
                   <a:srgbClr val="FFFF00"/>
                 </a:solidFill>
@@ -6123,47 +5926,40 @@
             <a:pPr>
               <a:buNone/>
             </a:pPr>
-            <a:endParaRPr lang="de-DE" dirty="0" smtClean="0">
-              <a:latin typeface="Trebuchet MS" pitchFamily="34" charset="0"/>
-            </a:endParaRPr>
-          </a:p>
-          <a:p>
-            <a:pPr>
-              <a:buNone/>
-            </a:pPr>
-            <a:endParaRPr lang="de-DE" dirty="0" smtClean="0">
-              <a:latin typeface="Trebuchet MS" pitchFamily="34" charset="0"/>
-            </a:endParaRPr>
-          </a:p>
-          <a:p>
-            <a:endParaRPr lang="de-DE" dirty="0" smtClean="0">
-              <a:latin typeface="Trebuchet MS" pitchFamily="34" charset="0"/>
-            </a:endParaRPr>
-          </a:p>
-          <a:p>
             <a:endParaRPr lang="de-DE" dirty="0">
               <a:latin typeface="Trebuchet MS" pitchFamily="34" charset="0"/>
             </a:endParaRPr>
           </a:p>
+          <a:p>
+            <a:pPr>
+              <a:buNone/>
+            </a:pPr>
+            <a:endParaRPr lang="de-DE" dirty="0">
+              <a:latin typeface="Trebuchet MS" pitchFamily="34" charset="0"/>
+            </a:endParaRPr>
+          </a:p>
+          <a:p>
+            <a:endParaRPr lang="de-DE" dirty="0">
+              <a:latin typeface="Trebuchet MS" pitchFamily="34" charset="0"/>
+            </a:endParaRPr>
+          </a:p>
+          <a:p>
+            <a:endParaRPr lang="de-DE" dirty="0">
+              <a:latin typeface="Trebuchet MS" pitchFamily="34" charset="0"/>
+            </a:endParaRPr>
+          </a:p>
         </p:txBody>
       </p:sp>
     </p:spTree>
     <p:extLst>
       <p:ext uri="{BB962C8B-B14F-4D97-AF65-F5344CB8AC3E}">
-        <p14:creationId xmlns:p14="http://schemas.microsoft.com/office/powerpoint/2010/main" xmlns="" val="3190174708"/>
+        <p14:creationId xmlns:p14="http://schemas.microsoft.com/office/powerpoint/2010/main" val="3190174708"/>
       </p:ext>
     </p:extLst>
   </p:cSld>
   <p:clrMapOvr>
     <a:masterClrMapping/>
   </p:clrMapOvr>
-  <p:timing>
-    <p:tnLst>
-      <p:par>
-        <p:cTn id="1" dur="indefinite" restart="never" nodeType="tmRoot"/>
-      </p:par>
-    </p:tnLst>
-  </p:timing>
 </p:sld>
 </file>
 
@@ -6189,7 +5985,7 @@
           <p:cNvPr id="2" name="Titel 1">
             <a:extLst>
               <a:ext uri="{FF2B5EF4-FFF2-40B4-BE49-F238E27FC236}">
-                <a16:creationId xmlns:a16="http://schemas.microsoft.com/office/drawing/2014/main" xmlns="" id="{C21D459F-BF65-98A3-82FE-E681FB41ADC3}"/>
+                <a16:creationId xmlns:a16="http://schemas.microsoft.com/office/drawing/2014/main" id="{C21D459F-BF65-98A3-82FE-E681FB41ADC3}"/>
               </a:ext>
             </a:extLst>
           </p:cNvPr>
@@ -6208,18 +6004,13 @@
           <a:lstStyle/>
           <a:p>
             <a:r>
-              <a:rPr lang="de-DE" b="1" dirty="0" smtClean="0">
+              <a:rPr lang="de-DE" b="1" dirty="0">
                 <a:solidFill>
                   <a:srgbClr val="FFFF00"/>
                 </a:solidFill>
               </a:rPr>
               <a:t>Problem:  Online Identity and anonymity</a:t>
             </a:r>
-            <a:endParaRPr lang="de-DE" b="1" dirty="0">
-              <a:solidFill>
-                <a:srgbClr val="FFFF00"/>
-              </a:solidFill>
-            </a:endParaRPr>
           </a:p>
         </p:txBody>
       </p:sp>
@@ -6248,7 +6039,7 @@
             <a:pPr>
               <a:buNone/>
             </a:pPr>
-            <a:endParaRPr lang="de-DE" dirty="0" smtClean="0">
+            <a:endParaRPr lang="de-DE" dirty="0">
               <a:latin typeface="Trebuchet MS" pitchFamily="34" charset="0"/>
             </a:endParaRPr>
           </a:p>
@@ -6256,7 +6047,7 @@
             <a:pPr>
               <a:buNone/>
             </a:pPr>
-            <a:endParaRPr lang="de-DE" sz="3600" dirty="0" smtClean="0">
+            <a:endParaRPr lang="de-DE" sz="3600" dirty="0">
               <a:latin typeface="Trebuchet MS" pitchFamily="34" charset="0"/>
             </a:endParaRPr>
           </a:p>
@@ -6265,13 +6056,13 @@
               <a:buNone/>
             </a:pPr>
             <a:r>
-              <a:rPr lang="de-DE" sz="4300" dirty="0" smtClean="0">
+              <a:rPr lang="de-DE" sz="4300" dirty="0">
                 <a:latin typeface="Trebuchet MS" pitchFamily="34" charset="0"/>
               </a:rPr>
               <a:t>Too much anonymity leads to </a:t>
             </a:r>
             <a:r>
-              <a:rPr lang="de-DE" sz="4300" dirty="0" smtClean="0">
+              <a:rPr lang="de-DE" sz="4300" dirty="0">
                 <a:solidFill>
                   <a:srgbClr val="FF0000"/>
                 </a:solidFill>
@@ -6284,7 +6075,7 @@
             <a:pPr>
               <a:buNone/>
             </a:pPr>
-            <a:endParaRPr lang="de-DE" sz="4300" dirty="0" smtClean="0">
+            <a:endParaRPr lang="de-DE" sz="4300" dirty="0">
               <a:latin typeface="Trebuchet MS" pitchFamily="34" charset="0"/>
             </a:endParaRPr>
           </a:p>
@@ -6293,7 +6084,7 @@
               <a:buNone/>
             </a:pPr>
             <a:r>
-              <a:rPr lang="de-DE" sz="4300" dirty="0" smtClean="0">
+              <a:rPr lang="de-DE" sz="4300" dirty="0">
                 <a:latin typeface="Trebuchet MS" pitchFamily="34" charset="0"/>
               </a:rPr>
               <a:t>Too little anonymity isn‘t good either </a:t>
@@ -6304,7 +6095,7 @@
               <a:buNone/>
             </a:pPr>
             <a:r>
-              <a:rPr lang="de-DE" sz="4300" dirty="0" smtClean="0">
+              <a:rPr lang="de-DE" sz="4300" dirty="0">
                 <a:solidFill>
                   <a:srgbClr val="FF0000"/>
                 </a:solidFill>
@@ -6317,7 +6108,7 @@
             <a:pPr>
               <a:buNone/>
             </a:pPr>
-            <a:endParaRPr lang="de-DE" sz="4300" dirty="0" smtClean="0">
+            <a:endParaRPr lang="de-DE" sz="4300" dirty="0">
               <a:latin typeface="Trebuchet MS" pitchFamily="34" charset="0"/>
             </a:endParaRPr>
           </a:p>
@@ -6326,13 +6117,13 @@
               <a:buNone/>
             </a:pPr>
             <a:r>
-              <a:rPr lang="de-DE" sz="4300" dirty="0" smtClean="0">
+              <a:rPr lang="de-DE" sz="4300" dirty="0">
                 <a:latin typeface="Trebuchet MS" pitchFamily="34" charset="0"/>
               </a:rPr>
               <a:t>Need a </a:t>
             </a:r>
             <a:r>
-              <a:rPr lang="de-DE" sz="4300" dirty="0" smtClean="0">
+              <a:rPr lang="de-DE" sz="4300" dirty="0">
                 <a:solidFill>
                   <a:srgbClr val="00B050"/>
                 </a:solidFill>
@@ -6341,13 +6132,13 @@
               <a:t>synthesis</a:t>
             </a:r>
             <a:r>
-              <a:rPr lang="de-DE" sz="4300" dirty="0" smtClean="0">
+              <a:rPr lang="de-DE" sz="4300" dirty="0">
                 <a:latin typeface="Trebuchet MS" pitchFamily="34" charset="0"/>
               </a:rPr>
               <a:t> of </a:t>
             </a:r>
             <a:r>
-              <a:rPr lang="de-DE" sz="4300" dirty="0" smtClean="0">
+              <a:rPr lang="de-DE" sz="4300" dirty="0">
                 <a:solidFill>
                   <a:srgbClr val="FF0000"/>
                 </a:solidFill>
@@ -6367,20 +6158,13 @@
     </p:spTree>
     <p:extLst>
       <p:ext uri="{BB962C8B-B14F-4D97-AF65-F5344CB8AC3E}">
-        <p14:creationId xmlns:p14="http://schemas.microsoft.com/office/powerpoint/2010/main" xmlns="" val="3230060305"/>
+        <p14:creationId xmlns:p14="http://schemas.microsoft.com/office/powerpoint/2010/main" val="3230060305"/>
       </p:ext>
     </p:extLst>
   </p:cSld>
   <p:clrMapOvr>
     <a:masterClrMapping/>
   </p:clrMapOvr>
-  <p:timing>
-    <p:tnLst>
-      <p:par>
-        <p:cTn id="1" dur="indefinite" restart="never" nodeType="tmRoot"/>
-      </p:par>
-    </p:tnLst>
-  </p:timing>
 </p:sld>
 </file>
 
@@ -6417,18 +6201,13 @@
           <a:lstStyle/>
           <a:p>
             <a:r>
-              <a:rPr lang="en-US" b="1" dirty="0" smtClean="0">
+              <a:rPr lang="en-US" b="1" dirty="0">
                 <a:solidFill>
                   <a:srgbClr val="FFFF00"/>
                 </a:solidFill>
               </a:rPr>
               <a:t>The Problem: Signal to Noise Ratio</a:t>
             </a:r>
-            <a:endParaRPr lang="en-US" b="1" dirty="0">
-              <a:solidFill>
-                <a:srgbClr val="FFFF00"/>
-              </a:solidFill>
-            </a:endParaRPr>
           </a:p>
         </p:txBody>
       </p:sp>
@@ -6457,7 +6236,7 @@
             <a:pPr>
               <a:buNone/>
             </a:pPr>
-            <a:endParaRPr lang="de-DE" dirty="0" smtClean="0">
+            <a:endParaRPr lang="de-DE" dirty="0">
               <a:latin typeface="Trebuchet MS" pitchFamily="34" charset="0"/>
             </a:endParaRPr>
           </a:p>
@@ -6466,7 +6245,7 @@
               <a:buNone/>
             </a:pPr>
             <a:r>
-              <a:rPr lang="de-DE" sz="3500" dirty="0" smtClean="0">
+              <a:rPr lang="de-DE" sz="3500" dirty="0">
                 <a:solidFill>
                   <a:srgbClr val="FF0000"/>
                 </a:solidFill>
@@ -6475,7 +6254,7 @@
               <a:t>Social media trolls </a:t>
             </a:r>
             <a:r>
-              <a:rPr lang="de-DE" sz="3500" dirty="0" smtClean="0">
+              <a:rPr lang="de-DE" sz="3500" dirty="0">
                 <a:latin typeface="Trebuchet MS" pitchFamily="34" charset="0"/>
               </a:rPr>
               <a:t>get promoted due to ad based revenue</a:t>
@@ -6485,7 +6264,7 @@
             <a:pPr>
               <a:buNone/>
             </a:pPr>
-            <a:endParaRPr lang="de-DE" sz="3500" dirty="0" smtClean="0">
+            <a:endParaRPr lang="de-DE" sz="3500" dirty="0">
               <a:latin typeface="Trebuchet MS" pitchFamily="34" charset="0"/>
             </a:endParaRPr>
           </a:p>
@@ -6494,13 +6273,13 @@
               <a:buNone/>
             </a:pPr>
             <a:r>
-              <a:rPr lang="de-DE" sz="3500" dirty="0" smtClean="0">
+              <a:rPr lang="de-DE" sz="3500" dirty="0">
                 <a:latin typeface="Trebuchet MS" pitchFamily="34" charset="0"/>
               </a:rPr>
               <a:t>We need not to be </a:t>
             </a:r>
             <a:r>
-              <a:rPr lang="de-DE" sz="3500" dirty="0" smtClean="0">
+              <a:rPr lang="de-DE" sz="3500" dirty="0">
                 <a:solidFill>
                   <a:srgbClr val="FF0000"/>
                 </a:solidFill>
@@ -6513,7 +6292,7 @@
             <a:pPr>
               <a:buNone/>
             </a:pPr>
-            <a:endParaRPr lang="de-DE" sz="3500" dirty="0" smtClean="0">
+            <a:endParaRPr lang="de-DE" sz="3500" dirty="0">
               <a:latin typeface="Trebuchet MS" pitchFamily="34" charset="0"/>
             </a:endParaRPr>
           </a:p>
@@ -6522,13 +6301,13 @@
               <a:buNone/>
             </a:pPr>
             <a:r>
-              <a:rPr lang="de-DE" sz="3500" dirty="0" smtClean="0">
+              <a:rPr lang="de-DE" sz="3500" dirty="0">
                 <a:latin typeface="Trebuchet MS" pitchFamily="34" charset="0"/>
               </a:rPr>
               <a:t>We should have</a:t>
             </a:r>
             <a:r>
-              <a:rPr lang="de-DE" sz="3500" dirty="0" smtClean="0">
+              <a:rPr lang="de-DE" sz="3500" dirty="0">
                 <a:solidFill>
                   <a:srgbClr val="00B050"/>
                 </a:solidFill>
@@ -6541,7 +6320,7 @@
             <a:pPr>
               <a:buNone/>
             </a:pPr>
-            <a:endParaRPr lang="de-DE" sz="3500" dirty="0" smtClean="0">
+            <a:endParaRPr lang="de-DE" sz="3500" dirty="0">
               <a:latin typeface="Trebuchet MS" pitchFamily="34" charset="0"/>
             </a:endParaRPr>
           </a:p>
@@ -6550,7 +6329,7 @@
               <a:buNone/>
             </a:pPr>
             <a:r>
-              <a:rPr lang="de-DE" sz="3500" dirty="0" smtClean="0">
+              <a:rPr lang="de-DE" sz="3500" dirty="0">
                 <a:solidFill>
                   <a:srgbClr val="FF0000"/>
                 </a:solidFill>
@@ -6559,13 +6338,13 @@
               <a:t>Untargeted ads = noise   </a:t>
             </a:r>
             <a:r>
-              <a:rPr lang="de-DE" sz="3500" dirty="0" smtClean="0">
+              <a:rPr lang="de-DE" sz="3500" dirty="0">
                 <a:latin typeface="Trebuchet MS" pitchFamily="34" charset="0"/>
               </a:rPr>
               <a:t>/   </a:t>
             </a:r>
             <a:r>
-              <a:rPr lang="de-DE" sz="3500" dirty="0" smtClean="0">
+              <a:rPr lang="de-DE" sz="3500" dirty="0">
                 <a:solidFill>
                   <a:srgbClr val="00B050"/>
                 </a:solidFill>
@@ -6578,7 +6357,7 @@
             <a:pPr>
               <a:buNone/>
             </a:pPr>
-            <a:endParaRPr lang="de-DE" dirty="0" smtClean="0">
+            <a:endParaRPr lang="de-DE" dirty="0">
               <a:latin typeface="Trebuchet MS" pitchFamily="34" charset="0"/>
             </a:endParaRPr>
           </a:p>
@@ -6586,7 +6365,7 @@
             <a:pPr>
               <a:buNone/>
             </a:pPr>
-            <a:endParaRPr lang="de-DE" dirty="0" smtClean="0">
+            <a:endParaRPr lang="de-DE" dirty="0">
               <a:latin typeface="Trebuchet MS" pitchFamily="34" charset="0"/>
             </a:endParaRPr>
           </a:p>
@@ -6603,13 +6382,6 @@
   <p:clrMapOvr>
     <a:masterClrMapping/>
   </p:clrMapOvr>
-  <p:timing>
-    <p:tnLst>
-      <p:par>
-        <p:cTn id="1" dur="indefinite" restart="never" nodeType="tmRoot"/>
-      </p:par>
-    </p:tnLst>
-  </p:timing>
 </p:sld>
 </file>
 
@@ -6635,7 +6407,7 @@
           <p:cNvPr id="2" name="Titel 1">
             <a:extLst>
               <a:ext uri="{FF2B5EF4-FFF2-40B4-BE49-F238E27FC236}">
-                <a16:creationId xmlns:a16="http://schemas.microsoft.com/office/drawing/2014/main" xmlns="" id="{104ADDBE-2857-21DF-31CF-75966D662895}"/>
+                <a16:creationId xmlns:a16="http://schemas.microsoft.com/office/drawing/2014/main" id="{104ADDBE-2857-21DF-31CF-75966D662895}"/>
               </a:ext>
             </a:extLst>
           </p:cNvPr>
@@ -6659,18 +6431,13 @@
           <a:lstStyle/>
           <a:p>
             <a:r>
-              <a:rPr lang="de-DE" b="1" dirty="0" smtClean="0">
+              <a:rPr lang="de-DE" b="1" dirty="0">
                 <a:solidFill>
                   <a:srgbClr val="FFFF00"/>
                 </a:solidFill>
               </a:rPr>
               <a:t>The Solution: Tetraplex is the better network</a:t>
             </a:r>
-            <a:endParaRPr lang="de-DE" b="1" dirty="0">
-              <a:solidFill>
-                <a:srgbClr val="FFFF00"/>
-              </a:solidFill>
-            </a:endParaRPr>
           </a:p>
         </p:txBody>
       </p:sp>
@@ -6699,7 +6466,7 @@
             <a:pPr>
               <a:buNone/>
             </a:pPr>
-            <a:endParaRPr lang="en-US" dirty="0" smtClean="0">
+            <a:endParaRPr lang="en-US" dirty="0">
               <a:latin typeface="Trebuchet MS" pitchFamily="34" charset="0"/>
             </a:endParaRPr>
           </a:p>
@@ -6707,7 +6474,7 @@
             <a:pPr>
               <a:buNone/>
             </a:pPr>
-            <a:endParaRPr lang="en-US" dirty="0" smtClean="0">
+            <a:endParaRPr lang="en-US" dirty="0">
               <a:latin typeface="Trebuchet MS" pitchFamily="34" charset="0"/>
             </a:endParaRPr>
           </a:p>
@@ -6716,7 +6483,7 @@
               <a:buNone/>
             </a:pPr>
             <a:r>
-              <a:rPr lang="en-US" sz="7100" dirty="0" smtClean="0">
+              <a:rPr lang="en-US" sz="7100" dirty="0">
                 <a:solidFill>
                   <a:srgbClr val="FF0000"/>
                 </a:solidFill>
@@ -6725,13 +6492,13 @@
               <a:t>Semi</a:t>
             </a:r>
             <a:r>
-              <a:rPr lang="en-US" sz="7100" dirty="0" smtClean="0">
+              <a:rPr lang="en-US" sz="7100" dirty="0">
                 <a:latin typeface="Trebuchet MS" pitchFamily="34" charset="0"/>
               </a:rPr>
               <a:t>-</a:t>
             </a:r>
             <a:r>
-              <a:rPr lang="en-US" sz="7100" dirty="0" smtClean="0">
+              <a:rPr lang="en-US" sz="7100" dirty="0">
                 <a:solidFill>
                   <a:srgbClr val="00B050"/>
                 </a:solidFill>
@@ -6740,7 +6507,7 @@
               <a:t>anonymous</a:t>
             </a:r>
             <a:r>
-              <a:rPr lang="en-US" sz="7100" dirty="0" smtClean="0">
+              <a:rPr lang="en-US" sz="7100" dirty="0">
                 <a:latin typeface="Trebuchet MS" pitchFamily="34" charset="0"/>
               </a:rPr>
               <a:t> social network</a:t>
@@ -6751,13 +6518,13 @@
               <a:buNone/>
             </a:pPr>
             <a:r>
-              <a:rPr lang="en-US" sz="7100" dirty="0" smtClean="0">
+              <a:rPr lang="en-US" sz="7100" dirty="0">
                 <a:latin typeface="Trebuchet MS" pitchFamily="34" charset="0"/>
               </a:rPr>
               <a:t>with a </a:t>
             </a:r>
             <a:r>
-              <a:rPr lang="en-US" sz="7100" dirty="0" smtClean="0">
+              <a:rPr lang="en-US" sz="7100" dirty="0">
                 <a:solidFill>
                   <a:srgbClr val="00B050"/>
                 </a:solidFill>
@@ -6770,7 +6537,7 @@
             <a:pPr>
               <a:buNone/>
             </a:pPr>
-            <a:endParaRPr lang="en-US" sz="7100" dirty="0" smtClean="0">
+            <a:endParaRPr lang="en-US" sz="7100" dirty="0">
               <a:latin typeface="Trebuchet MS" pitchFamily="34" charset="0"/>
             </a:endParaRPr>
           </a:p>
@@ -6779,13 +6546,13 @@
               <a:buNone/>
             </a:pPr>
             <a:r>
-              <a:rPr lang="en-US" sz="7100" dirty="0" smtClean="0">
+              <a:rPr lang="en-US" sz="7100" dirty="0">
                 <a:latin typeface="Trebuchet MS" pitchFamily="34" charset="0"/>
               </a:rPr>
               <a:t>Karma promotes </a:t>
             </a:r>
             <a:r>
-              <a:rPr lang="en-US" sz="7100" dirty="0" smtClean="0">
+              <a:rPr lang="en-US" sz="7100" dirty="0">
                 <a:solidFill>
                   <a:srgbClr val="00B050"/>
                 </a:solidFill>
@@ -6798,7 +6565,7 @@
             <a:pPr>
               <a:buNone/>
             </a:pPr>
-            <a:endParaRPr lang="en-US" sz="7100" dirty="0" smtClean="0">
+            <a:endParaRPr lang="en-US" sz="7100" dirty="0">
               <a:latin typeface="Trebuchet MS" pitchFamily="34" charset="0"/>
             </a:endParaRPr>
           </a:p>
@@ -6807,13 +6574,13 @@
               <a:buNone/>
             </a:pPr>
             <a:r>
-              <a:rPr lang="en-US" sz="7100" dirty="0" smtClean="0">
+              <a:rPr lang="en-US" sz="7100" dirty="0">
                 <a:latin typeface="Trebuchet MS" pitchFamily="34" charset="0"/>
               </a:rPr>
               <a:t>Reward </a:t>
             </a:r>
             <a:r>
-              <a:rPr lang="en-US" sz="7100" dirty="0" smtClean="0">
+              <a:rPr lang="en-US" sz="7100" dirty="0">
                 <a:solidFill>
                   <a:srgbClr val="00B050"/>
                 </a:solidFill>
@@ -6822,13 +6589,13 @@
               <a:t>good behavior </a:t>
             </a:r>
             <a:r>
-              <a:rPr lang="en-US" sz="7100" dirty="0" smtClean="0">
+              <a:rPr lang="en-US" sz="7100" dirty="0">
                 <a:latin typeface="Trebuchet MS" pitchFamily="34" charset="0"/>
               </a:rPr>
               <a:t>with </a:t>
             </a:r>
             <a:r>
-              <a:rPr lang="en-US" sz="7100" dirty="0" smtClean="0">
+              <a:rPr lang="en-US" sz="7100" dirty="0">
                 <a:solidFill>
                   <a:srgbClr val="00B050"/>
                 </a:solidFill>
@@ -6841,7 +6608,7 @@
             <a:pPr>
               <a:buNone/>
             </a:pPr>
-            <a:endParaRPr lang="en-US" dirty="0" smtClean="0">
+            <a:endParaRPr lang="en-US" dirty="0">
               <a:latin typeface="Trebuchet MS" pitchFamily="34" charset="0"/>
             </a:endParaRPr>
           </a:p>
@@ -6850,20 +6617,13 @@
     </p:spTree>
     <p:extLst>
       <p:ext uri="{BB962C8B-B14F-4D97-AF65-F5344CB8AC3E}">
-        <p14:creationId xmlns:p14="http://schemas.microsoft.com/office/powerpoint/2010/main" xmlns="" val="3351770822"/>
+        <p14:creationId xmlns:p14="http://schemas.microsoft.com/office/powerpoint/2010/main" val="3351770822"/>
       </p:ext>
     </p:extLst>
   </p:cSld>
   <p:clrMapOvr>
     <a:masterClrMapping/>
   </p:clrMapOvr>
-  <p:timing>
-    <p:tnLst>
-      <p:par>
-        <p:cTn id="1" dur="indefinite" restart="never" nodeType="tmRoot"/>
-      </p:par>
-    </p:tnLst>
-  </p:timing>
 </p:sld>
 </file>
 
@@ -6889,7 +6649,7 @@
           <p:cNvPr id="2" name="Titel 1">
             <a:extLst>
               <a:ext uri="{FF2B5EF4-FFF2-40B4-BE49-F238E27FC236}">
-                <a16:creationId xmlns:a16="http://schemas.microsoft.com/office/drawing/2014/main" xmlns="" id="{D08A566F-4CA9-F7DF-ECEB-910A88862795}"/>
+                <a16:creationId xmlns:a16="http://schemas.microsoft.com/office/drawing/2014/main" id="{D08A566F-4CA9-F7DF-ECEB-910A88862795}"/>
               </a:ext>
             </a:extLst>
           </p:cNvPr>
@@ -6908,18 +6668,13 @@
           <a:lstStyle/>
           <a:p>
             <a:r>
-              <a:rPr lang="de-DE" b="1" dirty="0" smtClean="0">
+              <a:rPr lang="de-DE" b="1" dirty="0">
                 <a:solidFill>
                   <a:srgbClr val="FFFF00"/>
                 </a:solidFill>
               </a:rPr>
               <a:t>Tetraplex veil:  The synthesis </a:t>
             </a:r>
-            <a:endParaRPr lang="de-DE" b="1" dirty="0">
-              <a:solidFill>
-                <a:srgbClr val="FFFF00"/>
-              </a:solidFill>
-            </a:endParaRPr>
           </a:p>
         </p:txBody>
       </p:sp>
@@ -6928,7 +6683,7 @@
           <p:cNvPr id="13" name="Inhaltsplatzhalter 2">
             <a:extLst>
               <a:ext uri="{FF2B5EF4-FFF2-40B4-BE49-F238E27FC236}">
-                <a16:creationId xmlns:a16="http://schemas.microsoft.com/office/drawing/2014/main" xmlns="" id="{FAC69121-968E-B939-3377-5335E9638EE8}"/>
+                <a16:creationId xmlns:a16="http://schemas.microsoft.com/office/drawing/2014/main" id="{FAC69121-968E-B939-3377-5335E9638EE8}"/>
               </a:ext>
             </a:extLst>
           </p:cNvPr>
@@ -6955,7 +6710,7 @@
               <a:buNone/>
             </a:pPr>
             <a:r>
-              <a:rPr lang="en-US" sz="3200" dirty="0" smtClean="0">
+              <a:rPr lang="en-US" sz="3200" dirty="0">
                 <a:latin typeface="Trebuchet MS" pitchFamily="34" charset="0"/>
               </a:rPr>
               <a:t>We make it possible to have anonymity via the veil</a:t>
@@ -6965,7 +6720,7 @@
             <a:pPr>
               <a:buNone/>
             </a:pPr>
-            <a:endParaRPr lang="en-US" sz="3200" dirty="0" smtClean="0">
+            <a:endParaRPr lang="en-US" sz="3200" dirty="0">
               <a:latin typeface="Trebuchet MS" pitchFamily="34" charset="0"/>
             </a:endParaRPr>
           </a:p>
@@ -6974,7 +6729,7 @@
               <a:buNone/>
             </a:pPr>
             <a:r>
-              <a:rPr lang="en-US" sz="3200" dirty="0" smtClean="0">
+              <a:rPr lang="en-US" sz="3200" dirty="0">
                 <a:latin typeface="Trebuchet MS" pitchFamily="34" charset="0"/>
               </a:rPr>
               <a:t>The veil can be taken off when we need strong identity</a:t>
@@ -6984,7 +6739,7 @@
             <a:pPr>
               <a:buNone/>
             </a:pPr>
-            <a:endParaRPr lang="en-US" sz="3200" dirty="0" smtClean="0">
+            <a:endParaRPr lang="en-US" sz="3200" dirty="0">
               <a:latin typeface="Trebuchet MS" pitchFamily="34" charset="0"/>
             </a:endParaRPr>
           </a:p>
@@ -6993,14 +6748,14 @@
               <a:buNone/>
             </a:pPr>
             <a:r>
-              <a:rPr lang="en-US" sz="3200" dirty="0" smtClean="0">
+              <a:rPr lang="en-US" sz="3200" dirty="0">
                 <a:latin typeface="Trebuchet MS" pitchFamily="34" charset="0"/>
               </a:rPr>
               <a:t>You can resume using the veil when needed</a:t>
             </a:r>
           </a:p>
           <a:p>
-            <a:endParaRPr lang="en-US" sz="3200" dirty="0" smtClean="0">
+            <a:endParaRPr lang="en-US" sz="3200" dirty="0">
               <a:latin typeface="Trebuchet MS" pitchFamily="34" charset="0"/>
             </a:endParaRPr>
           </a:p>
@@ -7009,13 +6764,13 @@
               <a:buNone/>
             </a:pPr>
             <a:r>
-              <a:rPr lang="en-US" sz="3200" dirty="0" smtClean="0">
+              <a:rPr lang="en-US" sz="3200" dirty="0">
                 <a:latin typeface="Trebuchet MS" pitchFamily="34" charset="0"/>
               </a:rPr>
               <a:t>Karma gets </a:t>
             </a:r>
             <a:r>
-              <a:rPr lang="en-US" sz="3200" dirty="0" smtClean="0">
+              <a:rPr lang="en-US" sz="3200" dirty="0">
                 <a:solidFill>
                   <a:srgbClr val="FF0000"/>
                 </a:solidFill>
@@ -7024,13 +6779,13 @@
               <a:t>deducted</a:t>
             </a:r>
             <a:r>
-              <a:rPr lang="en-US" sz="3200" dirty="0" smtClean="0">
+              <a:rPr lang="en-US" sz="3200" dirty="0">
                 <a:latin typeface="Trebuchet MS" pitchFamily="34" charset="0"/>
               </a:rPr>
               <a:t> if you </a:t>
             </a:r>
             <a:r>
-              <a:rPr lang="en-US" sz="3200" dirty="0" smtClean="0">
+              <a:rPr lang="en-US" sz="3200" dirty="0">
                 <a:solidFill>
                   <a:srgbClr val="FF0000"/>
                 </a:solidFill>
@@ -7039,7 +6794,7 @@
               <a:t>behave badly</a:t>
             </a:r>
             <a:r>
-              <a:rPr lang="en-US" sz="3200" dirty="0" smtClean="0">
+              <a:rPr lang="en-US" sz="3200" dirty="0">
                 <a:latin typeface="Trebuchet MS" pitchFamily="34" charset="0"/>
               </a:rPr>
               <a:t> even with veil</a:t>
@@ -7051,20 +6806,13 @@
     </p:spTree>
     <p:extLst>
       <p:ext uri="{BB962C8B-B14F-4D97-AF65-F5344CB8AC3E}">
-        <p14:creationId xmlns:p14="http://schemas.microsoft.com/office/powerpoint/2010/main" xmlns="" val="4139908003"/>
+        <p14:creationId xmlns:p14="http://schemas.microsoft.com/office/powerpoint/2010/main" val="4139908003"/>
       </p:ext>
     </p:extLst>
   </p:cSld>
   <p:clrMapOvr>
     <a:masterClrMapping/>
   </p:clrMapOvr>
-  <p:timing>
-    <p:tnLst>
-      <p:par>
-        <p:cTn id="1" dur="indefinite" restart="never" nodeType="tmRoot"/>
-      </p:par>
-    </p:tnLst>
-  </p:timing>
 </p:sld>
 </file>
 
@@ -7108,18 +6856,13 @@
           <a:lstStyle/>
           <a:p>
             <a:r>
-              <a:rPr lang="en-US" b="1" dirty="0" smtClean="0">
+              <a:rPr lang="en-US" b="1" dirty="0">
                 <a:solidFill>
                   <a:srgbClr val="FFFF00"/>
                 </a:solidFill>
               </a:rPr>
               <a:t>Tetraplex ads: Better Signal to Noise Ratio</a:t>
             </a:r>
-            <a:endParaRPr lang="en-US" b="1" dirty="0">
-              <a:solidFill>
-                <a:srgbClr val="FFFF00"/>
-              </a:solidFill>
-            </a:endParaRPr>
           </a:p>
         </p:txBody>
       </p:sp>
@@ -7148,7 +6891,7 @@
             <a:pPr>
               <a:buNone/>
             </a:pPr>
-            <a:endParaRPr lang="de-DE" dirty="0" smtClean="0">
+            <a:endParaRPr lang="de-DE" dirty="0">
               <a:latin typeface="Trebuchet MS" pitchFamily="34" charset="0"/>
             </a:endParaRPr>
           </a:p>
@@ -7157,13 +6900,13 @@
               <a:buNone/>
             </a:pPr>
             <a:r>
-              <a:rPr lang="de-DE" sz="3200" dirty="0" smtClean="0">
+              <a:rPr lang="de-DE" sz="3200" dirty="0">
                 <a:latin typeface="Trebuchet MS" pitchFamily="34" charset="0"/>
               </a:rPr>
               <a:t>You are not a </a:t>
             </a:r>
             <a:r>
-              <a:rPr lang="de-DE" sz="3200" dirty="0" smtClean="0">
+              <a:rPr lang="de-DE" sz="3200" dirty="0">
                 <a:solidFill>
                   <a:srgbClr val="FF0000"/>
                 </a:solidFill>
@@ -7172,13 +6915,13 @@
               <a:t>passive eyeball</a:t>
             </a:r>
             <a:r>
-              <a:rPr lang="de-DE" sz="3200" dirty="0" smtClean="0">
+              <a:rPr lang="de-DE" sz="3200" dirty="0">
                 <a:latin typeface="Trebuchet MS" pitchFamily="34" charset="0"/>
               </a:rPr>
               <a:t>...  you can </a:t>
             </a:r>
             <a:r>
-              <a:rPr lang="de-DE" sz="3200" dirty="0" smtClean="0">
+              <a:rPr lang="de-DE" sz="3200" dirty="0">
                 <a:solidFill>
                   <a:srgbClr val="00B050"/>
                 </a:solidFill>
@@ -7187,7 +6930,7 @@
               <a:t>choose your ads</a:t>
             </a:r>
             <a:r>
-              <a:rPr lang="de-DE" sz="3200" dirty="0" smtClean="0">
+              <a:rPr lang="de-DE" sz="3200" dirty="0">
                 <a:latin typeface="Trebuchet MS" pitchFamily="34" charset="0"/>
               </a:rPr>
               <a:t>!</a:t>
@@ -7197,7 +6940,7 @@
             <a:pPr>
               <a:buNone/>
             </a:pPr>
-            <a:endParaRPr lang="de-DE" sz="3200" dirty="0" smtClean="0">
+            <a:endParaRPr lang="de-DE" sz="3200" dirty="0">
               <a:latin typeface="Trebuchet MS" pitchFamily="34" charset="0"/>
             </a:endParaRPr>
           </a:p>
@@ -7206,7 +6949,7 @@
               <a:buNone/>
             </a:pPr>
             <a:r>
-              <a:rPr lang="de-DE" sz="3200" dirty="0" smtClean="0">
+              <a:rPr lang="de-DE" sz="3200" dirty="0">
                 <a:solidFill>
                   <a:srgbClr val="00B050"/>
                 </a:solidFill>
@@ -7215,7 +6958,7 @@
               <a:t>Less waste </a:t>
             </a:r>
             <a:r>
-              <a:rPr lang="de-DE" sz="3200" dirty="0" smtClean="0">
+              <a:rPr lang="de-DE" sz="3200" dirty="0">
                 <a:latin typeface="Trebuchet MS" pitchFamily="34" charset="0"/>
               </a:rPr>
               <a:t>for advertiser </a:t>
@@ -7225,7 +6968,7 @@
             <a:pPr>
               <a:buNone/>
             </a:pPr>
-            <a:endParaRPr lang="de-DE" sz="3200" dirty="0" smtClean="0">
+            <a:endParaRPr lang="de-DE" sz="3200" dirty="0">
               <a:latin typeface="Trebuchet MS" pitchFamily="34" charset="0"/>
             </a:endParaRPr>
           </a:p>
@@ -7234,7 +6977,7 @@
               <a:buNone/>
             </a:pPr>
             <a:r>
-              <a:rPr lang="de-DE" sz="3200" dirty="0" smtClean="0">
+              <a:rPr lang="de-DE" sz="3200" dirty="0">
                 <a:solidFill>
                   <a:srgbClr val="00B050"/>
                 </a:solidFill>
@@ -7243,13 +6986,13 @@
               <a:t>Get paid</a:t>
             </a:r>
             <a:r>
-              <a:rPr lang="de-DE" sz="3200" dirty="0" smtClean="0">
+              <a:rPr lang="de-DE" sz="3200" dirty="0">
                 <a:latin typeface="Trebuchet MS" pitchFamily="34" charset="0"/>
               </a:rPr>
               <a:t> with Karma for </a:t>
             </a:r>
             <a:r>
-              <a:rPr lang="de-DE" sz="3200" dirty="0" smtClean="0">
+              <a:rPr lang="de-DE" sz="3200" dirty="0">
                 <a:solidFill>
                   <a:srgbClr val="00B050"/>
                 </a:solidFill>
@@ -7262,7 +7005,7 @@
             <a:pPr>
               <a:buNone/>
             </a:pPr>
-            <a:endParaRPr lang="de-DE" sz="3200" dirty="0" smtClean="0">
+            <a:endParaRPr lang="de-DE" sz="3200" dirty="0">
               <a:latin typeface="Trebuchet MS" pitchFamily="34" charset="0"/>
             </a:endParaRPr>
           </a:p>
@@ -7271,7 +7014,7 @@
               <a:buNone/>
             </a:pPr>
             <a:r>
-              <a:rPr lang="de-DE" sz="3200" dirty="0" smtClean="0">
+              <a:rPr lang="de-DE" sz="3200" dirty="0">
                 <a:solidFill>
                   <a:srgbClr val="FFFF00"/>
                 </a:solidFill>
@@ -7284,7 +7027,7 @@
             <a:pPr>
               <a:buNone/>
             </a:pPr>
-            <a:endParaRPr lang="de-DE" dirty="0" smtClean="0">
+            <a:endParaRPr lang="de-DE" dirty="0">
               <a:latin typeface="Trebuchet MS" pitchFamily="34" charset="0"/>
             </a:endParaRPr>
           </a:p>
@@ -7301,13 +7044,6 @@
   <p:clrMapOvr>
     <a:masterClrMapping/>
   </p:clrMapOvr>
-  <p:timing>
-    <p:tnLst>
-      <p:par>
-        <p:cTn id="1" dur="indefinite" restart="never" nodeType="tmRoot"/>
-      </p:par>
-    </p:tnLst>
-  </p:timing>
 </p:sld>
 </file>
 
@@ -7333,7 +7069,7 @@
           <p:cNvPr id="2" name="Titel 1">
             <a:extLst>
               <a:ext uri="{FF2B5EF4-FFF2-40B4-BE49-F238E27FC236}">
-                <a16:creationId xmlns:a16="http://schemas.microsoft.com/office/drawing/2014/main" xmlns="" id="{D08A566F-4CA9-F7DF-ECEB-910A88862795}"/>
+                <a16:creationId xmlns:a16="http://schemas.microsoft.com/office/drawing/2014/main" id="{D08A566F-4CA9-F7DF-ECEB-910A88862795}"/>
               </a:ext>
             </a:extLst>
           </p:cNvPr>
@@ -7352,18 +7088,13 @@
           <a:lstStyle/>
           <a:p>
             <a:r>
-              <a:rPr lang="de-DE" b="1" dirty="0" smtClean="0">
+              <a:rPr lang="de-DE" b="1" dirty="0">
                 <a:solidFill>
                   <a:srgbClr val="FFFF00"/>
                 </a:solidFill>
               </a:rPr>
               <a:t>Tetraplex Brainstorm: idea generation</a:t>
             </a:r>
-            <a:endParaRPr lang="de-DE" b="1" dirty="0">
-              <a:solidFill>
-                <a:srgbClr val="FFFF00"/>
-              </a:solidFill>
-            </a:endParaRPr>
           </a:p>
         </p:txBody>
       </p:sp>
@@ -7372,7 +7103,7 @@
           <p:cNvPr id="3" name="Inhaltsplatzhalter 2">
             <a:extLst>
               <a:ext uri="{FF2B5EF4-FFF2-40B4-BE49-F238E27FC236}">
-                <a16:creationId xmlns:a16="http://schemas.microsoft.com/office/drawing/2014/main" xmlns="" id="{FAC69121-968E-B939-3377-5335E9638EE8}"/>
+                <a16:creationId xmlns:a16="http://schemas.microsoft.com/office/drawing/2014/main" id="{FAC69121-968E-B939-3377-5335E9638EE8}"/>
               </a:ext>
             </a:extLst>
           </p:cNvPr>
@@ -7388,7 +7119,7 @@
           <a:bodyPr/>
           <a:lstStyle/>
           <a:p>
-            <a:endParaRPr lang="de-DE" dirty="0" smtClean="0"/>
+            <a:endParaRPr lang="de-DE" dirty="0"/>
           </a:p>
           <a:p>
             <a:endParaRPr lang="de-DE" dirty="0"/>
@@ -7400,7 +7131,7 @@
           <p:cNvPr id="8" name="Inhaltsplatzhalter 2">
             <a:extLst>
               <a:ext uri="{FF2B5EF4-FFF2-40B4-BE49-F238E27FC236}">
-                <a16:creationId xmlns:a16="http://schemas.microsoft.com/office/drawing/2014/main" xmlns="" id="{FAC69121-968E-B939-3377-5335E9638EE8}"/>
+                <a16:creationId xmlns:a16="http://schemas.microsoft.com/office/drawing/2014/main" id="{FAC69121-968E-B939-3377-5335E9638EE8}"/>
               </a:ext>
             </a:extLst>
           </p:cNvPr>
@@ -7444,13 +7175,13 @@
               <a:defRPr/>
             </a:pPr>
             <a:r>
-              <a:rPr lang="en-US" sz="4000" dirty="0" smtClean="0">
+              <a:rPr lang="en-US" sz="4000" dirty="0">
                 <a:latin typeface="Trebuchet MS" pitchFamily="34" charset="0"/>
               </a:rPr>
               <a:t>More </a:t>
             </a:r>
             <a:r>
-              <a:rPr lang="en-US" sz="4000" dirty="0" smtClean="0">
+              <a:rPr lang="en-US" sz="4000" dirty="0">
                 <a:solidFill>
                   <a:srgbClr val="00B050"/>
                 </a:solidFill>
@@ -7459,7 +7190,7 @@
               <a:t>open discussions</a:t>
             </a:r>
             <a:r>
-              <a:rPr lang="en-US" sz="4000" dirty="0" smtClean="0">
+              <a:rPr lang="en-US" sz="4000" dirty="0">
                 <a:latin typeface="Trebuchet MS" pitchFamily="34" charset="0"/>
               </a:rPr>
               <a:t> even with your boss</a:t>
@@ -7485,7 +7216,7 @@
               <a:tabLst/>
               <a:defRPr/>
             </a:pPr>
-            <a:endParaRPr lang="en-US" sz="4000" dirty="0" smtClean="0">
+            <a:endParaRPr lang="en-US" sz="4000" dirty="0">
               <a:latin typeface="Trebuchet MS" pitchFamily="34" charset="0"/>
             </a:endParaRPr>
           </a:p>
@@ -7510,7 +7241,7 @@
               <a:defRPr/>
             </a:pPr>
             <a:r>
-              <a:rPr lang="en-US" sz="4000" dirty="0" smtClean="0">
+              <a:rPr lang="en-US" sz="4000" dirty="0">
                 <a:latin typeface="Trebuchet MS" pitchFamily="34" charset="0"/>
               </a:rPr>
               <a:t>Talk with random people and bounce ideas</a:t>
@@ -7536,7 +7267,7 @@
               <a:tabLst/>
               <a:defRPr/>
             </a:pPr>
-            <a:endParaRPr kumimoji="0" lang="en-US" sz="4000" b="0" i="0" u="none" strike="noStrike" kern="1200" cap="none" spc="0" normalizeH="0" baseline="0" noProof="0" dirty="0" smtClean="0">
+            <a:endParaRPr kumimoji="0" lang="en-US" sz="4000" b="0" i="0" u="none" strike="noStrike" kern="1200" cap="none" spc="0" normalizeH="0" baseline="0" noProof="0" dirty="0">
               <a:ln>
                 <a:noFill/>
               </a:ln>
@@ -7572,7 +7303,7 @@
               <a:defRPr/>
             </a:pPr>
             <a:r>
-              <a:rPr lang="en-US" sz="4000" dirty="0" smtClean="0">
+              <a:rPr lang="en-US" sz="4000" dirty="0">
                 <a:solidFill>
                   <a:srgbClr val="FFFF00"/>
                 </a:solidFill>
@@ -7581,13 +7312,13 @@
               <a:t>Idea generation </a:t>
             </a:r>
             <a:r>
-              <a:rPr lang="en-US" sz="4000" dirty="0" smtClean="0">
+              <a:rPr lang="en-US" sz="4000" dirty="0">
                 <a:latin typeface="Trebuchet MS" pitchFamily="34" charset="0"/>
               </a:rPr>
               <a:t>via exchange and </a:t>
             </a:r>
             <a:r>
-              <a:rPr lang="en-US" sz="4000" dirty="0" smtClean="0">
+              <a:rPr lang="en-US" sz="4000" dirty="0">
                 <a:solidFill>
                   <a:srgbClr val="00B050"/>
                 </a:solidFill>
@@ -7617,13 +7348,13 @@
               <a:defRPr/>
             </a:pPr>
             <a:r>
-              <a:rPr lang="en-US" sz="4000" dirty="0" smtClean="0">
+              <a:rPr lang="en-US" sz="4000" dirty="0">
                 <a:latin typeface="Trebuchet MS" pitchFamily="34" charset="0"/>
               </a:rPr>
               <a:t>of </a:t>
             </a:r>
             <a:r>
-              <a:rPr lang="en-US" sz="4000" dirty="0" smtClean="0">
+              <a:rPr lang="en-US" sz="4000" dirty="0">
                 <a:solidFill>
                   <a:srgbClr val="FF0000"/>
                 </a:solidFill>
@@ -7631,7 +7362,7 @@
               </a:rPr>
               <a:t>opposites</a:t>
             </a:r>
-            <a:endParaRPr kumimoji="0" lang="en-US" sz="4000" b="0" i="0" u="none" strike="noStrike" kern="1200" cap="none" spc="0" normalizeH="0" baseline="0" noProof="0" dirty="0" smtClean="0">
+            <a:endParaRPr kumimoji="0" lang="en-US" sz="4000" b="0" i="0" u="none" strike="noStrike" kern="1200" cap="none" spc="0" normalizeH="0" baseline="0" noProof="0" dirty="0">
               <a:ln>
                 <a:noFill/>
               </a:ln>
@@ -7651,20 +7382,13 @@
     </p:spTree>
     <p:extLst>
       <p:ext uri="{BB962C8B-B14F-4D97-AF65-F5344CB8AC3E}">
-        <p14:creationId xmlns:p14="http://schemas.microsoft.com/office/powerpoint/2010/main" xmlns="" val="1747655176"/>
+        <p14:creationId xmlns:p14="http://schemas.microsoft.com/office/powerpoint/2010/main" val="1747655176"/>
       </p:ext>
     </p:extLst>
   </p:cSld>
   <p:clrMapOvr>
     <a:masterClrMapping/>
   </p:clrMapOvr>
-  <p:timing>
-    <p:tnLst>
-      <p:par>
-        <p:cTn id="1" dur="indefinite" restart="never" nodeType="tmRoot"/>
-      </p:par>
-    </p:tnLst>
-  </p:timing>
 </p:sld>
 </file>
 
@@ -7690,7 +7414,7 @@
           <p:cNvPr id="2" name="Titel 1">
             <a:extLst>
               <a:ext uri="{FF2B5EF4-FFF2-40B4-BE49-F238E27FC236}">
-                <a16:creationId xmlns:a16="http://schemas.microsoft.com/office/drawing/2014/main" xmlns="" id="{D08A566F-4CA9-F7DF-ECEB-910A88862795}"/>
+                <a16:creationId xmlns:a16="http://schemas.microsoft.com/office/drawing/2014/main" id="{D08A566F-4CA9-F7DF-ECEB-910A88862795}"/>
               </a:ext>
             </a:extLst>
           </p:cNvPr>
@@ -7709,18 +7433,13 @@
           <a:lstStyle/>
           <a:p>
             <a:r>
-              <a:rPr lang="de-DE" b="1" dirty="0" smtClean="0">
+              <a:rPr lang="de-DE" b="1" dirty="0">
                 <a:solidFill>
                   <a:srgbClr val="FFFF00"/>
                 </a:solidFill>
               </a:rPr>
               <a:t>Tetraplex Discuss: Civil debates</a:t>
             </a:r>
-            <a:endParaRPr lang="de-DE" b="1" dirty="0">
-              <a:solidFill>
-                <a:srgbClr val="FFFF00"/>
-              </a:solidFill>
-            </a:endParaRPr>
           </a:p>
         </p:txBody>
       </p:sp>
@@ -7729,7 +7448,7 @@
           <p:cNvPr id="3" name="Inhaltsplatzhalter 2">
             <a:extLst>
               <a:ext uri="{FF2B5EF4-FFF2-40B4-BE49-F238E27FC236}">
-                <a16:creationId xmlns:a16="http://schemas.microsoft.com/office/drawing/2014/main" xmlns="" id="{FAC69121-968E-B939-3377-5335E9638EE8}"/>
+                <a16:creationId xmlns:a16="http://schemas.microsoft.com/office/drawing/2014/main" id="{FAC69121-968E-B939-3377-5335E9638EE8}"/>
               </a:ext>
             </a:extLst>
           </p:cNvPr>
@@ -7745,7 +7464,7 @@
           <a:bodyPr/>
           <a:lstStyle/>
           <a:p>
-            <a:endParaRPr lang="de-DE" dirty="0" smtClean="0"/>
+            <a:endParaRPr lang="de-DE" dirty="0"/>
           </a:p>
           <a:p>
             <a:endParaRPr lang="de-DE" dirty="0"/>
@@ -7757,7 +7476,7 @@
           <p:cNvPr id="8" name="Inhaltsplatzhalter 2">
             <a:extLst>
               <a:ext uri="{FF2B5EF4-FFF2-40B4-BE49-F238E27FC236}">
-                <a16:creationId xmlns:a16="http://schemas.microsoft.com/office/drawing/2014/main" xmlns="" id="{FAC69121-968E-B939-3377-5335E9638EE8}"/>
+                <a16:creationId xmlns:a16="http://schemas.microsoft.com/office/drawing/2014/main" id="{FAC69121-968E-B939-3377-5335E9638EE8}"/>
               </a:ext>
             </a:extLst>
           </p:cNvPr>
@@ -7800,7 +7519,7 @@
               <a:tabLst/>
               <a:defRPr/>
             </a:pPr>
-            <a:endParaRPr kumimoji="0" lang="en-US" sz="2900" b="0" i="0" u="none" strike="noStrike" kern="1200" cap="none" spc="0" normalizeH="0" baseline="0" noProof="0" dirty="0" smtClean="0">
+            <a:endParaRPr kumimoji="0" lang="en-US" sz="2900" b="0" i="0" u="none" strike="noStrike" kern="1200" cap="none" spc="0" normalizeH="0" baseline="0" noProof="0" dirty="0">
               <a:ln>
                 <a:noFill/>
               </a:ln>
@@ -7836,13 +7555,13 @@
               <a:defRPr/>
             </a:pPr>
             <a:r>
-              <a:rPr lang="en-US" sz="3090" dirty="0" smtClean="0">
+              <a:rPr lang="en-US" sz="3090" dirty="0">
                 <a:latin typeface="Trebuchet MS" pitchFamily="34" charset="0"/>
               </a:rPr>
               <a:t>Discussion with </a:t>
             </a:r>
             <a:r>
-              <a:rPr lang="en-US" sz="3090" dirty="0" smtClean="0">
+              <a:rPr lang="en-US" sz="3090" dirty="0">
                 <a:solidFill>
                   <a:srgbClr val="FFFF00"/>
                 </a:solidFill>
@@ -7851,7 +7570,7 @@
               <a:t>vei</a:t>
             </a:r>
             <a:r>
-              <a:rPr kumimoji="0" lang="en-US" sz="3090" b="0" i="0" u="none" strike="noStrike" kern="1200" cap="none" spc="0" normalizeH="0" baseline="0" noProof="0" dirty="0" smtClean="0">
+              <a:rPr kumimoji="0" lang="en-US" sz="3090" b="0" i="0" u="none" strike="noStrike" kern="1200" cap="none" spc="0" normalizeH="0" baseline="0" noProof="0" dirty="0">
                 <a:ln>
                   <a:noFill/>
                 </a:ln>
@@ -7868,7 +7587,7 @@
               <a:t>l</a:t>
             </a:r>
             <a:r>
-              <a:rPr kumimoji="0" lang="en-US" sz="3090" b="0" i="0" u="none" strike="noStrike" kern="1200" cap="none" spc="0" normalizeH="0" baseline="0" noProof="0" dirty="0" smtClean="0">
+              <a:rPr kumimoji="0" lang="en-US" sz="3090" b="0" i="0" u="none" strike="noStrike" kern="1200" cap="none" spc="0" normalizeH="0" baseline="0" noProof="0" dirty="0">
                 <a:ln>
                   <a:noFill/>
                 </a:ln>
@@ -7885,7 +7604,7 @@
               <a:t> on means you are </a:t>
             </a:r>
             <a:r>
-              <a:rPr kumimoji="0" lang="en-US" sz="3090" b="0" i="0" u="none" strike="noStrike" kern="1200" cap="none" spc="0" normalizeH="0" baseline="0" noProof="0" dirty="0" smtClean="0">
+              <a:rPr kumimoji="0" lang="en-US" sz="3090" b="0" i="0" u="none" strike="noStrike" kern="1200" cap="none" spc="0" normalizeH="0" baseline="0" noProof="0" dirty="0">
                 <a:ln>
                   <a:noFill/>
                 </a:ln>
@@ -7902,7 +7621,7 @@
               <a:t>judged</a:t>
             </a:r>
             <a:r>
-              <a:rPr kumimoji="0" lang="en-US" sz="3090" b="0" i="0" u="none" strike="noStrike" kern="1200" cap="none" spc="0" normalizeH="0" noProof="0" dirty="0" smtClean="0">
+              <a:rPr kumimoji="0" lang="en-US" sz="3090" b="0" i="0" u="none" strike="noStrike" kern="1200" cap="none" spc="0" normalizeH="0" noProof="0" dirty="0">
                 <a:ln>
                   <a:noFill/>
                 </a:ln>
@@ -7918,7 +7637,7 @@
               </a:rPr>
               <a:t> by your ideas</a:t>
             </a:r>
-            <a:endParaRPr kumimoji="0" lang="en-US" sz="3090" b="0" i="0" u="none" strike="noStrike" kern="1200" cap="none" spc="0" normalizeH="0" baseline="0" noProof="0" dirty="0" smtClean="0">
+            <a:endParaRPr kumimoji="0" lang="en-US" sz="3090" b="0" i="0" u="none" strike="noStrike" kern="1200" cap="none" spc="0" normalizeH="0" baseline="0" noProof="0" dirty="0">
               <a:ln>
                 <a:noFill/>
               </a:ln>
@@ -7953,7 +7672,7 @@
               <a:tabLst/>
               <a:defRPr/>
             </a:pPr>
-            <a:endParaRPr lang="en-US" sz="3090" dirty="0" smtClean="0">
+            <a:endParaRPr lang="en-US" sz="3090" dirty="0">
               <a:latin typeface="Trebuchet MS" pitchFamily="34" charset="0"/>
             </a:endParaRPr>
           </a:p>
@@ -7978,13 +7697,13 @@
               <a:defRPr/>
             </a:pPr>
             <a:r>
-              <a:rPr lang="en-US" sz="3090" dirty="0" smtClean="0">
+              <a:rPr lang="en-US" sz="3090" dirty="0">
                 <a:latin typeface="Trebuchet MS" pitchFamily="34" charset="0"/>
               </a:rPr>
               <a:t>- More </a:t>
             </a:r>
             <a:r>
-              <a:rPr lang="en-US" sz="3090" dirty="0" smtClean="0">
+              <a:rPr lang="en-US" sz="3090" dirty="0">
                 <a:solidFill>
                   <a:srgbClr val="00B050"/>
                 </a:solidFill>
@@ -7993,13 +7712,13 @@
               <a:t>open debates </a:t>
             </a:r>
             <a:r>
-              <a:rPr lang="en-US" sz="3090" dirty="0" smtClean="0">
+              <a:rPr lang="en-US" sz="3090" dirty="0">
                 <a:latin typeface="Trebuchet MS" pitchFamily="34" charset="0"/>
               </a:rPr>
               <a:t>with the </a:t>
             </a:r>
             <a:r>
-              <a:rPr lang="en-US" sz="3090" dirty="0" smtClean="0">
+              <a:rPr lang="en-US" sz="3090" dirty="0">
                 <a:solidFill>
                   <a:srgbClr val="FFFF00"/>
                 </a:solidFill>
@@ -8028,7 +7747,7 @@
               <a:tabLst/>
               <a:defRPr/>
             </a:pPr>
-            <a:endParaRPr kumimoji="0" lang="en-US" sz="3090" b="0" i="0" u="none" strike="noStrike" kern="1200" cap="none" spc="0" normalizeH="0" baseline="0" noProof="0" dirty="0" smtClean="0">
+            <a:endParaRPr kumimoji="0" lang="en-US" sz="3090" b="0" i="0" u="none" strike="noStrike" kern="1200" cap="none" spc="0" normalizeH="0" baseline="0" noProof="0" dirty="0">
               <a:ln>
                 <a:noFill/>
               </a:ln>
@@ -8064,13 +7783,13 @@
               <a:defRPr/>
             </a:pPr>
             <a:r>
-              <a:rPr lang="en-US" sz="3090" dirty="0" smtClean="0">
+              <a:rPr lang="en-US" sz="3090" dirty="0">
                 <a:latin typeface="Trebuchet MS" pitchFamily="34" charset="0"/>
               </a:rPr>
               <a:t>- </a:t>
             </a:r>
             <a:r>
-              <a:rPr lang="en-US" sz="3090" dirty="0" smtClean="0">
+              <a:rPr lang="en-US" sz="3090" dirty="0">
                 <a:solidFill>
                   <a:srgbClr val="00B050"/>
                 </a:solidFill>
@@ -8079,13 +7798,13 @@
               <a:t>Better and civil debates</a:t>
             </a:r>
             <a:r>
-              <a:rPr lang="en-US" sz="3090" dirty="0" smtClean="0">
+              <a:rPr lang="en-US" sz="3090" dirty="0">
                 <a:latin typeface="Trebuchet MS" pitchFamily="34" charset="0"/>
               </a:rPr>
               <a:t> due to </a:t>
             </a:r>
             <a:r>
-              <a:rPr lang="en-US" sz="3090" dirty="0" smtClean="0">
+              <a:rPr lang="en-US" sz="3090" dirty="0">
                 <a:solidFill>
                   <a:srgbClr val="00B050"/>
                 </a:solidFill>
@@ -8114,7 +7833,7 @@
               <a:tabLst/>
               <a:defRPr/>
             </a:pPr>
-            <a:endParaRPr lang="en-US" sz="3090" dirty="0" smtClean="0">
+            <a:endParaRPr lang="en-US" sz="3090" dirty="0">
               <a:latin typeface="Trebuchet MS" pitchFamily="34" charset="0"/>
             </a:endParaRPr>
           </a:p>
@@ -8139,7 +7858,7 @@
               <a:defRPr/>
             </a:pPr>
             <a:r>
-              <a:rPr lang="en-US" sz="3090" dirty="0" smtClean="0">
+              <a:rPr lang="en-US" sz="3090" dirty="0">
                 <a:latin typeface="Trebuchet MS" pitchFamily="34" charset="0"/>
               </a:rPr>
               <a:t>- Oxford style debates and voting</a:t>
@@ -8165,7 +7884,7 @@
               <a:tabLst/>
               <a:defRPr/>
             </a:pPr>
-            <a:endParaRPr kumimoji="0" lang="en-US" sz="2900" b="0" i="0" u="none" strike="noStrike" kern="1200" cap="none" spc="0" normalizeH="0" baseline="0" noProof="0" dirty="0" smtClean="0">
+            <a:endParaRPr kumimoji="0" lang="en-US" sz="2900" b="0" i="0" u="none" strike="noStrike" kern="1200" cap="none" spc="0" normalizeH="0" baseline="0" noProof="0" dirty="0">
               <a:ln>
                 <a:noFill/>
               </a:ln>
@@ -8185,20 +7904,13 @@
     </p:spTree>
     <p:extLst>
       <p:ext uri="{BB962C8B-B14F-4D97-AF65-F5344CB8AC3E}">
-        <p14:creationId xmlns:p14="http://schemas.microsoft.com/office/powerpoint/2010/main" xmlns="" val="1747655176"/>
+        <p14:creationId xmlns:p14="http://schemas.microsoft.com/office/powerpoint/2010/main" val="1747655176"/>
       </p:ext>
     </p:extLst>
   </p:cSld>
   <p:clrMapOvr>
     <a:masterClrMapping/>
   </p:clrMapOvr>
-  <p:timing>
-    <p:tnLst>
-      <p:par>
-        <p:cTn id="1" dur="indefinite" restart="never" nodeType="tmRoot"/>
-      </p:par>
-    </p:tnLst>
-  </p:timing>
 </p:sld>
 </file>
 

--- a/Documentation/TetraPlex deck 0.54 - dark mode.pptx
+++ b/Documentation/TetraPlex deck 0.54 - dark mode.pptx
@@ -123,7 +123,7 @@
   </p:defaultTextStyle>
   <p:extLst>
     <p:ext uri="{EFAFB233-063F-42B5-8137-9DF3F51BA10A}">
-      <p15:sldGuideLst xmlns:p15="http://schemas.microsoft.com/office/powerpoint/2012/main">
+      <p15:sldGuideLst xmlns="" xmlns:p15="http://schemas.microsoft.com/office/powerpoint/2012/main">
         <p15:guide id="1" orient="horz" pos="2160">
           <p15:clr>
             <a:srgbClr val="A4A3A4"/>
@@ -433,7 +433,7 @@
             <a:fld id="{D703D9E9-6871-4375-AC09-0A65C85665EF}" type="datetimeFigureOut">
               <a:rPr lang="de-DE" smtClean="0"/>
               <a:pPr/>
-              <a:t>20.08.2023</a:t>
+              <a:t>05.09.2023</a:t>
             </a:fld>
             <a:endParaRPr lang="de-DE"/>
           </a:p>
@@ -502,7 +502,7 @@
             <a:fld id="{C7333882-20C1-4C48-9C8E-9879F17E166B}" type="slidenum">
               <a:rPr lang="de-DE" smtClean="0"/>
               <a:pPr/>
-              <a:t>‹Nr.›</a:t>
+              <a:t>‹#›</a:t>
             </a:fld>
             <a:endParaRPr lang="de-DE"/>
           </a:p>
@@ -625,7 +625,7 @@
             <a:fld id="{D703D9E9-6871-4375-AC09-0A65C85665EF}" type="datetimeFigureOut">
               <a:rPr lang="de-DE" smtClean="0"/>
               <a:pPr/>
-              <a:t>20.08.2023</a:t>
+              <a:t>05.09.2023</a:t>
             </a:fld>
             <a:endParaRPr lang="de-DE"/>
           </a:p>
@@ -668,7 +668,7 @@
             <a:fld id="{C7333882-20C1-4C48-9C8E-9879F17E166B}" type="slidenum">
               <a:rPr lang="de-DE" smtClean="0"/>
               <a:pPr/>
-              <a:t>‹Nr.›</a:t>
+              <a:t>‹#›</a:t>
             </a:fld>
             <a:endParaRPr lang="de-DE"/>
           </a:p>
@@ -806,7 +806,7 @@
             <a:fld id="{D703D9E9-6871-4375-AC09-0A65C85665EF}" type="datetimeFigureOut">
               <a:rPr lang="de-DE" smtClean="0"/>
               <a:pPr/>
-              <a:t>20.08.2023</a:t>
+              <a:t>05.09.2023</a:t>
             </a:fld>
             <a:endParaRPr lang="de-DE"/>
           </a:p>
@@ -994,7 +994,7 @@
             <a:fld id="{C7333882-20C1-4C48-9C8E-9879F17E166B}" type="slidenum">
               <a:rPr lang="de-DE" smtClean="0"/>
               <a:pPr/>
-              <a:t>‹Nr.›</a:t>
+              <a:t>‹#›</a:t>
             </a:fld>
             <a:endParaRPr lang="de-DE"/>
           </a:p>
@@ -1070,7 +1070,7 @@
             <a:fld id="{D703D9E9-6871-4375-AC09-0A65C85665EF}" type="datetimeFigureOut">
               <a:rPr lang="de-DE" smtClean="0"/>
               <a:pPr/>
-              <a:t>20.08.2023</a:t>
+              <a:t>05.09.2023</a:t>
             </a:fld>
             <a:endParaRPr lang="de-DE"/>
           </a:p>
@@ -1121,7 +1121,7 @@
             <a:fld id="{C7333882-20C1-4C48-9C8E-9879F17E166B}" type="slidenum">
               <a:rPr lang="de-DE" smtClean="0"/>
               <a:pPr/>
-              <a:t>‹Nr.›</a:t>
+              <a:t>‹#›</a:t>
             </a:fld>
             <a:endParaRPr lang="de-DE"/>
           </a:p>
@@ -1482,7 +1482,7 @@
             <a:fld id="{D703D9E9-6871-4375-AC09-0A65C85665EF}" type="datetimeFigureOut">
               <a:rPr lang="de-DE" smtClean="0"/>
               <a:pPr/>
-              <a:t>20.08.2023</a:t>
+              <a:t>05.09.2023</a:t>
             </a:fld>
             <a:endParaRPr lang="de-DE"/>
           </a:p>
@@ -1521,7 +1521,7 @@
             <a:fld id="{C7333882-20C1-4C48-9C8E-9879F17E166B}" type="slidenum">
               <a:rPr lang="de-DE" smtClean="0"/>
               <a:pPr/>
-              <a:t>‹Nr.›</a:t>
+              <a:t>‹#›</a:t>
             </a:fld>
             <a:endParaRPr lang="de-DE"/>
           </a:p>
@@ -1725,7 +1725,7 @@
             <a:fld id="{D703D9E9-6871-4375-AC09-0A65C85665EF}" type="datetimeFigureOut">
               <a:rPr lang="de-DE" smtClean="0"/>
               <a:pPr/>
-              <a:t>20.08.2023</a:t>
+              <a:t>05.09.2023</a:t>
             </a:fld>
             <a:endParaRPr lang="de-DE"/>
           </a:p>
@@ -1749,7 +1749,7 @@
             <a:fld id="{C7333882-20C1-4C48-9C8E-9879F17E166B}" type="slidenum">
               <a:rPr lang="de-DE" smtClean="0"/>
               <a:pPr/>
-              <a:t>‹Nr.›</a:t>
+              <a:t>‹#›</a:t>
             </a:fld>
             <a:endParaRPr lang="de-DE"/>
           </a:p>
@@ -1962,7 +1962,7 @@
             <a:fld id="{D703D9E9-6871-4375-AC09-0A65C85665EF}" type="datetimeFigureOut">
               <a:rPr lang="de-DE" smtClean="0"/>
               <a:pPr/>
-              <a:t>20.08.2023</a:t>
+              <a:t>05.09.2023</a:t>
             </a:fld>
             <a:endParaRPr lang="de-DE"/>
           </a:p>
@@ -1986,7 +1986,7 @@
             <a:fld id="{C7333882-20C1-4C48-9C8E-9879F17E166B}" type="slidenum">
               <a:rPr lang="de-DE" smtClean="0"/>
               <a:pPr/>
-              <a:t>‹Nr.›</a:t>
+              <a:t>‹#›</a:t>
             </a:fld>
             <a:endParaRPr lang="de-DE"/>
           </a:p>
@@ -2158,7 +2158,7 @@
             <a:fld id="{D703D9E9-6871-4375-AC09-0A65C85665EF}" type="datetimeFigureOut">
               <a:rPr lang="de-DE" smtClean="0"/>
               <a:pPr/>
-              <a:t>20.08.2023</a:t>
+              <a:t>05.09.2023</a:t>
             </a:fld>
             <a:endParaRPr lang="de-DE"/>
           </a:p>
@@ -2209,7 +2209,7 @@
             <a:fld id="{C7333882-20C1-4C48-9C8E-9879F17E166B}" type="slidenum">
               <a:rPr lang="de-DE" smtClean="0"/>
               <a:pPr/>
-              <a:t>‹Nr.›</a:t>
+              <a:t>‹#›</a:t>
             </a:fld>
             <a:endParaRPr lang="de-DE"/>
           </a:p>
@@ -2258,7 +2258,7 @@
             <a:fld id="{D703D9E9-6871-4375-AC09-0A65C85665EF}" type="datetimeFigureOut">
               <a:rPr lang="de-DE" smtClean="0"/>
               <a:pPr/>
-              <a:t>20.08.2023</a:t>
+              <a:t>05.09.2023</a:t>
             </a:fld>
             <a:endParaRPr lang="de-DE"/>
           </a:p>
@@ -2314,7 +2314,7 @@
             <a:fld id="{C7333882-20C1-4C48-9C8E-9879F17E166B}" type="slidenum">
               <a:rPr lang="de-DE" smtClean="0"/>
               <a:pPr/>
-              <a:t>‹Nr.›</a:t>
+              <a:t>‹#›</a:t>
             </a:fld>
             <a:endParaRPr lang="de-DE"/>
           </a:p>
@@ -2395,7 +2395,7 @@
             <a:fld id="{D703D9E9-6871-4375-AC09-0A65C85665EF}" type="datetimeFigureOut">
               <a:rPr lang="de-DE" smtClean="0"/>
               <a:pPr/>
-              <a:t>20.08.2023</a:t>
+              <a:t>05.09.2023</a:t>
             </a:fld>
             <a:endParaRPr lang="de-DE"/>
           </a:p>
@@ -2446,7 +2446,7 @@
             <a:fld id="{C7333882-20C1-4C48-9C8E-9879F17E166B}" type="slidenum">
               <a:rPr lang="de-DE" smtClean="0"/>
               <a:pPr/>
-              <a:t>‹Nr.›</a:t>
+              <a:t>‹#›</a:t>
             </a:fld>
             <a:endParaRPr lang="de-DE"/>
           </a:p>
@@ -2909,7 +2909,7 @@
             <a:fld id="{D703D9E9-6871-4375-AC09-0A65C85665EF}" type="datetimeFigureOut">
               <a:rPr lang="de-DE" smtClean="0"/>
               <a:pPr/>
-              <a:t>20.08.2023</a:t>
+              <a:t>05.09.2023</a:t>
             </a:fld>
             <a:endParaRPr lang="de-DE"/>
           </a:p>
@@ -2942,7 +2942,7 @@
             <a:fld id="{C7333882-20C1-4C48-9C8E-9879F17E166B}" type="slidenum">
               <a:rPr lang="de-DE" smtClean="0"/>
               <a:pPr/>
-              <a:t>‹Nr.›</a:t>
+              <a:t>‹#›</a:t>
             </a:fld>
             <a:endParaRPr lang="de-DE"/>
           </a:p>
@@ -3169,7 +3169,7 @@
             <a:fld id="{D703D9E9-6871-4375-AC09-0A65C85665EF}" type="datetimeFigureOut">
               <a:rPr lang="de-DE" smtClean="0"/>
               <a:pPr/>
-              <a:t>20.08.2023</a:t>
+              <a:t>05.09.2023</a:t>
             </a:fld>
             <a:endParaRPr lang="de-DE"/>
           </a:p>
@@ -3388,7 +3388,7 @@
             <a:fld id="{C7333882-20C1-4C48-9C8E-9879F17E166B}" type="slidenum">
               <a:rPr lang="de-DE" smtClean="0"/>
               <a:pPr/>
-              <a:t>‹Nr.›</a:t>
+              <a:t>‹#›</a:t>
             </a:fld>
             <a:endParaRPr lang="de-DE"/>
           </a:p>
@@ -3714,7 +3714,7 @@
           <p:cNvPr id="3" name="Untertitel 2">
             <a:extLst>
               <a:ext uri="{FF2B5EF4-FFF2-40B4-BE49-F238E27FC236}">
-                <a16:creationId xmlns:a16="http://schemas.microsoft.com/office/drawing/2014/main" id="{66EAC223-604A-E53F-EADB-5FCF3F050425}"/>
+                <a16:creationId xmlns="" xmlns:a16="http://schemas.microsoft.com/office/drawing/2014/main" id="{66EAC223-604A-E53F-EADB-5FCF3F050425}"/>
               </a:ext>
             </a:extLst>
           </p:cNvPr>
@@ -3889,7 +3889,7 @@
     </p:spTree>
     <p:extLst>
       <p:ext uri="{BB962C8B-B14F-4D97-AF65-F5344CB8AC3E}">
-        <p14:creationId xmlns:p14="http://schemas.microsoft.com/office/powerpoint/2010/main" val="77256135"/>
+        <p14:creationId xmlns="" xmlns:p14="http://schemas.microsoft.com/office/powerpoint/2010/main" val="77256135"/>
       </p:ext>
     </p:extLst>
   </p:cSld>
@@ -3921,7 +3921,7 @@
           <p:cNvPr id="2" name="Titel 1">
             <a:extLst>
               <a:ext uri="{FF2B5EF4-FFF2-40B4-BE49-F238E27FC236}">
-                <a16:creationId xmlns:a16="http://schemas.microsoft.com/office/drawing/2014/main" id="{0E0F567F-A26B-3FB3-CCB2-26650C9159FD}"/>
+                <a16:creationId xmlns="" xmlns:a16="http://schemas.microsoft.com/office/drawing/2014/main" id="{0E0F567F-A26B-3FB3-CCB2-26650C9159FD}"/>
               </a:ext>
             </a:extLst>
           </p:cNvPr>
@@ -3960,7 +3960,7 @@
           <p:cNvPr id="3" name="Inhaltsplatzhalter 2">
             <a:extLst>
               <a:ext uri="{FF2B5EF4-FFF2-40B4-BE49-F238E27FC236}">
-                <a16:creationId xmlns:a16="http://schemas.microsoft.com/office/drawing/2014/main" id="{0C8E27EB-6D5D-FD5C-62B8-EF46AD9E1128}"/>
+                <a16:creationId xmlns="" xmlns:a16="http://schemas.microsoft.com/office/drawing/2014/main" id="{0C8E27EB-6D5D-FD5C-62B8-EF46AD9E1128}"/>
               </a:ext>
             </a:extLst>
           </p:cNvPr>
@@ -4089,7 +4089,7 @@
     </p:spTree>
     <p:extLst>
       <p:ext uri="{BB962C8B-B14F-4D97-AF65-F5344CB8AC3E}">
-        <p14:creationId xmlns:p14="http://schemas.microsoft.com/office/powerpoint/2010/main" val="3625188337"/>
+        <p14:creationId xmlns="" xmlns:p14="http://schemas.microsoft.com/office/powerpoint/2010/main" val="3625188337"/>
       </p:ext>
     </p:extLst>
   </p:cSld>
@@ -4363,7 +4363,7 @@
         </p:blipFill>
         <p:spPr>
           <a:xfrm>
-            <a:off x="6222683" y="2110740"/>
+            <a:off x="4703165" y="2151082"/>
             <a:ext cx="1828800" cy="1828800"/>
           </a:xfrm>
         </p:spPr>
@@ -4384,7 +4384,7 @@
         </p:blipFill>
         <p:spPr>
           <a:xfrm>
-            <a:off x="3718560" y="2118360"/>
+            <a:off x="2199042" y="2158702"/>
             <a:ext cx="1889760" cy="1889760"/>
           </a:xfrm>
           <a:prstGeom prst="rect">
@@ -4400,7 +4400,7 @@
         </p:nvSpPr>
         <p:spPr>
           <a:xfrm>
-            <a:off x="3585464" y="4114801"/>
+            <a:off x="2065946" y="4155143"/>
             <a:ext cx="2667000" cy="2123658"/>
           </a:xfrm>
           <a:prstGeom prst="rect">
@@ -4474,7 +4474,7 @@
         </p:nvSpPr>
         <p:spPr>
           <a:xfrm>
-            <a:off x="6187440" y="4206240"/>
+            <a:off x="4667922" y="4246582"/>
             <a:ext cx="1955535" cy="1631216"/>
           </a:xfrm>
           <a:prstGeom prst="rect">
@@ -4540,7 +4540,7 @@
           <p:cNvPr id="6" name="Grafik 5" descr="Ein Bild, das Person, Menschliches Gesicht, Kleidung, Im Haus enthält.&#10;&#10;Automatisch generierte Beschreibung">
             <a:extLst>
               <a:ext uri="{FF2B5EF4-FFF2-40B4-BE49-F238E27FC236}">
-                <a16:creationId xmlns:a16="http://schemas.microsoft.com/office/drawing/2014/main" id="{5E3CCB7C-283E-6158-B2CF-17A9C229788F}"/>
+                <a16:creationId xmlns="" xmlns:a16="http://schemas.microsoft.com/office/drawing/2014/main" id="{5E3CCB7C-283E-6158-B2CF-17A9C229788F}"/>
               </a:ext>
             </a:extLst>
           </p:cNvPr>
@@ -4550,10 +4550,10 @@
           <p:nvPr/>
         </p:nvPicPr>
         <p:blipFill rotWithShape="1">
-          <a:blip r:embed="rId4">
+          <a:blip r:embed="rId4" cstate="print">
             <a:extLst>
               <a:ext uri="{28A0092B-C50C-407E-A947-70E740481C1C}">
-                <a14:useLocalDpi xmlns:a14="http://schemas.microsoft.com/office/drawing/2010/main" val="0"/>
+                <a14:useLocalDpi xmlns="" xmlns:a14="http://schemas.microsoft.com/office/drawing/2010/main" val="0"/>
               </a:ext>
             </a:extLst>
           </a:blip>
@@ -4562,7 +4562,7 @@
         </p:blipFill>
         <p:spPr>
           <a:xfrm>
-            <a:off x="8742946" y="2110739"/>
+            <a:off x="7223428" y="2151081"/>
             <a:ext cx="1828799" cy="1872751"/>
           </a:xfrm>
           <a:prstGeom prst="rect">
@@ -4575,7 +4575,7 @@
           <p:cNvPr id="7" name="Textfeld 6">
             <a:extLst>
               <a:ext uri="{FF2B5EF4-FFF2-40B4-BE49-F238E27FC236}">
-                <a16:creationId xmlns:a16="http://schemas.microsoft.com/office/drawing/2014/main" id="{6FB2E4A0-179E-475B-DD41-E08BC9863422}"/>
+                <a16:creationId xmlns="" xmlns:a16="http://schemas.microsoft.com/office/drawing/2014/main" id="{6FB2E4A0-179E-475B-DD41-E08BC9863422}"/>
               </a:ext>
             </a:extLst>
           </p:cNvPr>
@@ -4584,7 +4584,7 @@
         </p:nvSpPr>
         <p:spPr>
           <a:xfrm>
-            <a:off x="8742946" y="4206240"/>
+            <a:off x="7223428" y="4246582"/>
             <a:ext cx="2845202" cy="1754326"/>
           </a:xfrm>
           <a:prstGeom prst="rect">
@@ -4841,7 +4841,7 @@
           <p:cNvPr id="6" name="Inhaltsplatzhalter 2">
             <a:extLst>
               <a:ext uri="{FF2B5EF4-FFF2-40B4-BE49-F238E27FC236}">
-                <a16:creationId xmlns:a16="http://schemas.microsoft.com/office/drawing/2014/main" id="{0C8E27EB-6D5D-FD5C-62B8-EF46AD9E1128}"/>
+                <a16:creationId xmlns="" xmlns:a16="http://schemas.microsoft.com/office/drawing/2014/main" id="{0C8E27EB-6D5D-FD5C-62B8-EF46AD9E1128}"/>
               </a:ext>
             </a:extLst>
           </p:cNvPr>
@@ -5379,7 +5379,7 @@
           <p:cNvPr id="6" name="Inhaltsplatzhalter 2">
             <a:extLst>
               <a:ext uri="{FF2B5EF4-FFF2-40B4-BE49-F238E27FC236}">
-                <a16:creationId xmlns:a16="http://schemas.microsoft.com/office/drawing/2014/main" id="{0C8E27EB-6D5D-FD5C-62B8-EF46AD9E1128}"/>
+                <a16:creationId xmlns="" xmlns:a16="http://schemas.microsoft.com/office/drawing/2014/main" id="{0C8E27EB-6D5D-FD5C-62B8-EF46AD9E1128}"/>
               </a:ext>
             </a:extLst>
           </p:cNvPr>
@@ -5766,7 +5766,7 @@
           <p:cNvPr id="2" name="Titel 1">
             <a:extLst>
               <a:ext uri="{FF2B5EF4-FFF2-40B4-BE49-F238E27FC236}">
-                <a16:creationId xmlns:a16="http://schemas.microsoft.com/office/drawing/2014/main" id="{C21D459F-BF65-98A3-82FE-E681FB41ADC3}"/>
+                <a16:creationId xmlns="" xmlns:a16="http://schemas.microsoft.com/office/drawing/2014/main" id="{C21D459F-BF65-98A3-82FE-E681FB41ADC3}"/>
               </a:ext>
             </a:extLst>
           </p:cNvPr>
@@ -5800,7 +5800,7 @@
           <p:cNvPr id="3" name="Inhaltsplatzhalter 2">
             <a:extLst>
               <a:ext uri="{FF2B5EF4-FFF2-40B4-BE49-F238E27FC236}">
-                <a16:creationId xmlns:a16="http://schemas.microsoft.com/office/drawing/2014/main" id="{75E8FA1C-5EA9-21B0-E50C-8ECC1B166C3E}"/>
+                <a16:creationId xmlns="" xmlns:a16="http://schemas.microsoft.com/office/drawing/2014/main" id="{75E8FA1C-5EA9-21B0-E50C-8ECC1B166C3E}"/>
               </a:ext>
             </a:extLst>
           </p:cNvPr>
@@ -5830,7 +5830,19 @@
               <a:rPr lang="de-DE" sz="4400" dirty="0">
                 <a:latin typeface="Trebuchet MS" pitchFamily="34" charset="0"/>
               </a:rPr>
-              <a:t>Social Media have become </a:t>
+              <a:t>Social Media </a:t>
+            </a:r>
+            <a:r>
+              <a:rPr lang="de-DE" sz="4400" dirty="0" smtClean="0">
+                <a:latin typeface="Trebuchet MS" pitchFamily="34" charset="0"/>
+              </a:rPr>
+              <a:t>has </a:t>
+            </a:r>
+            <a:r>
+              <a:rPr lang="de-DE" sz="4400" dirty="0">
+                <a:latin typeface="Trebuchet MS" pitchFamily="34" charset="0"/>
+              </a:rPr>
+              <a:t>become </a:t>
             </a:r>
             <a:r>
               <a:rPr lang="de-DE" sz="4400" dirty="0">
@@ -5953,7 +5965,7 @@
     </p:spTree>
     <p:extLst>
       <p:ext uri="{BB962C8B-B14F-4D97-AF65-F5344CB8AC3E}">
-        <p14:creationId xmlns:p14="http://schemas.microsoft.com/office/powerpoint/2010/main" val="3190174708"/>
+        <p14:creationId xmlns="" xmlns:p14="http://schemas.microsoft.com/office/powerpoint/2010/main" val="3190174708"/>
       </p:ext>
     </p:extLst>
   </p:cSld>
@@ -5985,7 +5997,7 @@
           <p:cNvPr id="2" name="Titel 1">
             <a:extLst>
               <a:ext uri="{FF2B5EF4-FFF2-40B4-BE49-F238E27FC236}">
-                <a16:creationId xmlns:a16="http://schemas.microsoft.com/office/drawing/2014/main" id="{C21D459F-BF65-98A3-82FE-E681FB41ADC3}"/>
+                <a16:creationId xmlns="" xmlns:a16="http://schemas.microsoft.com/office/drawing/2014/main" id="{C21D459F-BF65-98A3-82FE-E681FB41ADC3}"/>
               </a:ext>
             </a:extLst>
           </p:cNvPr>
@@ -6158,7 +6170,7 @@
     </p:spTree>
     <p:extLst>
       <p:ext uri="{BB962C8B-B14F-4D97-AF65-F5344CB8AC3E}">
-        <p14:creationId xmlns:p14="http://schemas.microsoft.com/office/powerpoint/2010/main" val="3230060305"/>
+        <p14:creationId xmlns="" xmlns:p14="http://schemas.microsoft.com/office/powerpoint/2010/main" val="3230060305"/>
       </p:ext>
     </p:extLst>
   </p:cSld>
@@ -6407,7 +6419,7 @@
           <p:cNvPr id="2" name="Titel 1">
             <a:extLst>
               <a:ext uri="{FF2B5EF4-FFF2-40B4-BE49-F238E27FC236}">
-                <a16:creationId xmlns:a16="http://schemas.microsoft.com/office/drawing/2014/main" id="{104ADDBE-2857-21DF-31CF-75966D662895}"/>
+                <a16:creationId xmlns="" xmlns:a16="http://schemas.microsoft.com/office/drawing/2014/main" id="{104ADDBE-2857-21DF-31CF-75966D662895}"/>
               </a:ext>
             </a:extLst>
           </p:cNvPr>
@@ -6617,7 +6629,7 @@
     </p:spTree>
     <p:extLst>
       <p:ext uri="{BB962C8B-B14F-4D97-AF65-F5344CB8AC3E}">
-        <p14:creationId xmlns:p14="http://schemas.microsoft.com/office/powerpoint/2010/main" val="3351770822"/>
+        <p14:creationId xmlns="" xmlns:p14="http://schemas.microsoft.com/office/powerpoint/2010/main" val="3351770822"/>
       </p:ext>
     </p:extLst>
   </p:cSld>
@@ -6649,7 +6661,7 @@
           <p:cNvPr id="2" name="Titel 1">
             <a:extLst>
               <a:ext uri="{FF2B5EF4-FFF2-40B4-BE49-F238E27FC236}">
-                <a16:creationId xmlns:a16="http://schemas.microsoft.com/office/drawing/2014/main" id="{D08A566F-4CA9-F7DF-ECEB-910A88862795}"/>
+                <a16:creationId xmlns="" xmlns:a16="http://schemas.microsoft.com/office/drawing/2014/main" id="{D08A566F-4CA9-F7DF-ECEB-910A88862795}"/>
               </a:ext>
             </a:extLst>
           </p:cNvPr>
@@ -6683,7 +6695,7 @@
           <p:cNvPr id="13" name="Inhaltsplatzhalter 2">
             <a:extLst>
               <a:ext uri="{FF2B5EF4-FFF2-40B4-BE49-F238E27FC236}">
-                <a16:creationId xmlns:a16="http://schemas.microsoft.com/office/drawing/2014/main" id="{FAC69121-968E-B939-3377-5335E9638EE8}"/>
+                <a16:creationId xmlns="" xmlns:a16="http://schemas.microsoft.com/office/drawing/2014/main" id="{FAC69121-968E-B939-3377-5335E9638EE8}"/>
               </a:ext>
             </a:extLst>
           </p:cNvPr>
@@ -6806,7 +6818,7 @@
     </p:spTree>
     <p:extLst>
       <p:ext uri="{BB962C8B-B14F-4D97-AF65-F5344CB8AC3E}">
-        <p14:creationId xmlns:p14="http://schemas.microsoft.com/office/powerpoint/2010/main" val="4139908003"/>
+        <p14:creationId xmlns="" xmlns:p14="http://schemas.microsoft.com/office/powerpoint/2010/main" val="4139908003"/>
       </p:ext>
     </p:extLst>
   </p:cSld>
@@ -7069,7 +7081,7 @@
           <p:cNvPr id="2" name="Titel 1">
             <a:extLst>
               <a:ext uri="{FF2B5EF4-FFF2-40B4-BE49-F238E27FC236}">
-                <a16:creationId xmlns:a16="http://schemas.microsoft.com/office/drawing/2014/main" id="{D08A566F-4CA9-F7DF-ECEB-910A88862795}"/>
+                <a16:creationId xmlns="" xmlns:a16="http://schemas.microsoft.com/office/drawing/2014/main" id="{D08A566F-4CA9-F7DF-ECEB-910A88862795}"/>
               </a:ext>
             </a:extLst>
           </p:cNvPr>
@@ -7103,7 +7115,7 @@
           <p:cNvPr id="3" name="Inhaltsplatzhalter 2">
             <a:extLst>
               <a:ext uri="{FF2B5EF4-FFF2-40B4-BE49-F238E27FC236}">
-                <a16:creationId xmlns:a16="http://schemas.microsoft.com/office/drawing/2014/main" id="{FAC69121-968E-B939-3377-5335E9638EE8}"/>
+                <a16:creationId xmlns="" xmlns:a16="http://schemas.microsoft.com/office/drawing/2014/main" id="{FAC69121-968E-B939-3377-5335E9638EE8}"/>
               </a:ext>
             </a:extLst>
           </p:cNvPr>
@@ -7131,7 +7143,7 @@
           <p:cNvPr id="8" name="Inhaltsplatzhalter 2">
             <a:extLst>
               <a:ext uri="{FF2B5EF4-FFF2-40B4-BE49-F238E27FC236}">
-                <a16:creationId xmlns:a16="http://schemas.microsoft.com/office/drawing/2014/main" id="{FAC69121-968E-B939-3377-5335E9638EE8}"/>
+                <a16:creationId xmlns="" xmlns:a16="http://schemas.microsoft.com/office/drawing/2014/main" id="{FAC69121-968E-B939-3377-5335E9638EE8}"/>
               </a:ext>
             </a:extLst>
           </p:cNvPr>
@@ -7382,7 +7394,7 @@
     </p:spTree>
     <p:extLst>
       <p:ext uri="{BB962C8B-B14F-4D97-AF65-F5344CB8AC3E}">
-        <p14:creationId xmlns:p14="http://schemas.microsoft.com/office/powerpoint/2010/main" val="1747655176"/>
+        <p14:creationId xmlns="" xmlns:p14="http://schemas.microsoft.com/office/powerpoint/2010/main" val="1747655176"/>
       </p:ext>
     </p:extLst>
   </p:cSld>
@@ -7414,7 +7426,7 @@
           <p:cNvPr id="2" name="Titel 1">
             <a:extLst>
               <a:ext uri="{FF2B5EF4-FFF2-40B4-BE49-F238E27FC236}">
-                <a16:creationId xmlns:a16="http://schemas.microsoft.com/office/drawing/2014/main" id="{D08A566F-4CA9-F7DF-ECEB-910A88862795}"/>
+                <a16:creationId xmlns="" xmlns:a16="http://schemas.microsoft.com/office/drawing/2014/main" id="{D08A566F-4CA9-F7DF-ECEB-910A88862795}"/>
               </a:ext>
             </a:extLst>
           </p:cNvPr>
@@ -7448,7 +7460,7 @@
           <p:cNvPr id="3" name="Inhaltsplatzhalter 2">
             <a:extLst>
               <a:ext uri="{FF2B5EF4-FFF2-40B4-BE49-F238E27FC236}">
-                <a16:creationId xmlns:a16="http://schemas.microsoft.com/office/drawing/2014/main" id="{FAC69121-968E-B939-3377-5335E9638EE8}"/>
+                <a16:creationId xmlns="" xmlns:a16="http://schemas.microsoft.com/office/drawing/2014/main" id="{FAC69121-968E-B939-3377-5335E9638EE8}"/>
               </a:ext>
             </a:extLst>
           </p:cNvPr>
@@ -7476,7 +7488,7 @@
           <p:cNvPr id="8" name="Inhaltsplatzhalter 2">
             <a:extLst>
               <a:ext uri="{FF2B5EF4-FFF2-40B4-BE49-F238E27FC236}">
-                <a16:creationId xmlns:a16="http://schemas.microsoft.com/office/drawing/2014/main" id="{FAC69121-968E-B939-3377-5335E9638EE8}"/>
+                <a16:creationId xmlns="" xmlns:a16="http://schemas.microsoft.com/office/drawing/2014/main" id="{FAC69121-968E-B939-3377-5335E9638EE8}"/>
               </a:ext>
             </a:extLst>
           </p:cNvPr>
@@ -7904,7 +7916,7 @@
     </p:spTree>
     <p:extLst>
       <p:ext uri="{BB962C8B-B14F-4D97-AF65-F5344CB8AC3E}">
-        <p14:creationId xmlns:p14="http://schemas.microsoft.com/office/powerpoint/2010/main" val="1747655176"/>
+        <p14:creationId xmlns="" xmlns:p14="http://schemas.microsoft.com/office/powerpoint/2010/main" val="1747655176"/>
       </p:ext>
     </p:extLst>
   </p:cSld>
